--- a/Literature_Review_Presentation.pptx
+++ b/Literature_Review_Presentation.pptx
@@ -6,6 +6,21 @@
   </p:sldMasterIdLst>
   <p:sldIdLst>
     <p:sldId id="256" r:id="rId2"/>
+    <p:sldId id="260" r:id="rId3"/>
+    <p:sldId id="257" r:id="rId4"/>
+    <p:sldId id="258" r:id="rId5"/>
+    <p:sldId id="259" r:id="rId6"/>
+    <p:sldId id="261" r:id="rId7"/>
+    <p:sldId id="262" r:id="rId8"/>
+    <p:sldId id="263" r:id="rId9"/>
+    <p:sldId id="264" r:id="rId10"/>
+    <p:sldId id="265" r:id="rId11"/>
+    <p:sldId id="266" r:id="rId12"/>
+    <p:sldId id="267" r:id="rId13"/>
+    <p:sldId id="269" r:id="rId14"/>
+    <p:sldId id="268" r:id="rId15"/>
+    <p:sldId id="271" r:id="rId16"/>
+    <p:sldId id="270" r:id="rId17"/>
   </p:sldIdLst>
   <p:sldSz cx="12192000" cy="6858000"/>
   <p:notesSz cx="6858000" cy="9144000"/>
@@ -104,6 +119,11 @@
       </a:defRPr>
     </a:lvl9pPr>
   </p:defaultTextStyle>
+  <p:extLst>
+    <p:ext uri="{EFAFB233-063F-42B5-8137-9DF3F51BA10A}">
+      <p15:sldGuideLst xmlns:p15="http://schemas.microsoft.com/office/powerpoint/2012/main"/>
+    </p:ext>
+  </p:extLst>
 </p:presentation>
 </file>
 
@@ -290,7 +310,7 @@
           <a:p>
             <a:fld id="{4AAD347D-5ACD-4C99-B74B-A9C85AD731AF}" type="datetimeFigureOut">
               <a:rPr lang="en-US" dirty="0"/>
-              <a:t>12/10/2023</a:t>
+              <a:t>12/16/2023</a:t>
             </a:fld>
             <a:endParaRPr lang="en-US" dirty="0"/>
           </a:p>
@@ -560,7 +580,7 @@
           <a:p>
             <a:fld id="{4509A250-FF31-4206-8172-F9D3106AACB1}" type="datetimeFigureOut">
               <a:rPr lang="en-US" dirty="0"/>
-              <a:t>12/10/2023</a:t>
+              <a:t>12/16/2023</a:t>
             </a:fld>
             <a:endParaRPr lang="en-US" dirty="0"/>
           </a:p>
@@ -749,7 +769,7 @@
           <a:p>
             <a:fld id="{4509A250-FF31-4206-8172-F9D3106AACB1}" type="datetimeFigureOut">
               <a:rPr lang="en-US" dirty="0"/>
-              <a:t>12/10/2023</a:t>
+              <a:t>12/16/2023</a:t>
             </a:fld>
             <a:endParaRPr lang="en-US" dirty="0"/>
           </a:p>
@@ -1012,7 +1032,7 @@
           <a:p>
             <a:fld id="{4509A250-FF31-4206-8172-F9D3106AACB1}" type="datetimeFigureOut">
               <a:rPr lang="en-US" dirty="0"/>
-              <a:t>12/10/2023</a:t>
+              <a:t>12/16/2023</a:t>
             </a:fld>
             <a:endParaRPr lang="en-US" dirty="0"/>
           </a:p>
@@ -1339,7 +1359,7 @@
           <a:p>
             <a:fld id="{4509A250-FF31-4206-8172-F9D3106AACB1}" type="datetimeFigureOut">
               <a:rPr lang="en-US" dirty="0"/>
-              <a:t>12/10/2023</a:t>
+              <a:t>12/16/2023</a:t>
             </a:fld>
             <a:endParaRPr lang="en-US" dirty="0"/>
           </a:p>
@@ -1944,7 +1964,7 @@
           <a:p>
             <a:fld id="{4509A250-FF31-4206-8172-F9D3106AACB1}" type="datetimeFigureOut">
               <a:rPr lang="en-US" dirty="0"/>
-              <a:t>12/10/2023</a:t>
+              <a:t>12/16/2023</a:t>
             </a:fld>
             <a:endParaRPr lang="en-US" dirty="0"/>
           </a:p>
@@ -2786,7 +2806,7 @@
           <a:p>
             <a:fld id="{4509A250-FF31-4206-8172-F9D3106AACB1}" type="datetimeFigureOut">
               <a:rPr lang="en-US" dirty="0"/>
-              <a:t>12/10/2023</a:t>
+              <a:t>12/16/2023</a:t>
             </a:fld>
             <a:endParaRPr lang="en-US" dirty="0"/>
           </a:p>
@@ -2951,7 +2971,7 @@
           <a:p>
             <a:fld id="{4509A250-FF31-4206-8172-F9D3106AACB1}" type="datetimeFigureOut">
               <a:rPr lang="en-US" dirty="0"/>
-              <a:t>12/10/2023</a:t>
+              <a:t>12/16/2023</a:t>
             </a:fld>
             <a:endParaRPr lang="en-US" dirty="0"/>
           </a:p>
@@ -3126,7 +3146,7 @@
           <a:p>
             <a:fld id="{4509A250-FF31-4206-8172-F9D3106AACB1}" type="datetimeFigureOut">
               <a:rPr lang="en-US" dirty="0"/>
-              <a:t>12/10/2023</a:t>
+              <a:t>12/16/2023</a:t>
             </a:fld>
             <a:endParaRPr lang="en-US" dirty="0"/>
           </a:p>
@@ -3291,7 +3311,7 @@
           <a:p>
             <a:fld id="{4509A250-FF31-4206-8172-F9D3106AACB1}" type="datetimeFigureOut">
               <a:rPr lang="en-US" dirty="0"/>
-              <a:t>12/10/2023</a:t>
+              <a:t>12/16/2023</a:t>
             </a:fld>
             <a:endParaRPr lang="en-US" dirty="0"/>
           </a:p>
@@ -3530,7 +3550,7 @@
           <a:p>
             <a:fld id="{4509A250-FF31-4206-8172-F9D3106AACB1}" type="datetimeFigureOut">
               <a:rPr lang="en-US" dirty="0"/>
-              <a:t>12/10/2023</a:t>
+              <a:t>12/16/2023</a:t>
             </a:fld>
             <a:endParaRPr lang="en-US" dirty="0"/>
           </a:p>
@@ -3817,7 +3837,7 @@
           <a:p>
             <a:fld id="{4509A250-FF31-4206-8172-F9D3106AACB1}" type="datetimeFigureOut">
               <a:rPr lang="en-US" dirty="0"/>
-              <a:t>12/10/2023</a:t>
+              <a:t>12/16/2023</a:t>
             </a:fld>
             <a:endParaRPr lang="en-US" dirty="0"/>
           </a:p>
@@ -4250,7 +4270,7 @@
           <a:p>
             <a:fld id="{4509A250-FF31-4206-8172-F9D3106AACB1}" type="datetimeFigureOut">
               <a:rPr lang="en-US" dirty="0"/>
-              <a:t>12/10/2023</a:t>
+              <a:t>12/16/2023</a:t>
             </a:fld>
             <a:endParaRPr lang="en-US" dirty="0"/>
           </a:p>
@@ -4363,7 +4383,7 @@
           <a:p>
             <a:fld id="{4509A250-FF31-4206-8172-F9D3106AACB1}" type="datetimeFigureOut">
               <a:rPr lang="en-US" dirty="0"/>
-              <a:t>12/10/2023</a:t>
+              <a:t>12/16/2023</a:t>
             </a:fld>
             <a:endParaRPr lang="en-US" dirty="0"/>
           </a:p>
@@ -4453,7 +4473,7 @@
           <a:p>
             <a:fld id="{4509A250-FF31-4206-8172-F9D3106AACB1}" type="datetimeFigureOut">
               <a:rPr lang="en-US" dirty="0"/>
-              <a:t>12/10/2023</a:t>
+              <a:t>12/16/2023</a:t>
             </a:fld>
             <a:endParaRPr lang="en-US" dirty="0"/>
           </a:p>
@@ -4727,7 +4747,7 @@
           <a:p>
             <a:fld id="{4509A250-FF31-4206-8172-F9D3106AACB1}" type="datetimeFigureOut">
               <a:rPr lang="en-US" dirty="0"/>
-              <a:t>12/10/2023</a:t>
+              <a:t>12/16/2023</a:t>
             </a:fld>
             <a:endParaRPr lang="en-US" dirty="0"/>
           </a:p>
@@ -4997,7 +5017,7 @@
           <a:p>
             <a:fld id="{4509A250-FF31-4206-8172-F9D3106AACB1}" type="datetimeFigureOut">
               <a:rPr lang="en-US" dirty="0"/>
-              <a:t>12/10/2023</a:t>
+              <a:t>12/16/2023</a:t>
             </a:fld>
             <a:endParaRPr lang="en-US" dirty="0"/>
           </a:p>
@@ -5421,7 +5441,7 @@
           <a:p>
             <a:fld id="{4509A250-FF31-4206-8172-F9D3106AACB1}" type="datetimeFigureOut">
               <a:rPr lang="en-US" dirty="0"/>
-              <a:t>12/10/2023</a:t>
+              <a:t>12/16/2023</a:t>
             </a:fld>
             <a:endParaRPr lang="en-US" dirty="0"/>
           </a:p>
@@ -5934,8 +5954,22 @@
             <a:ext cx="9626930" cy="3390181"/>
           </a:xfrm>
         </p:spPr>
-        <p:txBody>
-          <a:bodyPr/>
+        <p:style>
+          <a:lnRef idx="3">
+            <a:schemeClr val="lt1"/>
+          </a:lnRef>
+          <a:fillRef idx="1">
+            <a:schemeClr val="accent1"/>
+          </a:fillRef>
+          <a:effectRef idx="1">
+            <a:schemeClr val="accent1"/>
+          </a:effectRef>
+          <a:fontRef idx="minor">
+            <a:schemeClr val="lt1"/>
+          </a:fontRef>
+        </p:style>
+        <p:txBody>
+          <a:bodyPr anchor="ctr"/>
           <a:lstStyle/>
           <a:p>
             <a:pPr algn="ctr"/>
@@ -5975,22 +6009,42 @@
           <a:lstStyle/>
           <a:p>
             <a:r>
-              <a:rPr lang="en-US" b="1" i="1" dirty="0" smtClean="0"/>
+              <a:rPr lang="en-US" b="1" i="1" dirty="0" smtClean="0">
+                <a:solidFill>
+                  <a:schemeClr val="tx1"/>
+                </a:solidFill>
+              </a:rPr>
               <a:t>CREATED BY: </a:t>
             </a:r>
             <a:r>
-              <a:rPr lang="ru-RU" b="1" i="1" dirty="0" smtClean="0"/>
+              <a:rPr lang="ru-RU" b="1" i="1" dirty="0" smtClean="0">
+                <a:solidFill>
+                  <a:schemeClr val="tx1"/>
+                </a:solidFill>
+              </a:rPr>
               <a:t>Чиркова </a:t>
             </a:r>
             <a:r>
-              <a:rPr lang="ru-RU" b="1" i="1" dirty="0" err="1" smtClean="0"/>
+              <a:rPr lang="ru-RU" b="1" i="1" dirty="0" err="1" smtClean="0">
+                <a:solidFill>
+                  <a:schemeClr val="tx1"/>
+                </a:solidFill>
+              </a:rPr>
               <a:t>юлия</a:t>
             </a:r>
             <a:r>
-              <a:rPr lang="ru-RU" b="1" i="1" dirty="0" smtClean="0"/>
+              <a:rPr lang="ru-RU" b="1" i="1" dirty="0" smtClean="0">
+                <a:solidFill>
+                  <a:schemeClr val="tx1"/>
+                </a:solidFill>
+              </a:rPr>
               <a:t>, БЭАД221</a:t>
             </a:r>
-            <a:endParaRPr lang="ru-RU" b="1" i="1" dirty="0"/>
+            <a:endParaRPr lang="ru-RU" b="1" i="1" dirty="0">
+              <a:solidFill>
+                <a:schemeClr val="tx1"/>
+              </a:solidFill>
+            </a:endParaRPr>
           </a:p>
         </p:txBody>
       </p:sp>
@@ -5998,6 +6052,5205 @@
     <p:extLst>
       <p:ext uri="{BB962C8B-B14F-4D97-AF65-F5344CB8AC3E}">
         <p14:creationId xmlns:p14="http://schemas.microsoft.com/office/powerpoint/2010/main" val="3402217581"/>
+      </p:ext>
+    </p:extLst>
+  </p:cSld>
+  <p:clrMapOvr>
+    <a:masterClrMapping/>
+  </p:clrMapOvr>
+</p:sld>
+</file>
+
+<file path=ppt/slides/slide10.xml><?xml version="1.0" encoding="utf-8"?>
+<p:sld xmlns:a="http://schemas.openxmlformats.org/drawingml/2006/main" xmlns:r="http://schemas.openxmlformats.org/officeDocument/2006/relationships" xmlns:p="http://schemas.openxmlformats.org/presentationml/2006/main">
+  <p:cSld>
+    <p:spTree>
+      <p:nvGrpSpPr>
+        <p:cNvPr id="1" name=""/>
+        <p:cNvGrpSpPr/>
+        <p:nvPr/>
+      </p:nvGrpSpPr>
+      <p:grpSpPr>
+        <a:xfrm>
+          <a:off x="0" y="0"/>
+          <a:ext cx="0" cy="0"/>
+          <a:chOff x="0" y="0"/>
+          <a:chExt cx="0" cy="0"/>
+        </a:xfrm>
+      </p:grpSpPr>
+      <p:sp>
+        <p:nvSpPr>
+          <p:cNvPr id="3" name="Объект 2"/>
+          <p:cNvSpPr>
+            <a:spLocks noGrp="1"/>
+          </p:cNvSpPr>
+          <p:nvPr>
+            <p:ph idx="1"/>
+          </p:nvPr>
+        </p:nvSpPr>
+        <p:spPr>
+          <a:xfrm>
+            <a:off x="188913" y="1611618"/>
+            <a:ext cx="7160794" cy="4780556"/>
+          </a:xfrm>
+        </p:spPr>
+        <p:txBody>
+          <a:bodyPr>
+            <a:normAutofit fontScale="92500" lnSpcReduction="10000"/>
+          </a:bodyPr>
+          <a:lstStyle/>
+          <a:p>
+            <a:r>
+              <a:rPr lang="ru-RU" dirty="0" smtClean="0"/>
+              <a:t>Нормальные </a:t>
+            </a:r>
+            <a:r>
+              <a:rPr lang="ru-RU" dirty="0"/>
+              <a:t>данные </a:t>
+            </a:r>
+            <a:r>
+              <a:rPr lang="en-US" dirty="0" smtClean="0"/>
+              <a:t>VS </a:t>
+            </a:r>
+            <a:r>
+              <a:rPr lang="ru-RU" dirty="0" smtClean="0"/>
+              <a:t>аномалии </a:t>
+            </a:r>
+            <a:endParaRPr lang="en-US" dirty="0" smtClean="0"/>
+          </a:p>
+          <a:p>
+            <a:r>
+              <a:rPr lang="ru-RU" dirty="0" smtClean="0"/>
+              <a:t>Линейно </a:t>
+            </a:r>
+            <a:r>
+              <a:rPr lang="ru-RU" dirty="0"/>
+              <a:t>отделимы друг от </a:t>
+            </a:r>
+            <a:r>
+              <a:rPr lang="ru-RU" dirty="0" smtClean="0"/>
+              <a:t>друга</a:t>
+            </a:r>
+            <a:r>
+              <a:rPr lang="ru-RU" dirty="0"/>
+              <a:t> </a:t>
+            </a:r>
+            <a:r>
+              <a:rPr lang="en-US" dirty="0" smtClean="0"/>
+              <a:t>=&gt; </a:t>
+            </a:r>
+            <a:r>
+              <a:rPr lang="ru-RU" dirty="0" smtClean="0"/>
+              <a:t>𝑆𝑉𝑀 ищет </a:t>
+            </a:r>
+            <a:r>
+              <a:rPr lang="ru-RU" dirty="0"/>
+              <a:t>«наилучшую» разделяющую гиперплоскость между </a:t>
+            </a:r>
+            <a:r>
+              <a:rPr lang="ru-RU" dirty="0" smtClean="0"/>
+              <a:t>ними</a:t>
+            </a:r>
+            <a:r>
+              <a:rPr lang="en-US" dirty="0" smtClean="0"/>
+              <a:t> (</a:t>
+            </a:r>
+            <a:r>
+              <a:rPr lang="ru-RU" dirty="0" smtClean="0"/>
+              <a:t>расстояния от крайних точек обоих классов максимально</a:t>
+            </a:r>
+            <a:r>
+              <a:rPr lang="en-US" dirty="0" smtClean="0"/>
+              <a:t>)</a:t>
+            </a:r>
+          </a:p>
+          <a:p>
+            <a:r>
+              <a:rPr lang="ru-RU" dirty="0" smtClean="0"/>
+              <a:t>Линейно неразделимы </a:t>
+            </a:r>
+            <a:r>
+              <a:rPr lang="en-US" dirty="0" smtClean="0"/>
+              <a:t>=&gt; </a:t>
+            </a:r>
+            <a:r>
+              <a:rPr lang="ru-RU" dirty="0" smtClean="0"/>
+              <a:t>вводится </a:t>
+            </a:r>
+            <a:r>
+              <a:rPr lang="ru-RU" dirty="0"/>
+              <a:t>новая ось (или </a:t>
+            </a:r>
+            <a:r>
+              <a:rPr lang="ru-RU" dirty="0" smtClean="0"/>
+              <a:t>оси)</a:t>
+            </a:r>
+            <a:endParaRPr lang="en-US" dirty="0" smtClean="0"/>
+          </a:p>
+          <a:p>
+            <a:r>
+              <a:rPr lang="ru-RU" dirty="0" smtClean="0"/>
+              <a:t>DBN </a:t>
+            </a:r>
+            <a:r>
+              <a:rPr lang="ru-RU" dirty="0"/>
+              <a:t>(</a:t>
+            </a:r>
+            <a:r>
+              <a:rPr lang="ru-RU" dirty="0" err="1"/>
+              <a:t>Deep</a:t>
+            </a:r>
+            <a:r>
+              <a:rPr lang="ru-RU" dirty="0"/>
+              <a:t> </a:t>
+            </a:r>
+            <a:r>
+              <a:rPr lang="ru-RU" dirty="0" err="1"/>
+              <a:t>Belief</a:t>
+            </a:r>
+            <a:r>
+              <a:rPr lang="ru-RU" dirty="0"/>
+              <a:t> </a:t>
+            </a:r>
+            <a:r>
+              <a:rPr lang="ru-RU" dirty="0" err="1"/>
+              <a:t>Network</a:t>
+            </a:r>
+            <a:r>
+              <a:rPr lang="ru-RU" dirty="0"/>
+              <a:t>) для преобразования признаков и уменьшения </a:t>
+            </a:r>
+            <a:r>
+              <a:rPr lang="ru-RU" dirty="0" smtClean="0"/>
+              <a:t>размерности</a:t>
+            </a:r>
+            <a:r>
+              <a:rPr lang="en-US" dirty="0" smtClean="0"/>
+              <a:t> + 1-</a:t>
+            </a:r>
+            <a:r>
+              <a:rPr lang="ru-RU" dirty="0" smtClean="0"/>
+              <a:t>классовый </a:t>
+            </a:r>
+            <a:r>
+              <a:rPr lang="en-US" dirty="0" smtClean="0"/>
+              <a:t>SVM</a:t>
+            </a:r>
+            <a:endParaRPr lang="en-US" dirty="0"/>
+          </a:p>
+          <a:p>
+            <a:r>
+              <a:rPr lang="ru-RU" dirty="0" smtClean="0"/>
+              <a:t>Многомерные данные, меньше временные затраты, эффективность при работе с большими </a:t>
+            </a:r>
+            <a:r>
+              <a:rPr lang="ru-RU" dirty="0" err="1" smtClean="0"/>
+              <a:t>датасетами</a:t>
+            </a:r>
+            <a:r>
+              <a:rPr lang="ru-RU" dirty="0" smtClean="0"/>
+              <a:t>, неразмеченные данные</a:t>
+            </a:r>
+          </a:p>
+          <a:p>
+            <a:r>
+              <a:rPr lang="ru-RU" dirty="0" smtClean="0"/>
+              <a:t>Значительные траты вычислительных мощностей на </a:t>
+            </a:r>
+            <a:r>
+              <a:rPr lang="ru-RU" dirty="0" err="1" smtClean="0"/>
+              <a:t>болших</a:t>
+            </a:r>
+            <a:r>
+              <a:rPr lang="ru-RU" dirty="0" smtClean="0"/>
+              <a:t> объемах данных</a:t>
+            </a:r>
+          </a:p>
+        </p:txBody>
+      </p:sp>
+      <p:sp>
+        <p:nvSpPr>
+          <p:cNvPr id="4" name="Заголовок 1"/>
+          <p:cNvSpPr>
+            <a:spLocks noGrp="1"/>
+          </p:cNvSpPr>
+          <p:nvPr>
+            <p:ph type="title"/>
+          </p:nvPr>
+        </p:nvSpPr>
+        <p:spPr>
+          <a:xfrm>
+            <a:off x="646111" y="452718"/>
+            <a:ext cx="9404723" cy="789486"/>
+          </a:xfrm>
+        </p:spPr>
+        <p:style>
+          <a:lnRef idx="3">
+            <a:schemeClr val="lt1"/>
+          </a:lnRef>
+          <a:fillRef idx="1">
+            <a:schemeClr val="accent1"/>
+          </a:fillRef>
+          <a:effectRef idx="1">
+            <a:schemeClr val="accent1"/>
+          </a:effectRef>
+          <a:fontRef idx="minor">
+            <a:schemeClr val="lt1"/>
+          </a:fontRef>
+        </p:style>
+        <p:txBody>
+          <a:bodyPr/>
+          <a:lstStyle/>
+          <a:p>
+            <a:pPr algn="ctr"/>
+            <a:r>
+              <a:rPr lang="en-US" b="1" i="1" dirty="0" smtClean="0"/>
+              <a:t>Supporting Vectors Machine</a:t>
+            </a:r>
+            <a:endParaRPr lang="ru-RU" b="1" i="1" dirty="0"/>
+          </a:p>
+        </p:txBody>
+      </p:sp>
+      <p:sp>
+        <p:nvSpPr>
+          <p:cNvPr id="5" name="TextBox 4"/>
+          <p:cNvSpPr txBox="1"/>
+          <p:nvPr/>
+        </p:nvSpPr>
+        <p:spPr>
+          <a:xfrm>
+            <a:off x="4425351" y="6176513"/>
+            <a:ext cx="8057072" cy="523220"/>
+          </a:xfrm>
+          <a:prstGeom prst="rect">
+            <a:avLst/>
+          </a:prstGeom>
+          <a:noFill/>
+        </p:spPr>
+        <p:txBody>
+          <a:bodyPr wrap="square" rtlCol="0">
+            <a:spAutoFit/>
+          </a:bodyPr>
+          <a:lstStyle/>
+          <a:p>
+            <a:r>
+              <a:rPr lang="en-US" sz="1400" dirty="0"/>
+              <a:t>“High-dimensional and large-scale anomaly detection using a linear </a:t>
+            </a:r>
+            <a:r>
+              <a:rPr lang="en-US" sz="1400" dirty="0" err="1"/>
+              <a:t>oneclass</a:t>
+            </a:r>
+            <a:r>
+              <a:rPr lang="en-US" sz="1400" dirty="0"/>
+              <a:t> SVM with deep </a:t>
+            </a:r>
+            <a:r>
+              <a:rPr lang="en-US" sz="1400" dirty="0" smtClean="0"/>
+              <a:t>learning” by S</a:t>
+            </a:r>
+            <a:r>
+              <a:rPr lang="en-US" sz="1400" dirty="0"/>
+              <a:t>. M. </a:t>
+            </a:r>
+            <a:r>
+              <a:rPr lang="en-US" sz="1400" dirty="0" err="1"/>
+              <a:t>Erfani</a:t>
+            </a:r>
+            <a:r>
+              <a:rPr lang="en-US" sz="1400" dirty="0"/>
+              <a:t>, S. </a:t>
+            </a:r>
+            <a:r>
+              <a:rPr lang="en-US" sz="1400" dirty="0" err="1"/>
+              <a:t>Rajasegarar</a:t>
+            </a:r>
+            <a:r>
+              <a:rPr lang="en-US" sz="1400" dirty="0"/>
+              <a:t>, S. </a:t>
+            </a:r>
+            <a:r>
+              <a:rPr lang="en-US" sz="1400" dirty="0" err="1"/>
+              <a:t>Karunasekera</a:t>
+            </a:r>
+            <a:r>
+              <a:rPr lang="en-US" sz="1400" dirty="0"/>
+              <a:t>, Ch. 13 </a:t>
+            </a:r>
+            <a:r>
+              <a:rPr lang="en-US" sz="1400" dirty="0" err="1"/>
+              <a:t>Leckie</a:t>
+            </a:r>
+            <a:endParaRPr lang="ru-RU" sz="1400" dirty="0"/>
+          </a:p>
+        </p:txBody>
+      </p:sp>
+      <p:grpSp>
+        <p:nvGrpSpPr>
+          <p:cNvPr id="7" name="Группа 6"/>
+          <p:cNvGrpSpPr/>
+          <p:nvPr/>
+        </p:nvGrpSpPr>
+        <p:grpSpPr>
+          <a:xfrm>
+            <a:off x="7668883" y="2137830"/>
+            <a:ext cx="3994030" cy="3754012"/>
+            <a:chOff x="6901132" y="1611618"/>
+            <a:chExt cx="4701396" cy="4107695"/>
+          </a:xfrm>
+        </p:grpSpPr>
+        <p:sp>
+          <p:nvSpPr>
+            <p:cNvPr id="6" name="Прямоугольник 5"/>
+            <p:cNvSpPr/>
+            <p:nvPr/>
+          </p:nvSpPr>
+          <p:spPr>
+            <a:xfrm>
+              <a:off x="6901132" y="1611618"/>
+              <a:ext cx="4701396" cy="4107695"/>
+            </a:xfrm>
+            <a:prstGeom prst="rect">
+              <a:avLst/>
+            </a:prstGeom>
+            <a:solidFill>
+              <a:schemeClr val="tx1"/>
+            </a:solidFill>
+            <a:ln>
+              <a:solidFill>
+                <a:schemeClr val="tx1"/>
+              </a:solidFill>
+            </a:ln>
+          </p:spPr>
+          <p:style>
+            <a:lnRef idx="2">
+              <a:schemeClr val="accent1">
+                <a:shade val="50000"/>
+              </a:schemeClr>
+            </a:lnRef>
+            <a:fillRef idx="1">
+              <a:schemeClr val="accent1"/>
+            </a:fillRef>
+            <a:effectRef idx="0">
+              <a:schemeClr val="accent1"/>
+            </a:effectRef>
+            <a:fontRef idx="minor">
+              <a:schemeClr val="lt1"/>
+            </a:fontRef>
+          </p:style>
+          <p:txBody>
+            <a:bodyPr rtlCol="0" anchor="ctr"/>
+            <a:lstStyle/>
+            <a:p>
+              <a:pPr algn="ctr"/>
+              <a:endParaRPr lang="ru-RU"/>
+            </a:p>
+          </p:txBody>
+        </p:sp>
+        <p:pic>
+          <p:nvPicPr>
+            <p:cNvPr id="5122" name="Picture 2" descr="Метод опорных векторов (SVM) — Викиконспекты"/>
+            <p:cNvPicPr>
+              <a:picLocks noChangeAspect="1" noChangeArrowheads="1"/>
+            </p:cNvPicPr>
+            <p:nvPr/>
+          </p:nvPicPr>
+          <p:blipFill>
+            <a:blip r:embed="rId2">
+              <a:extLst>
+                <a:ext uri="{28A0092B-C50C-407E-A947-70E740481C1C}">
+                  <a14:useLocalDpi xmlns:a14="http://schemas.microsoft.com/office/drawing/2010/main" val="0"/>
+                </a:ext>
+              </a:extLst>
+            </a:blip>
+            <a:srcRect/>
+            <a:stretch>
+              <a:fillRect/>
+            </a:stretch>
+          </p:blipFill>
+          <p:spPr bwMode="auto">
+            <a:xfrm>
+              <a:off x="7082586" y="1748554"/>
+              <a:ext cx="4252523" cy="3756397"/>
+            </a:xfrm>
+            <a:prstGeom prst="rect">
+              <a:avLst/>
+            </a:prstGeom>
+            <a:noFill/>
+            <a:extLst>
+              <a:ext uri="{909E8E84-426E-40DD-AFC4-6F175D3DCCD1}">
+                <a14:hiddenFill xmlns:a14="http://schemas.microsoft.com/office/drawing/2010/main">
+                  <a:solidFill>
+                    <a:srgbClr val="FFFFFF"/>
+                  </a:solidFill>
+                </a14:hiddenFill>
+              </a:ext>
+            </a:extLst>
+          </p:spPr>
+        </p:pic>
+      </p:grpSp>
+    </p:spTree>
+    <p:extLst>
+      <p:ext uri="{BB962C8B-B14F-4D97-AF65-F5344CB8AC3E}">
+        <p14:creationId xmlns:p14="http://schemas.microsoft.com/office/powerpoint/2010/main" val="1663852456"/>
+      </p:ext>
+    </p:extLst>
+  </p:cSld>
+  <p:clrMapOvr>
+    <a:masterClrMapping/>
+  </p:clrMapOvr>
+</p:sld>
+</file>
+
+<file path=ppt/slides/slide11.xml><?xml version="1.0" encoding="utf-8"?>
+<p:sld xmlns:a="http://schemas.openxmlformats.org/drawingml/2006/main" xmlns:r="http://schemas.openxmlformats.org/officeDocument/2006/relationships" xmlns:p="http://schemas.openxmlformats.org/presentationml/2006/main">
+  <p:cSld>
+    <p:spTree>
+      <p:nvGrpSpPr>
+        <p:cNvPr id="1" name=""/>
+        <p:cNvGrpSpPr/>
+        <p:nvPr/>
+      </p:nvGrpSpPr>
+      <p:grpSpPr>
+        <a:xfrm>
+          <a:off x="0" y="0"/>
+          <a:ext cx="0" cy="0"/>
+          <a:chOff x="0" y="0"/>
+          <a:chExt cx="0" cy="0"/>
+        </a:xfrm>
+      </p:grpSpPr>
+      <p:sp>
+        <p:nvSpPr>
+          <p:cNvPr id="3" name="Объект 2"/>
+          <p:cNvSpPr>
+            <a:spLocks noGrp="1"/>
+          </p:cNvSpPr>
+          <p:nvPr>
+            <p:ph idx="1"/>
+          </p:nvPr>
+        </p:nvSpPr>
+        <p:spPr>
+          <a:xfrm>
+            <a:off x="5193102" y="1492201"/>
+            <a:ext cx="6745855" cy="5184644"/>
+          </a:xfrm>
+        </p:spPr>
+        <p:txBody>
+          <a:bodyPr>
+            <a:normAutofit fontScale="85000" lnSpcReduction="20000"/>
+          </a:bodyPr>
+          <a:lstStyle/>
+          <a:p>
+            <a:r>
+              <a:rPr lang="ru-RU" dirty="0" smtClean="0"/>
+              <a:t>Объединяет </a:t>
+            </a:r>
+            <a:r>
+              <a:rPr lang="ru-RU" dirty="0"/>
+              <a:t>многомерные векторы-измерения, основываясь на их близости по определенному </a:t>
+            </a:r>
+            <a:r>
+              <a:rPr lang="ru-RU" dirty="0" smtClean="0"/>
+              <a:t>признаку; алгоритм:</a:t>
+            </a:r>
+          </a:p>
+          <a:p>
+            <a:r>
+              <a:rPr lang="ru-RU" dirty="0" smtClean="0"/>
+              <a:t>Избавляемся от линейной зависимости, </a:t>
+            </a:r>
+            <a:r>
+              <a:rPr lang="ru-RU" dirty="0"/>
+              <a:t>уменьшая размерность. </a:t>
+            </a:r>
+            <a:endParaRPr lang="ru-RU" dirty="0" smtClean="0"/>
+          </a:p>
+          <a:p>
+            <a:r>
+              <a:rPr lang="ru-RU" dirty="0" smtClean="0"/>
+              <a:t>Важным </a:t>
+            </a:r>
+            <a:r>
+              <a:rPr lang="ru-RU" dirty="0"/>
+              <a:t>этапом кластеризации также является выбор </a:t>
+            </a:r>
+            <a:r>
+              <a:rPr lang="ru-RU" dirty="0" smtClean="0"/>
+              <a:t>метрики</a:t>
+            </a:r>
+            <a:r>
+              <a:rPr lang="ru-RU" dirty="0"/>
+              <a:t> </a:t>
+            </a:r>
+            <a:r>
+              <a:rPr lang="ru-RU" dirty="0" smtClean="0"/>
+              <a:t>(Евклидово расстояние и др.)</a:t>
+            </a:r>
+            <a:endParaRPr lang="ru-RU" dirty="0"/>
+          </a:p>
+          <a:p>
+            <a:r>
+              <a:rPr lang="ru-RU" dirty="0" smtClean="0"/>
+              <a:t>Измерения, попавшие в определенный класс/расстояние до которых превысило порог – аномалии</a:t>
+            </a:r>
+          </a:p>
+          <a:p>
+            <a:r>
+              <a:rPr lang="ru-RU" dirty="0" smtClean="0"/>
+              <a:t>Аномалий мало и они отличны от нормальных данных </a:t>
+            </a:r>
+          </a:p>
+          <a:p>
+            <a:r>
+              <a:rPr lang="ru-RU" dirty="0" smtClean="0"/>
+              <a:t>Работа на неразмеченных данных, без изначальных «знаний» о данных, без знаний о количестве кластеров</a:t>
+            </a:r>
+          </a:p>
+          <a:p>
+            <a:r>
+              <a:rPr lang="ru-RU" dirty="0"/>
+              <a:t>Т</a:t>
+            </a:r>
+            <a:r>
+              <a:rPr lang="ru-RU" dirty="0" smtClean="0"/>
+              <a:t>ребует значительных затрат времени, памяти </a:t>
+            </a:r>
+            <a:r>
+              <a:rPr lang="ru-RU" dirty="0"/>
+              <a:t>и вычислительных </a:t>
+            </a:r>
+            <a:r>
+              <a:rPr lang="ru-RU" dirty="0" smtClean="0"/>
+              <a:t>мощностей</a:t>
+            </a:r>
+          </a:p>
+          <a:p>
+            <a:r>
+              <a:rPr lang="ru-RU" dirty="0" smtClean="0"/>
+              <a:t>Полное и подробное описание, плюсы и минусы ограничения, отбор признаков, выбор метрики</a:t>
+            </a:r>
+          </a:p>
+          <a:p>
+            <a:r>
+              <a:rPr lang="ru-RU" dirty="0" smtClean="0"/>
+              <a:t>Нет сравнения с другими методами на реальных данных</a:t>
+            </a:r>
+          </a:p>
+        </p:txBody>
+      </p:sp>
+      <p:sp>
+        <p:nvSpPr>
+          <p:cNvPr id="4" name="Заголовок 1"/>
+          <p:cNvSpPr>
+            <a:spLocks noGrp="1"/>
+          </p:cNvSpPr>
+          <p:nvPr>
+            <p:ph type="title"/>
+          </p:nvPr>
+        </p:nvSpPr>
+        <p:spPr>
+          <a:xfrm>
+            <a:off x="646111" y="452718"/>
+            <a:ext cx="9404723" cy="789486"/>
+          </a:xfrm>
+        </p:spPr>
+        <p:style>
+          <a:lnRef idx="3">
+            <a:schemeClr val="lt1"/>
+          </a:lnRef>
+          <a:fillRef idx="1">
+            <a:schemeClr val="accent1"/>
+          </a:fillRef>
+          <a:effectRef idx="1">
+            <a:schemeClr val="accent1"/>
+          </a:effectRef>
+          <a:fontRef idx="minor">
+            <a:schemeClr val="lt1"/>
+          </a:fontRef>
+        </p:style>
+        <p:txBody>
+          <a:bodyPr/>
+          <a:lstStyle/>
+          <a:p>
+            <a:pPr algn="ctr"/>
+            <a:r>
+              <a:rPr lang="en-US" b="1" i="1" dirty="0" smtClean="0"/>
+              <a:t>Clustering</a:t>
+            </a:r>
+            <a:endParaRPr lang="ru-RU" b="1" i="1" dirty="0"/>
+          </a:p>
+        </p:txBody>
+      </p:sp>
+      <p:sp>
+        <p:nvSpPr>
+          <p:cNvPr id="5" name="TextBox 4"/>
+          <p:cNvSpPr txBox="1"/>
+          <p:nvPr/>
+        </p:nvSpPr>
+        <p:spPr>
+          <a:xfrm>
+            <a:off x="258792" y="6033289"/>
+            <a:ext cx="4520242" cy="738664"/>
+          </a:xfrm>
+          <a:prstGeom prst="rect">
+            <a:avLst/>
+          </a:prstGeom>
+          <a:noFill/>
+        </p:spPr>
+        <p:txBody>
+          <a:bodyPr wrap="square" rtlCol="0">
+            <a:spAutoFit/>
+          </a:bodyPr>
+          <a:lstStyle/>
+          <a:p>
+            <a:r>
+              <a:rPr lang="en-US" sz="1400" dirty="0"/>
+              <a:t>“A survey of different methods of clustering for anomaly detection” </a:t>
+            </a:r>
+            <a:r>
+              <a:rPr lang="en-US" sz="1400" dirty="0" err="1"/>
+              <a:t>ученых</a:t>
+            </a:r>
+            <a:r>
+              <a:rPr lang="en-US" sz="1400" dirty="0"/>
+              <a:t> S. </a:t>
+            </a:r>
+            <a:r>
+              <a:rPr lang="en-US" sz="1400" dirty="0" err="1"/>
+              <a:t>Tripathy</a:t>
+            </a:r>
+            <a:r>
+              <a:rPr lang="en-US" sz="1400" dirty="0"/>
+              <a:t>, L. </a:t>
+            </a:r>
+            <a:r>
+              <a:rPr lang="en-US" sz="1400" dirty="0" err="1"/>
+              <a:t>Sahoo</a:t>
+            </a:r>
+            <a:endParaRPr lang="ru-RU" sz="1400" dirty="0"/>
+          </a:p>
+          <a:p>
+            <a:endParaRPr lang="ru-RU" sz="1400" dirty="0"/>
+          </a:p>
+        </p:txBody>
+      </p:sp>
+      <p:pic>
+        <p:nvPicPr>
+          <p:cNvPr id="1026" name="Picture 2" descr="Как сделать кластеризацию запросов семантического ядра hard и soft методами"/>
+          <p:cNvPicPr>
+            <a:picLocks noChangeAspect="1" noChangeArrowheads="1"/>
+          </p:cNvPicPr>
+          <p:nvPr/>
+        </p:nvPicPr>
+        <p:blipFill>
+          <a:blip r:embed="rId2">
+            <a:extLst>
+              <a:ext uri="{28A0092B-C50C-407E-A947-70E740481C1C}">
+                <a14:useLocalDpi xmlns:a14="http://schemas.microsoft.com/office/drawing/2010/main" val="0"/>
+              </a:ext>
+            </a:extLst>
+          </a:blip>
+          <a:srcRect/>
+          <a:stretch>
+            <a:fillRect/>
+          </a:stretch>
+        </p:blipFill>
+        <p:spPr bwMode="auto">
+          <a:xfrm>
+            <a:off x="371085" y="1915064"/>
+            <a:ext cx="4295655" cy="3611687"/>
+          </a:xfrm>
+          <a:prstGeom prst="rect">
+            <a:avLst/>
+          </a:prstGeom>
+          <a:noFill/>
+          <a:extLst>
+            <a:ext uri="{909E8E84-426E-40DD-AFC4-6F175D3DCCD1}">
+              <a14:hiddenFill xmlns:a14="http://schemas.microsoft.com/office/drawing/2010/main">
+                <a:solidFill>
+                  <a:srgbClr val="FFFFFF"/>
+                </a:solidFill>
+              </a14:hiddenFill>
+            </a:ext>
+          </a:extLst>
+        </p:spPr>
+      </p:pic>
+    </p:spTree>
+    <p:extLst>
+      <p:ext uri="{BB962C8B-B14F-4D97-AF65-F5344CB8AC3E}">
+        <p14:creationId xmlns:p14="http://schemas.microsoft.com/office/powerpoint/2010/main" val="1595722386"/>
+      </p:ext>
+    </p:extLst>
+  </p:cSld>
+  <p:clrMapOvr>
+    <a:masterClrMapping/>
+  </p:clrMapOvr>
+</p:sld>
+</file>
+
+<file path=ppt/slides/slide12.xml><?xml version="1.0" encoding="utf-8"?>
+<p:sld xmlns:a="http://schemas.openxmlformats.org/drawingml/2006/main" xmlns:r="http://schemas.openxmlformats.org/officeDocument/2006/relationships" xmlns:p="http://schemas.openxmlformats.org/presentationml/2006/main">
+  <p:cSld>
+    <p:spTree>
+      <p:nvGrpSpPr>
+        <p:cNvPr id="1" name=""/>
+        <p:cNvGrpSpPr/>
+        <p:nvPr/>
+      </p:nvGrpSpPr>
+      <p:grpSpPr>
+        <a:xfrm>
+          <a:off x="0" y="0"/>
+          <a:ext cx="0" cy="0"/>
+          <a:chOff x="0" y="0"/>
+          <a:chExt cx="0" cy="0"/>
+        </a:xfrm>
+      </p:grpSpPr>
+      <p:sp>
+        <p:nvSpPr>
+          <p:cNvPr id="3" name="Объект 2"/>
+          <p:cNvSpPr>
+            <a:spLocks noGrp="1"/>
+          </p:cNvSpPr>
+          <p:nvPr>
+            <p:ph idx="1"/>
+          </p:nvPr>
+        </p:nvSpPr>
+        <p:spPr>
+          <a:xfrm>
+            <a:off x="163901" y="1216325"/>
+            <a:ext cx="7936303" cy="5641675"/>
+          </a:xfrm>
+        </p:spPr>
+        <p:txBody>
+          <a:bodyPr>
+            <a:normAutofit fontScale="85000" lnSpcReduction="20000"/>
+          </a:bodyPr>
+          <a:lstStyle/>
+          <a:p>
+            <a:pPr marL="0" indent="0">
+              <a:buNone/>
+            </a:pPr>
+            <a:r>
+              <a:rPr lang="ru-RU" dirty="0" smtClean="0"/>
+              <a:t>1</a:t>
+            </a:r>
+            <a:r>
+              <a:rPr lang="ru-RU" dirty="0"/>
+              <a:t>. разбиваем все измерения на k начальных кластеров, основываясь на их близости к </a:t>
+            </a:r>
+            <a:r>
+              <a:rPr lang="ru-RU" dirty="0" err="1"/>
+              <a:t>центроидам</a:t>
+            </a:r>
+            <a:r>
+              <a:rPr lang="ru-RU" dirty="0"/>
+              <a:t> </a:t>
+            </a:r>
+            <a:endParaRPr lang="en-US" dirty="0"/>
+          </a:p>
+          <a:p>
+            <a:pPr marL="0" indent="0">
+              <a:buNone/>
+            </a:pPr>
+            <a:r>
+              <a:rPr lang="ru-RU" dirty="0" smtClean="0"/>
+              <a:t>2</a:t>
+            </a:r>
+            <a:r>
+              <a:rPr lang="ru-RU" dirty="0"/>
+              <a:t>. для каждого кластера обновляем средние и «жизненный период» </a:t>
+            </a:r>
+            <a:r>
+              <a:rPr lang="en-US" dirty="0" smtClean="0"/>
+              <a:t> </a:t>
+            </a:r>
+            <a:r>
+              <a:rPr lang="ru-RU" dirty="0" smtClean="0"/>
+              <a:t>=</a:t>
+            </a:r>
+            <a:r>
+              <a:rPr lang="en-US" dirty="0" smtClean="0"/>
+              <a:t>&gt; </a:t>
+            </a:r>
+            <a:r>
+              <a:rPr lang="ru-RU" dirty="0" smtClean="0"/>
+              <a:t>какие </a:t>
+            </a:r>
+            <a:r>
+              <a:rPr lang="ru-RU" dirty="0"/>
+              <a:t>векторы должны изменить свой класс </a:t>
+            </a:r>
+            <a:endParaRPr lang="en-US" dirty="0" smtClean="0"/>
+          </a:p>
+          <a:p>
+            <a:pPr marL="0" indent="0">
+              <a:buNone/>
+            </a:pPr>
+            <a:r>
+              <a:rPr lang="ru-RU" dirty="0" smtClean="0"/>
+              <a:t>3</a:t>
+            </a:r>
+            <a:r>
+              <a:rPr lang="ru-RU" dirty="0"/>
+              <a:t>. если такие векторы есть, то повторяем шаг (2), пока таких векторов не останется </a:t>
+            </a:r>
+            <a:endParaRPr lang="en-US" dirty="0" smtClean="0"/>
+          </a:p>
+          <a:p>
+            <a:pPr marL="0" indent="0">
+              <a:buNone/>
+            </a:pPr>
+            <a:r>
+              <a:rPr lang="ru-RU" dirty="0" smtClean="0"/>
+              <a:t>4</a:t>
+            </a:r>
+            <a:r>
+              <a:rPr lang="ru-RU" dirty="0"/>
+              <a:t>. объединяем кластеры на основе их жизненных </a:t>
+            </a:r>
+            <a:r>
+              <a:rPr lang="ru-RU" dirty="0" smtClean="0"/>
+              <a:t>периодов</a:t>
+            </a:r>
+            <a:endParaRPr lang="en-US" dirty="0" smtClean="0"/>
+          </a:p>
+          <a:p>
+            <a:pPr marL="0" indent="0">
+              <a:buNone/>
+            </a:pPr>
+            <a:r>
+              <a:rPr lang="ru-RU" dirty="0" smtClean="0"/>
+              <a:t>5</a:t>
+            </a:r>
+            <a:r>
+              <a:rPr lang="ru-RU" dirty="0"/>
+              <a:t>. </a:t>
+            </a:r>
+            <a:r>
+              <a:rPr lang="ru-RU" dirty="0" smtClean="0"/>
+              <a:t>не </a:t>
+            </a:r>
+            <a:r>
+              <a:rPr lang="ru-RU" dirty="0"/>
+              <a:t>принадлежат ни одному из кластеров, принадлежат разреженному кластеру или принадлежат малому количеству кластеров (суммарно, с учетом объединений), рассматриваются как аномалии </a:t>
+            </a:r>
+            <a:endParaRPr lang="en-US" dirty="0" smtClean="0"/>
+          </a:p>
+          <a:p>
+            <a:r>
+              <a:rPr lang="ru-RU" dirty="0"/>
+              <a:t>А</a:t>
+            </a:r>
+            <a:r>
+              <a:rPr lang="ru-RU" dirty="0" smtClean="0"/>
+              <a:t>номалии разрежены</a:t>
+            </a:r>
+          </a:p>
+          <a:p>
+            <a:r>
+              <a:rPr lang="ru-RU" dirty="0" smtClean="0"/>
+              <a:t>Сравнивали новый алгоритм с </a:t>
+            </a:r>
+            <a:r>
+              <a:rPr lang="ru-RU" dirty="0"/>
+              <a:t>уже существующими </a:t>
+            </a:r>
+            <a:r>
+              <a:rPr lang="ru-RU" dirty="0" smtClean="0"/>
+              <a:t>по </a:t>
+            </a:r>
+            <a:r>
+              <a:rPr lang="ru-RU" dirty="0"/>
+              <a:t>таким </a:t>
+            </a:r>
+            <a:r>
+              <a:rPr lang="ru-RU" dirty="0" smtClean="0"/>
+              <a:t>характеристикам</a:t>
+            </a:r>
+          </a:p>
+          <a:p>
+            <a:r>
+              <a:rPr lang="ru-RU" dirty="0"/>
+              <a:t>Х</a:t>
+            </a:r>
+            <a:r>
+              <a:rPr lang="ru-RU" dirty="0" smtClean="0"/>
+              <a:t>орошо </a:t>
+            </a:r>
+            <a:r>
+              <a:rPr lang="ru-RU" dirty="0"/>
+              <a:t>работает с численными, категориальными и </a:t>
+            </a:r>
+            <a:r>
+              <a:rPr lang="ru-RU" dirty="0" err="1"/>
+              <a:t>временнЫми</a:t>
+            </a:r>
+            <a:r>
+              <a:rPr lang="ru-RU" dirty="0"/>
+              <a:t> </a:t>
+            </a:r>
+            <a:r>
+              <a:rPr lang="ru-RU" dirty="0" smtClean="0"/>
+              <a:t>признаками, не обязательно задавать количество кластеров, высокая  точность, ниже временные затраты </a:t>
+            </a:r>
+          </a:p>
+          <a:p>
+            <a:r>
+              <a:rPr lang="ru-RU" dirty="0" smtClean="0"/>
+              <a:t>Аномалии могут повлиять на </a:t>
+            </a:r>
+            <a:r>
+              <a:rPr lang="ru-RU" dirty="0"/>
+              <a:t>установление </a:t>
+            </a:r>
+            <a:r>
+              <a:rPr lang="ru-RU" dirty="0" err="1" smtClean="0"/>
+              <a:t>центроидов</a:t>
+            </a:r>
+            <a:r>
+              <a:rPr lang="ru-RU" dirty="0"/>
+              <a:t> </a:t>
+            </a:r>
+            <a:r>
+              <a:rPr lang="ru-RU" dirty="0" smtClean="0"/>
+              <a:t>или «собраться</a:t>
+            </a:r>
+            <a:r>
+              <a:rPr lang="ru-RU" dirty="0"/>
+              <a:t>» в собственный </a:t>
+            </a:r>
+            <a:r>
+              <a:rPr lang="ru-RU" dirty="0" smtClean="0"/>
+              <a:t>кластер</a:t>
+            </a:r>
+          </a:p>
+          <a:p>
+            <a:r>
+              <a:rPr lang="ru-RU" dirty="0" smtClean="0"/>
+              <a:t>Глубокое </a:t>
+            </a:r>
+            <a:r>
+              <a:rPr lang="ru-RU" dirty="0" err="1" smtClean="0"/>
+              <a:t>исследование+теория+нововведение</a:t>
+            </a:r>
+            <a:r>
+              <a:rPr lang="ru-RU" dirty="0" smtClean="0"/>
+              <a:t>+ его тестирование</a:t>
+            </a:r>
+            <a:endParaRPr lang="ru-RU" dirty="0"/>
+          </a:p>
+        </p:txBody>
+      </p:sp>
+      <p:sp>
+        <p:nvSpPr>
+          <p:cNvPr id="4" name="Заголовок 1"/>
+          <p:cNvSpPr>
+            <a:spLocks noGrp="1"/>
+          </p:cNvSpPr>
+          <p:nvPr>
+            <p:ph type="title"/>
+          </p:nvPr>
+        </p:nvSpPr>
+        <p:spPr>
+          <a:xfrm>
+            <a:off x="637484" y="250167"/>
+            <a:ext cx="9404723" cy="664234"/>
+          </a:xfrm>
+        </p:spPr>
+        <p:style>
+          <a:lnRef idx="3">
+            <a:schemeClr val="lt1"/>
+          </a:lnRef>
+          <a:fillRef idx="1">
+            <a:schemeClr val="accent1"/>
+          </a:fillRef>
+          <a:effectRef idx="1">
+            <a:schemeClr val="accent1"/>
+          </a:effectRef>
+          <a:fontRef idx="minor">
+            <a:schemeClr val="lt1"/>
+          </a:fontRef>
+        </p:style>
+        <p:txBody>
+          <a:bodyPr/>
+          <a:lstStyle/>
+          <a:p>
+            <a:pPr algn="ctr"/>
+            <a:r>
+              <a:rPr lang="en-US" sz="3200" b="1" i="1" dirty="0" smtClean="0"/>
+              <a:t>K-means clustering + hierarchal clustering</a:t>
+            </a:r>
+            <a:endParaRPr lang="ru-RU" sz="3200" b="1" i="1" dirty="0"/>
+          </a:p>
+        </p:txBody>
+      </p:sp>
+      <p:sp>
+        <p:nvSpPr>
+          <p:cNvPr id="5" name="TextBox 4"/>
+          <p:cNvSpPr txBox="1"/>
+          <p:nvPr/>
+        </p:nvSpPr>
+        <p:spPr>
+          <a:xfrm>
+            <a:off x="8498456" y="5688449"/>
+            <a:ext cx="3735239" cy="1169551"/>
+          </a:xfrm>
+          <a:prstGeom prst="rect">
+            <a:avLst/>
+          </a:prstGeom>
+          <a:noFill/>
+        </p:spPr>
+        <p:txBody>
+          <a:bodyPr wrap="square" rtlCol="0">
+            <a:spAutoFit/>
+          </a:bodyPr>
+          <a:lstStyle/>
+          <a:p>
+            <a:r>
+              <a:rPr lang="ru-RU" sz="1400" dirty="0"/>
+              <a:t>“A </a:t>
+            </a:r>
+            <a:r>
+              <a:rPr lang="ru-RU" sz="1400" dirty="0" err="1"/>
+              <a:t>Mixed</a:t>
+            </a:r>
+            <a:r>
+              <a:rPr lang="ru-RU" sz="1400" dirty="0"/>
+              <a:t> </a:t>
+            </a:r>
+            <a:r>
+              <a:rPr lang="ru-RU" sz="1400" dirty="0" err="1"/>
+              <a:t>Clustering</a:t>
+            </a:r>
+            <a:r>
+              <a:rPr lang="ru-RU" sz="1400" dirty="0"/>
+              <a:t> </a:t>
+            </a:r>
+            <a:r>
+              <a:rPr lang="ru-RU" sz="1400" dirty="0" err="1"/>
+              <a:t>Approach</a:t>
+            </a:r>
+            <a:r>
+              <a:rPr lang="ru-RU" sz="1400" dirty="0"/>
+              <a:t> </a:t>
+            </a:r>
+            <a:r>
+              <a:rPr lang="ru-RU" sz="1400" dirty="0" err="1"/>
+              <a:t>for</a:t>
+            </a:r>
+            <a:r>
+              <a:rPr lang="ru-RU" sz="1400" dirty="0"/>
+              <a:t> </a:t>
+            </a:r>
+            <a:r>
+              <a:rPr lang="ru-RU" sz="1400" dirty="0" err="1"/>
+              <a:t>Real</a:t>
+            </a:r>
+            <a:r>
+              <a:rPr lang="ru-RU" sz="1400" dirty="0"/>
+              <a:t> </a:t>
+            </a:r>
+            <a:r>
+              <a:rPr lang="ru-RU" sz="1400" dirty="0" err="1"/>
+              <a:t>Time</a:t>
+            </a:r>
+            <a:r>
+              <a:rPr lang="ru-RU" sz="1400" dirty="0"/>
+              <a:t> </a:t>
+            </a:r>
+            <a:r>
+              <a:rPr lang="ru-RU" sz="1400" dirty="0" err="1"/>
+              <a:t>Anomaly</a:t>
+            </a:r>
+            <a:r>
+              <a:rPr lang="ru-RU" sz="1400" dirty="0"/>
+              <a:t> </a:t>
+            </a:r>
+            <a:r>
+              <a:rPr lang="ru-RU" sz="1400" dirty="0" err="1"/>
+              <a:t>Detection</a:t>
+            </a:r>
+            <a:r>
+              <a:rPr lang="ru-RU" sz="1400" dirty="0"/>
+              <a:t>” исследователей F. A. </a:t>
+            </a:r>
+            <a:r>
+              <a:rPr lang="ru-RU" sz="1400" dirty="0" err="1"/>
+              <a:t>Mazarbhuiya</a:t>
+            </a:r>
+            <a:r>
+              <a:rPr lang="ru-RU" sz="1400" dirty="0"/>
+              <a:t>, M. </a:t>
+            </a:r>
+            <a:r>
+              <a:rPr lang="ru-RU" sz="1400" dirty="0" err="1"/>
+              <a:t>Shenify</a:t>
+            </a:r>
+            <a:r>
+              <a:rPr lang="ru-RU" sz="1400" dirty="0"/>
+              <a:t> </a:t>
+            </a:r>
+          </a:p>
+          <a:p>
+            <a:endParaRPr lang="ru-RU" sz="1400" dirty="0"/>
+          </a:p>
+        </p:txBody>
+      </p:sp>
+      <p:pic>
+        <p:nvPicPr>
+          <p:cNvPr id="2050" name="Picture 2" descr="2.3. Кластеризация - scikit-learn"/>
+          <p:cNvPicPr>
+            <a:picLocks noChangeAspect="1" noChangeArrowheads="1"/>
+          </p:cNvPicPr>
+          <p:nvPr/>
+        </p:nvPicPr>
+        <p:blipFill>
+          <a:blip r:embed="rId2">
+            <a:extLst>
+              <a:ext uri="{28A0092B-C50C-407E-A947-70E740481C1C}">
+                <a14:useLocalDpi xmlns:a14="http://schemas.microsoft.com/office/drawing/2010/main" val="0"/>
+              </a:ext>
+            </a:extLst>
+          </a:blip>
+          <a:srcRect/>
+          <a:stretch>
+            <a:fillRect/>
+          </a:stretch>
+        </p:blipFill>
+        <p:spPr bwMode="auto">
+          <a:xfrm>
+            <a:off x="8254650" y="1863306"/>
+            <a:ext cx="3730316" cy="3375087"/>
+          </a:xfrm>
+          <a:prstGeom prst="rect">
+            <a:avLst/>
+          </a:prstGeom>
+          <a:noFill/>
+          <a:extLst>
+            <a:ext uri="{909E8E84-426E-40DD-AFC4-6F175D3DCCD1}">
+              <a14:hiddenFill xmlns:a14="http://schemas.microsoft.com/office/drawing/2010/main">
+                <a:solidFill>
+                  <a:srgbClr val="FFFFFF"/>
+                </a:solidFill>
+              </a14:hiddenFill>
+            </a:ext>
+          </a:extLst>
+        </p:spPr>
+      </p:pic>
+    </p:spTree>
+    <p:extLst>
+      <p:ext uri="{BB962C8B-B14F-4D97-AF65-F5344CB8AC3E}">
+        <p14:creationId xmlns:p14="http://schemas.microsoft.com/office/powerpoint/2010/main" val="3431206548"/>
+      </p:ext>
+    </p:extLst>
+  </p:cSld>
+  <p:clrMapOvr>
+    <a:masterClrMapping/>
+  </p:clrMapOvr>
+</p:sld>
+</file>
+
+<file path=ppt/slides/slide13.xml><?xml version="1.0" encoding="utf-8"?>
+<p:sld xmlns:a="http://schemas.openxmlformats.org/drawingml/2006/main" xmlns:r="http://schemas.openxmlformats.org/officeDocument/2006/relationships" xmlns:p="http://schemas.openxmlformats.org/presentationml/2006/main">
+  <p:cSld>
+    <p:spTree>
+      <p:nvGrpSpPr>
+        <p:cNvPr id="1" name=""/>
+        <p:cNvGrpSpPr/>
+        <p:nvPr/>
+      </p:nvGrpSpPr>
+      <p:grpSpPr>
+        <a:xfrm>
+          <a:off x="0" y="0"/>
+          <a:ext cx="0" cy="0"/>
+          <a:chOff x="0" y="0"/>
+          <a:chExt cx="0" cy="0"/>
+        </a:xfrm>
+      </p:grpSpPr>
+      <p:sp>
+        <p:nvSpPr>
+          <p:cNvPr id="3" name="Объект 2"/>
+          <p:cNvSpPr>
+            <a:spLocks noGrp="1"/>
+          </p:cNvSpPr>
+          <p:nvPr>
+            <p:ph idx="1"/>
+          </p:nvPr>
+        </p:nvSpPr>
+        <p:spPr>
+          <a:xfrm>
+            <a:off x="138023" y="1181819"/>
+            <a:ext cx="7832785" cy="5527976"/>
+          </a:xfrm>
+        </p:spPr>
+        <p:txBody>
+          <a:bodyPr>
+            <a:normAutofit fontScale="92500" lnSpcReduction="20000"/>
+          </a:bodyPr>
+          <a:lstStyle/>
+          <a:p>
+            <a:r>
+              <a:rPr lang="ru-RU" dirty="0" smtClean="0"/>
+              <a:t>Позволяет </a:t>
+            </a:r>
+            <a:r>
+              <a:rPr lang="ru-RU" dirty="0"/>
+              <a:t>выявлять аномалии в данных с помощью построения ряда случайных двоичных деревьев </a:t>
+            </a:r>
+            <a:r>
+              <a:rPr lang="ru-RU" dirty="0" smtClean="0"/>
+              <a:t>решений: делит данные на основе случайного признака+ порогового значения </a:t>
+            </a:r>
+          </a:p>
+          <a:p>
+            <a:r>
+              <a:rPr lang="ru-RU" dirty="0" smtClean="0"/>
+              <a:t>Работает пока не закончатся листья, высчитывает высоту каждого листа + несколько </a:t>
+            </a:r>
+            <a:r>
+              <a:rPr lang="ru-RU" dirty="0" err="1" smtClean="0"/>
+              <a:t>запусков+усреднение</a:t>
+            </a:r>
+            <a:r>
+              <a:rPr lang="ru-RU" dirty="0" smtClean="0"/>
+              <a:t> высот</a:t>
+            </a:r>
+          </a:p>
+          <a:p>
+            <a:r>
+              <a:rPr lang="ru-RU" dirty="0" smtClean="0"/>
+              <a:t>Аномалии – средняя высота меньше, чем у остальных измерений</a:t>
+            </a:r>
+            <a:endParaRPr lang="ru-RU" dirty="0"/>
+          </a:p>
+          <a:p>
+            <a:r>
+              <a:rPr lang="ru-RU" dirty="0" smtClean="0"/>
+              <a:t>Аномалии </a:t>
+            </a:r>
+            <a:r>
+              <a:rPr lang="ru-RU" dirty="0"/>
+              <a:t>в данных </a:t>
+            </a:r>
+            <a:r>
+              <a:rPr lang="ru-RU" dirty="0" smtClean="0"/>
+              <a:t>немногочисленны, они отличны и измерения уникальны </a:t>
+            </a:r>
+          </a:p>
+          <a:p>
+            <a:r>
+              <a:rPr lang="ru-RU" dirty="0" smtClean="0"/>
+              <a:t>Оценка аномалии: равный 2</a:t>
+            </a:r>
+            <a:r>
+              <a:rPr lang="en-US" dirty="0" smtClean="0"/>
+              <a:t>^(-</a:t>
+            </a:r>
+            <a:r>
+              <a:rPr lang="ru-RU" dirty="0" smtClean="0"/>
+              <a:t>𝐸</a:t>
+            </a:r>
+            <a:r>
+              <a:rPr lang="ru-RU" dirty="0"/>
+              <a:t>(ℎ</a:t>
+            </a:r>
+            <a:r>
+              <a:rPr lang="ru-RU" dirty="0" smtClean="0"/>
+              <a:t>)</a:t>
+            </a:r>
+            <a:r>
+              <a:rPr lang="en-US" dirty="0" smtClean="0"/>
+              <a:t>/</a:t>
+            </a:r>
+            <a:r>
+              <a:rPr lang="ru-RU" dirty="0" smtClean="0"/>
+              <a:t>𝑐</a:t>
+            </a:r>
+            <a:r>
+              <a:rPr lang="ru-RU" dirty="0"/>
+              <a:t>(𝑛</a:t>
+            </a:r>
+            <a:r>
+              <a:rPr lang="ru-RU" dirty="0" smtClean="0"/>
+              <a:t>)</a:t>
+            </a:r>
+            <a:r>
+              <a:rPr lang="en-US" dirty="0" smtClean="0"/>
+              <a:t>)</a:t>
+            </a:r>
+          </a:p>
+          <a:p>
+            <a:r>
+              <a:rPr lang="ru-RU" dirty="0"/>
+              <a:t>Н</a:t>
+            </a:r>
+            <a:r>
+              <a:rPr lang="ru-RU" dirty="0" smtClean="0"/>
+              <a:t>изкая </a:t>
+            </a:r>
+            <a:r>
+              <a:rPr lang="ru-RU" dirty="0"/>
+              <a:t>вычислительная </a:t>
+            </a:r>
+            <a:r>
+              <a:rPr lang="ru-RU" dirty="0" smtClean="0"/>
+              <a:t>сложность,  </a:t>
+            </a:r>
+            <a:r>
+              <a:rPr lang="ru-RU" dirty="0"/>
+              <a:t>малые временные затраты (благодаря линейной </a:t>
+            </a:r>
+            <a:r>
+              <a:rPr lang="ru-RU" dirty="0" smtClean="0"/>
+              <a:t>сложности), эффективность </a:t>
+            </a:r>
+            <a:r>
+              <a:rPr lang="ru-RU" dirty="0"/>
+              <a:t>при работе с большими массивами </a:t>
+            </a:r>
+            <a:r>
+              <a:rPr lang="ru-RU" dirty="0" smtClean="0"/>
+              <a:t>данных, способность </a:t>
+            </a:r>
+            <a:r>
+              <a:rPr lang="ru-RU" dirty="0"/>
+              <a:t>обнаруживать как точечные аномалии, так и их </a:t>
+            </a:r>
+            <a:r>
+              <a:rPr lang="ru-RU" dirty="0" smtClean="0"/>
+              <a:t>скопления, малые </a:t>
+            </a:r>
+            <a:r>
+              <a:rPr lang="ru-RU" dirty="0"/>
+              <a:t>затраты на </a:t>
+            </a:r>
+            <a:r>
+              <a:rPr lang="ru-RU" dirty="0" smtClean="0"/>
+              <a:t>хранение, способен </a:t>
+            </a:r>
+            <a:r>
+              <a:rPr lang="ru-RU" dirty="0"/>
+              <a:t>работать с многомерными </a:t>
+            </a:r>
+            <a:r>
+              <a:rPr lang="ru-RU" dirty="0" smtClean="0"/>
+              <a:t>данными, вне зависимости от распределения, обучается даже на малых </a:t>
+            </a:r>
+            <a:r>
+              <a:rPr lang="ru-RU" dirty="0" err="1" smtClean="0"/>
+              <a:t>датасетах</a:t>
+            </a:r>
+            <a:endParaRPr lang="ru-RU" dirty="0"/>
+          </a:p>
+          <a:p>
+            <a:r>
+              <a:rPr lang="ru-RU" dirty="0" smtClean="0"/>
+              <a:t>Процесс обучения не особо управляем, менее эффективен при повторяющихся измерениях</a:t>
+            </a:r>
+            <a:endParaRPr lang="ru-RU" dirty="0"/>
+          </a:p>
+        </p:txBody>
+      </p:sp>
+      <p:sp>
+        <p:nvSpPr>
+          <p:cNvPr id="6" name="Заголовок 1"/>
+          <p:cNvSpPr txBox="1">
+            <a:spLocks/>
+          </p:cNvSpPr>
+          <p:nvPr/>
+        </p:nvSpPr>
+        <p:spPr>
+          <a:xfrm>
+            <a:off x="646111" y="362310"/>
+            <a:ext cx="9404723" cy="664234"/>
+          </a:xfrm>
+          <a:prstGeom prst="rect">
+            <a:avLst/>
+          </a:prstGeom>
+        </p:spPr>
+        <p:style>
+          <a:lnRef idx="3">
+            <a:schemeClr val="lt1"/>
+          </a:lnRef>
+          <a:fillRef idx="1">
+            <a:schemeClr val="accent1"/>
+          </a:fillRef>
+          <a:effectRef idx="1">
+            <a:schemeClr val="accent1"/>
+          </a:effectRef>
+          <a:fontRef idx="minor">
+            <a:schemeClr val="lt1"/>
+          </a:fontRef>
+        </p:style>
+        <p:txBody>
+          <a:bodyPr vert="horz" lIns="91440" tIns="45720" rIns="91440" bIns="45720" rtlCol="0" anchor="t">
+            <a:noAutofit/>
+          </a:bodyPr>
+          <a:lstStyle>
+            <a:lvl1pPr algn="l" defTabSz="457200" rtl="0" eaLnBrk="1" latinLnBrk="0" hangingPunct="1">
+              <a:spcBef>
+                <a:spcPct val="0"/>
+              </a:spcBef>
+              <a:buNone/>
+              <a:defRPr sz="4200" b="0" i="0" kern="1200">
+                <a:solidFill>
+                  <a:schemeClr val="lt1"/>
+                </a:solidFill>
+                <a:latin typeface="+mn-lt"/>
+                <a:ea typeface="+mn-ea"/>
+                <a:cs typeface="+mn-cs"/>
+              </a:defRPr>
+            </a:lvl1pPr>
+            <a:lvl2pPr eaLnBrk="1" hangingPunct="1">
+              <a:defRPr>
+                <a:solidFill>
+                  <a:schemeClr val="lt1"/>
+                </a:solidFill>
+                <a:latin typeface="+mn-lt"/>
+                <a:ea typeface="+mn-ea"/>
+                <a:cs typeface="+mn-cs"/>
+              </a:defRPr>
+            </a:lvl2pPr>
+            <a:lvl3pPr eaLnBrk="1" hangingPunct="1">
+              <a:defRPr>
+                <a:solidFill>
+                  <a:schemeClr val="lt1"/>
+                </a:solidFill>
+                <a:latin typeface="+mn-lt"/>
+                <a:ea typeface="+mn-ea"/>
+                <a:cs typeface="+mn-cs"/>
+              </a:defRPr>
+            </a:lvl3pPr>
+            <a:lvl4pPr eaLnBrk="1" hangingPunct="1">
+              <a:defRPr>
+                <a:solidFill>
+                  <a:schemeClr val="lt1"/>
+                </a:solidFill>
+                <a:latin typeface="+mn-lt"/>
+                <a:ea typeface="+mn-ea"/>
+                <a:cs typeface="+mn-cs"/>
+              </a:defRPr>
+            </a:lvl4pPr>
+            <a:lvl5pPr eaLnBrk="1" hangingPunct="1">
+              <a:defRPr>
+                <a:solidFill>
+                  <a:schemeClr val="lt1"/>
+                </a:solidFill>
+                <a:latin typeface="+mn-lt"/>
+                <a:ea typeface="+mn-ea"/>
+                <a:cs typeface="+mn-cs"/>
+              </a:defRPr>
+            </a:lvl5pPr>
+            <a:lvl6pPr eaLnBrk="1" hangingPunct="1">
+              <a:defRPr>
+                <a:solidFill>
+                  <a:schemeClr val="lt1"/>
+                </a:solidFill>
+                <a:latin typeface="+mn-lt"/>
+                <a:ea typeface="+mn-ea"/>
+                <a:cs typeface="+mn-cs"/>
+              </a:defRPr>
+            </a:lvl6pPr>
+            <a:lvl7pPr eaLnBrk="1" hangingPunct="1">
+              <a:defRPr>
+                <a:solidFill>
+                  <a:schemeClr val="lt1"/>
+                </a:solidFill>
+                <a:latin typeface="+mn-lt"/>
+                <a:ea typeface="+mn-ea"/>
+                <a:cs typeface="+mn-cs"/>
+              </a:defRPr>
+            </a:lvl7pPr>
+            <a:lvl8pPr eaLnBrk="1" hangingPunct="1">
+              <a:defRPr>
+                <a:solidFill>
+                  <a:schemeClr val="lt1"/>
+                </a:solidFill>
+                <a:latin typeface="+mn-lt"/>
+                <a:ea typeface="+mn-ea"/>
+                <a:cs typeface="+mn-cs"/>
+              </a:defRPr>
+            </a:lvl8pPr>
+            <a:lvl9pPr eaLnBrk="1" hangingPunct="1">
+              <a:defRPr>
+                <a:solidFill>
+                  <a:schemeClr val="lt1"/>
+                </a:solidFill>
+                <a:latin typeface="+mn-lt"/>
+                <a:ea typeface="+mn-ea"/>
+                <a:cs typeface="+mn-cs"/>
+              </a:defRPr>
+            </a:lvl9pPr>
+          </a:lstStyle>
+          <a:p>
+            <a:pPr algn="ctr"/>
+            <a:r>
+              <a:rPr lang="en-US" sz="3200" b="1" i="1" smtClean="0"/>
+              <a:t>Isolation forest</a:t>
+            </a:r>
+            <a:endParaRPr lang="ru-RU" sz="3200" b="1" i="1" dirty="0"/>
+          </a:p>
+        </p:txBody>
+      </p:sp>
+      <p:sp>
+        <p:nvSpPr>
+          <p:cNvPr id="7" name="TextBox 6"/>
+          <p:cNvSpPr txBox="1"/>
+          <p:nvPr/>
+        </p:nvSpPr>
+        <p:spPr>
+          <a:xfrm>
+            <a:off x="9066362" y="6186575"/>
+            <a:ext cx="3010619" cy="523220"/>
+          </a:xfrm>
+          <a:prstGeom prst="rect">
+            <a:avLst/>
+          </a:prstGeom>
+          <a:noFill/>
+        </p:spPr>
+        <p:txBody>
+          <a:bodyPr wrap="square" rtlCol="0">
+            <a:spAutoFit/>
+          </a:bodyPr>
+          <a:lstStyle/>
+          <a:p>
+            <a:r>
+              <a:rPr lang="ru-RU" sz="1400" dirty="0"/>
+              <a:t>“</a:t>
+            </a:r>
+            <a:r>
+              <a:rPr lang="ru-RU" sz="1400" dirty="0" err="1"/>
+              <a:t>Isolation</a:t>
+            </a:r>
+            <a:r>
+              <a:rPr lang="ru-RU" sz="1400" dirty="0"/>
+              <a:t> </a:t>
+            </a:r>
+            <a:r>
+              <a:rPr lang="ru-RU" sz="1400" dirty="0" err="1" smtClean="0"/>
+              <a:t>Forest</a:t>
+            </a:r>
+            <a:r>
+              <a:rPr lang="ru-RU" sz="1400" dirty="0" smtClean="0"/>
+              <a:t>”, </a:t>
+            </a:r>
+            <a:r>
+              <a:rPr lang="ru-RU" sz="1400" dirty="0" smtClean="0"/>
+              <a:t>F</a:t>
+            </a:r>
+            <a:r>
+              <a:rPr lang="ru-RU" sz="1400" dirty="0"/>
+              <a:t>. T. </a:t>
+            </a:r>
+            <a:r>
+              <a:rPr lang="ru-RU" sz="1400" dirty="0" err="1"/>
+              <a:t>Liu</a:t>
+            </a:r>
+            <a:r>
+              <a:rPr lang="ru-RU" sz="1400" dirty="0"/>
+              <a:t>, K. M. </a:t>
+            </a:r>
+            <a:r>
+              <a:rPr lang="ru-RU" sz="1400" dirty="0" err="1"/>
+              <a:t>Ting</a:t>
+            </a:r>
+            <a:r>
+              <a:rPr lang="ru-RU" sz="1400" dirty="0"/>
+              <a:t>, Z.-H. </a:t>
+            </a:r>
+            <a:r>
+              <a:rPr lang="ru-RU" sz="1400" dirty="0" err="1"/>
+              <a:t>Zhou</a:t>
+            </a:r>
+            <a:r>
+              <a:rPr lang="ru-RU" sz="1400" dirty="0"/>
+              <a:t> </a:t>
+            </a:r>
+          </a:p>
+        </p:txBody>
+      </p:sp>
+      <p:pic>
+        <p:nvPicPr>
+          <p:cNvPr id="9" name="Рисунок 8"/>
+          <p:cNvPicPr>
+            <a:picLocks noChangeAspect="1"/>
+          </p:cNvPicPr>
+          <p:nvPr/>
+        </p:nvPicPr>
+        <p:blipFill rotWithShape="1">
+          <a:blip r:embed="rId2"/>
+          <a:srcRect l="5782" t="17644" r="36844" b="11670"/>
+          <a:stretch/>
+        </p:blipFill>
+        <p:spPr>
+          <a:xfrm>
+            <a:off x="7970808" y="2165230"/>
+            <a:ext cx="4031412" cy="3247127"/>
+          </a:xfrm>
+          <a:prstGeom prst="rect">
+            <a:avLst/>
+          </a:prstGeom>
+        </p:spPr>
+      </p:pic>
+    </p:spTree>
+    <p:extLst>
+      <p:ext uri="{BB962C8B-B14F-4D97-AF65-F5344CB8AC3E}">
+        <p14:creationId xmlns:p14="http://schemas.microsoft.com/office/powerpoint/2010/main" val="1232322373"/>
+      </p:ext>
+    </p:extLst>
+  </p:cSld>
+  <p:clrMapOvr>
+    <a:masterClrMapping/>
+  </p:clrMapOvr>
+</p:sld>
+</file>
+
+<file path=ppt/slides/slide14.xml><?xml version="1.0" encoding="utf-8"?>
+<p:sld xmlns:a="http://schemas.openxmlformats.org/drawingml/2006/main" xmlns:r="http://schemas.openxmlformats.org/officeDocument/2006/relationships" xmlns:p="http://schemas.openxmlformats.org/presentationml/2006/main">
+  <p:cSld>
+    <p:spTree>
+      <p:nvGrpSpPr>
+        <p:cNvPr id="1" name=""/>
+        <p:cNvGrpSpPr/>
+        <p:nvPr/>
+      </p:nvGrpSpPr>
+      <p:grpSpPr>
+        <a:xfrm>
+          <a:off x="0" y="0"/>
+          <a:ext cx="0" cy="0"/>
+          <a:chOff x="0" y="0"/>
+          <a:chExt cx="0" cy="0"/>
+        </a:xfrm>
+      </p:grpSpPr>
+      <p:sp>
+        <p:nvSpPr>
+          <p:cNvPr id="3" name="Объект 2"/>
+          <p:cNvSpPr>
+            <a:spLocks noGrp="1"/>
+          </p:cNvSpPr>
+          <p:nvPr>
+            <p:ph idx="1"/>
+          </p:nvPr>
+        </p:nvSpPr>
+        <p:spPr>
+          <a:xfrm>
+            <a:off x="4520242" y="1354348"/>
+            <a:ext cx="7004649" cy="5305244"/>
+          </a:xfrm>
+        </p:spPr>
+        <p:txBody>
+          <a:bodyPr>
+            <a:normAutofit fontScale="85000" lnSpcReduction="10000"/>
+          </a:bodyPr>
+          <a:lstStyle/>
+          <a:p>
+            <a:r>
+              <a:rPr lang="ru-RU" dirty="0" smtClean="0"/>
+              <a:t>В каждой </a:t>
+            </a:r>
+            <a:r>
+              <a:rPr lang="ru-RU" dirty="0" err="1"/>
+              <a:t>ноде</a:t>
+            </a:r>
+            <a:r>
+              <a:rPr lang="ru-RU" dirty="0"/>
+              <a:t> </a:t>
+            </a:r>
+            <a:r>
+              <a:rPr lang="ru-RU" dirty="0" smtClean="0"/>
+              <a:t>признак - случайное </a:t>
+            </a:r>
+            <a:r>
+              <a:rPr lang="ru-RU" dirty="0"/>
+              <a:t>значение из интервала </a:t>
+            </a:r>
+            <a:r>
+              <a:rPr lang="ru-RU" dirty="0" smtClean="0"/>
+              <a:t>доступных, в многомерном </a:t>
+            </a:r>
+            <a:r>
+              <a:rPr lang="ru-RU" dirty="0"/>
+              <a:t>случае IF как бы делает </a:t>
+            </a:r>
+            <a:r>
+              <a:rPr lang="ru-RU" dirty="0" smtClean="0"/>
+              <a:t>параллельный разрез пространства =</a:t>
+            </a:r>
+            <a:r>
+              <a:rPr lang="en-US" dirty="0" smtClean="0"/>
+              <a:t>&gt; </a:t>
+            </a:r>
+            <a:r>
+              <a:rPr lang="ru-RU" dirty="0" smtClean="0"/>
+              <a:t>смещение </a:t>
+            </a:r>
+          </a:p>
+          <a:p>
+            <a:r>
+              <a:rPr lang="ru-RU" dirty="0" smtClean="0"/>
+              <a:t>Визуализация - «тепловые </a:t>
+            </a:r>
+            <a:r>
+              <a:rPr lang="ru-RU" dirty="0"/>
+              <a:t>карты», отображающие оценку аномалии для каждой точки </a:t>
+            </a:r>
+            <a:r>
+              <a:rPr lang="ru-RU" dirty="0" smtClean="0"/>
+              <a:t>плоскости + реальное распределение </a:t>
+            </a:r>
+          </a:p>
+          <a:p>
+            <a:r>
+              <a:rPr lang="ru-RU" dirty="0" smtClean="0"/>
+              <a:t>Выход – строить случайные гиперплоскости: случайно выбираем точку плоскости и наклон</a:t>
+            </a:r>
+          </a:p>
+          <a:p>
+            <a:r>
+              <a:rPr lang="ru-RU" dirty="0" smtClean="0"/>
+              <a:t>В каждом из полученных </a:t>
+            </a:r>
+            <a:r>
+              <a:rPr lang="ru-RU" dirty="0"/>
+              <a:t>полупространств находится </a:t>
+            </a:r>
+            <a:r>
+              <a:rPr lang="ru-RU" dirty="0" smtClean="0"/>
+              <a:t>ненулевое </a:t>
+            </a:r>
+            <a:r>
+              <a:rPr lang="ru-RU" dirty="0"/>
+              <a:t>количество </a:t>
+            </a:r>
+            <a:endParaRPr lang="ru-RU" dirty="0" smtClean="0"/>
+          </a:p>
+          <a:p>
+            <a:r>
+              <a:rPr lang="ru-RU" dirty="0"/>
+              <a:t>Б</a:t>
+            </a:r>
+            <a:r>
+              <a:rPr lang="ru-RU" dirty="0" smtClean="0"/>
+              <a:t>олее </a:t>
+            </a:r>
+            <a:r>
+              <a:rPr lang="ru-RU" dirty="0"/>
+              <a:t>точная классификация измерений как аномалия/нормальное </a:t>
+            </a:r>
+            <a:r>
+              <a:rPr lang="ru-RU" dirty="0" smtClean="0"/>
+              <a:t>значение, более </a:t>
+            </a:r>
+            <a:r>
+              <a:rPr lang="ru-RU" dirty="0"/>
+              <a:t>низкая дисперсия оценок </a:t>
+            </a:r>
+            <a:r>
+              <a:rPr lang="ru-RU" dirty="0" smtClean="0"/>
+              <a:t>аномалий, 𝐴𝑈𝐶 выше, чем у других моделей</a:t>
+            </a:r>
+            <a:endParaRPr lang="ru-RU" dirty="0"/>
+          </a:p>
+          <a:p>
+            <a:r>
+              <a:rPr lang="ru-RU" dirty="0" smtClean="0"/>
+              <a:t>Генерирует довольно много пустых полупространств, увеличивая время </a:t>
+            </a:r>
+          </a:p>
+          <a:p>
+            <a:r>
+              <a:rPr lang="ru-RU" dirty="0" smtClean="0"/>
+              <a:t>Высококачественные статьи+ продвинутый </a:t>
+            </a:r>
+            <a:r>
+              <a:rPr lang="ru-RU" dirty="0" err="1" smtClean="0"/>
+              <a:t>матаппарат</a:t>
+            </a:r>
+            <a:r>
+              <a:rPr lang="ru-RU" dirty="0" smtClean="0"/>
+              <a:t>, инструменты рассматриваются с разных сторон, ссылки </a:t>
+            </a:r>
+            <a:r>
+              <a:rPr lang="ru-RU" dirty="0"/>
+              <a:t>на исследования </a:t>
+            </a:r>
+            <a:r>
+              <a:rPr lang="ru-RU" dirty="0" smtClean="0"/>
+              <a:t>предшественников, свой вклад виден и протестирован </a:t>
+            </a:r>
+            <a:endParaRPr lang="ru-RU" dirty="0"/>
+          </a:p>
+        </p:txBody>
+      </p:sp>
+      <p:sp>
+        <p:nvSpPr>
+          <p:cNvPr id="4" name="Заголовок 1"/>
+          <p:cNvSpPr>
+            <a:spLocks noGrp="1"/>
+          </p:cNvSpPr>
+          <p:nvPr>
+            <p:ph type="title"/>
+          </p:nvPr>
+        </p:nvSpPr>
+        <p:spPr>
+          <a:xfrm>
+            <a:off x="646111" y="362310"/>
+            <a:ext cx="9404723" cy="664234"/>
+          </a:xfrm>
+        </p:spPr>
+        <p:style>
+          <a:lnRef idx="3">
+            <a:schemeClr val="lt1"/>
+          </a:lnRef>
+          <a:fillRef idx="1">
+            <a:schemeClr val="accent1"/>
+          </a:fillRef>
+          <a:effectRef idx="1">
+            <a:schemeClr val="accent1"/>
+          </a:effectRef>
+          <a:fontRef idx="minor">
+            <a:schemeClr val="lt1"/>
+          </a:fontRef>
+        </p:style>
+        <p:txBody>
+          <a:bodyPr/>
+          <a:lstStyle/>
+          <a:p>
+            <a:pPr algn="ctr"/>
+            <a:r>
+              <a:rPr lang="en-US" sz="3200" b="1" i="1" dirty="0" smtClean="0"/>
+              <a:t>Extended </a:t>
+            </a:r>
+            <a:r>
+              <a:rPr lang="en-US" sz="3200" b="1" i="1" dirty="0"/>
+              <a:t>i</a:t>
+            </a:r>
+            <a:r>
+              <a:rPr lang="en-US" sz="3200" b="1" i="1" dirty="0" smtClean="0"/>
+              <a:t>solation </a:t>
+            </a:r>
+            <a:r>
+              <a:rPr lang="en-US" sz="3200" b="1" i="1" dirty="0" smtClean="0"/>
+              <a:t>forest</a:t>
+            </a:r>
+            <a:endParaRPr lang="ru-RU" sz="3200" b="1" i="1" dirty="0"/>
+          </a:p>
+        </p:txBody>
+      </p:sp>
+      <p:sp>
+        <p:nvSpPr>
+          <p:cNvPr id="2" name="TextBox 1"/>
+          <p:cNvSpPr txBox="1"/>
+          <p:nvPr/>
+        </p:nvSpPr>
+        <p:spPr>
+          <a:xfrm>
+            <a:off x="370936" y="6021238"/>
+            <a:ext cx="3743865" cy="523220"/>
+          </a:xfrm>
+          <a:prstGeom prst="rect">
+            <a:avLst/>
+          </a:prstGeom>
+          <a:noFill/>
+        </p:spPr>
+        <p:txBody>
+          <a:bodyPr wrap="square" rtlCol="0">
+            <a:spAutoFit/>
+          </a:bodyPr>
+          <a:lstStyle/>
+          <a:p>
+            <a:r>
+              <a:rPr lang="ru-RU" sz="1400" dirty="0"/>
+              <a:t>"</a:t>
+            </a:r>
+            <a:r>
+              <a:rPr lang="ru-RU" sz="1400" dirty="0" err="1"/>
+              <a:t>Extended</a:t>
+            </a:r>
+            <a:r>
+              <a:rPr lang="ru-RU" sz="1400" dirty="0"/>
+              <a:t> </a:t>
+            </a:r>
+            <a:r>
+              <a:rPr lang="ru-RU" sz="1400" dirty="0" err="1"/>
+              <a:t>Isolation</a:t>
+            </a:r>
+            <a:r>
+              <a:rPr lang="ru-RU" sz="1400" dirty="0"/>
+              <a:t> </a:t>
+            </a:r>
+            <a:r>
+              <a:rPr lang="ru-RU" sz="1400" dirty="0" err="1" smtClean="0"/>
+              <a:t>Forest</a:t>
+            </a:r>
+            <a:r>
+              <a:rPr lang="ru-RU" sz="1400" dirty="0" smtClean="0"/>
+              <a:t>“, S</a:t>
+            </a:r>
+            <a:r>
+              <a:rPr lang="ru-RU" sz="1400" dirty="0"/>
+              <a:t>. </a:t>
+            </a:r>
+            <a:r>
+              <a:rPr lang="ru-RU" sz="1400" dirty="0" err="1"/>
+              <a:t>Hariri</a:t>
+            </a:r>
+            <a:r>
+              <a:rPr lang="ru-RU" sz="1400" dirty="0"/>
+              <a:t>, M. C. </a:t>
+            </a:r>
+            <a:r>
+              <a:rPr lang="ru-RU" sz="1400" dirty="0" err="1"/>
+              <a:t>Kind</a:t>
+            </a:r>
+            <a:r>
+              <a:rPr lang="ru-RU" sz="1400" dirty="0"/>
+              <a:t>, R. J. </a:t>
+            </a:r>
+            <a:r>
+              <a:rPr lang="ru-RU" sz="1400" dirty="0" err="1" smtClean="0"/>
+              <a:t>Brunner</a:t>
+            </a:r>
+            <a:endParaRPr lang="en-US" sz="1400" dirty="0"/>
+          </a:p>
+        </p:txBody>
+      </p:sp>
+      <p:pic>
+        <p:nvPicPr>
+          <p:cNvPr id="1026" name="Picture 2" descr="GitHub - ergodiclife/eif: Extended Isolation Forests for Anomaly/Outlier  Detection in R"/>
+          <p:cNvPicPr>
+            <a:picLocks noChangeAspect="1" noChangeArrowheads="1"/>
+          </p:cNvPicPr>
+          <p:nvPr/>
+        </p:nvPicPr>
+        <p:blipFill rotWithShape="1">
+          <a:blip r:embed="rId2">
+            <a:extLst>
+              <a:ext uri="{28A0092B-C50C-407E-A947-70E740481C1C}">
+                <a14:useLocalDpi xmlns:a14="http://schemas.microsoft.com/office/drawing/2010/main" val="0"/>
+              </a:ext>
+            </a:extLst>
+          </a:blip>
+          <a:srcRect r="65525"/>
+          <a:stretch/>
+        </p:blipFill>
+        <p:spPr bwMode="auto">
+          <a:xfrm>
+            <a:off x="370936" y="1587261"/>
+            <a:ext cx="4039390" cy="4076371"/>
+          </a:xfrm>
+          <a:prstGeom prst="rect">
+            <a:avLst/>
+          </a:prstGeom>
+          <a:noFill/>
+          <a:extLst>
+            <a:ext uri="{909E8E84-426E-40DD-AFC4-6F175D3DCCD1}">
+              <a14:hiddenFill xmlns:a14="http://schemas.microsoft.com/office/drawing/2010/main">
+                <a:solidFill>
+                  <a:srgbClr val="FFFFFF"/>
+                </a:solidFill>
+              </a14:hiddenFill>
+            </a:ext>
+          </a:extLst>
+        </p:spPr>
+      </p:pic>
+    </p:spTree>
+    <p:extLst>
+      <p:ext uri="{BB962C8B-B14F-4D97-AF65-F5344CB8AC3E}">
+        <p14:creationId xmlns:p14="http://schemas.microsoft.com/office/powerpoint/2010/main" val="3389388461"/>
+      </p:ext>
+    </p:extLst>
+  </p:cSld>
+  <p:clrMapOvr>
+    <a:masterClrMapping/>
+  </p:clrMapOvr>
+</p:sld>
+</file>
+
+<file path=ppt/slides/slide15.xml><?xml version="1.0" encoding="utf-8"?>
+<p:sld xmlns:a="http://schemas.openxmlformats.org/drawingml/2006/main" xmlns:r="http://schemas.openxmlformats.org/officeDocument/2006/relationships" xmlns:p="http://schemas.openxmlformats.org/presentationml/2006/main">
+  <p:cSld>
+    <p:spTree>
+      <p:nvGrpSpPr>
+        <p:cNvPr id="1" name=""/>
+        <p:cNvGrpSpPr/>
+        <p:nvPr/>
+      </p:nvGrpSpPr>
+      <p:grpSpPr>
+        <a:xfrm>
+          <a:off x="0" y="0"/>
+          <a:ext cx="0" cy="0"/>
+          <a:chOff x="0" y="0"/>
+          <a:chExt cx="0" cy="0"/>
+        </a:xfrm>
+      </p:grpSpPr>
+      <p:sp>
+        <p:nvSpPr>
+          <p:cNvPr id="3" name="Объект 2"/>
+          <p:cNvSpPr>
+            <a:spLocks noGrp="1"/>
+          </p:cNvSpPr>
+          <p:nvPr>
+            <p:ph idx="1"/>
+          </p:nvPr>
+        </p:nvSpPr>
+        <p:spPr>
+          <a:xfrm>
+            <a:off x="331738" y="1820175"/>
+            <a:ext cx="5801643" cy="4408097"/>
+          </a:xfrm>
+        </p:spPr>
+        <p:txBody>
+          <a:bodyPr>
+            <a:normAutofit/>
+          </a:bodyPr>
+          <a:lstStyle/>
+          <a:p>
+            <a:r>
+              <a:rPr lang="ru-RU" dirty="0" smtClean="0"/>
+              <a:t>Современные </a:t>
+            </a:r>
+            <a:r>
+              <a:rPr lang="ru-RU" dirty="0"/>
+              <a:t>подходы к поиску </a:t>
+            </a:r>
+            <a:r>
+              <a:rPr lang="ru-RU" dirty="0" smtClean="0"/>
+              <a:t>выбросов: статистические </a:t>
+            </a:r>
+            <a:r>
+              <a:rPr lang="ru-RU" dirty="0"/>
+              <a:t>методы, метод К ближайших соседей, метод опорных векторов, </a:t>
+            </a:r>
+            <a:r>
+              <a:rPr lang="ru-RU" dirty="0" smtClean="0"/>
+              <a:t>кластеризация, </a:t>
+            </a:r>
+            <a:r>
+              <a:rPr lang="ru-RU" dirty="0"/>
+              <a:t>изолирующий </a:t>
+            </a:r>
+            <a:r>
+              <a:rPr lang="ru-RU" dirty="0" smtClean="0"/>
+              <a:t>лес</a:t>
+            </a:r>
+          </a:p>
+          <a:p>
+            <a:r>
+              <a:rPr lang="ru-RU" dirty="0"/>
+              <a:t>С</a:t>
+            </a:r>
+            <a:r>
+              <a:rPr lang="ru-RU" dirty="0" smtClean="0"/>
+              <a:t>вои плюсы, минусы, модификации – в идеале для каждой задачи свой инструмент</a:t>
+            </a:r>
+          </a:p>
+          <a:p>
+            <a:r>
+              <a:rPr lang="ru-RU" dirty="0" smtClean="0"/>
+              <a:t>Нет "</a:t>
+            </a:r>
+            <a:r>
+              <a:rPr lang="ru-RU" dirty="0" err="1" smtClean="0"/>
+              <a:t>идеального"алгоритма</a:t>
+            </a:r>
+            <a:r>
+              <a:rPr lang="ru-RU" dirty="0" smtClean="0"/>
+              <a:t> =</a:t>
+            </a:r>
+            <a:r>
+              <a:rPr lang="en-US" dirty="0" smtClean="0"/>
+              <a:t>&gt; </a:t>
+            </a:r>
+            <a:r>
+              <a:rPr lang="ru-RU" dirty="0" smtClean="0"/>
+              <a:t>направлени</a:t>
+            </a:r>
+            <a:r>
+              <a:rPr lang="ru-RU" dirty="0"/>
+              <a:t>е</a:t>
+            </a:r>
+            <a:r>
+              <a:rPr lang="ru-RU" dirty="0" smtClean="0"/>
+              <a:t> </a:t>
+            </a:r>
+            <a:r>
+              <a:rPr lang="ru-RU" dirty="0"/>
+              <a:t>для исследования в данной области - </a:t>
+            </a:r>
+            <a:r>
+              <a:rPr lang="ru-RU" dirty="0" smtClean="0"/>
+              <a:t>конструирование </a:t>
+            </a:r>
+            <a:r>
+              <a:rPr lang="ru-RU" dirty="0"/>
+              <a:t>и тестирование </a:t>
+            </a:r>
+            <a:r>
+              <a:rPr lang="ru-RU" dirty="0" smtClean="0"/>
+              <a:t>моделей-комбинаций существующих алгоритмов</a:t>
+            </a:r>
+            <a:endParaRPr lang="ru-RU" dirty="0"/>
+          </a:p>
+        </p:txBody>
+      </p:sp>
+      <p:sp>
+        <p:nvSpPr>
+          <p:cNvPr id="4" name="Заголовок 1"/>
+          <p:cNvSpPr>
+            <a:spLocks noGrp="1"/>
+          </p:cNvSpPr>
+          <p:nvPr>
+            <p:ph type="title"/>
+          </p:nvPr>
+        </p:nvSpPr>
+        <p:spPr>
+          <a:xfrm>
+            <a:off x="646111" y="362310"/>
+            <a:ext cx="9404723" cy="664234"/>
+          </a:xfrm>
+        </p:spPr>
+        <p:style>
+          <a:lnRef idx="3">
+            <a:schemeClr val="lt1"/>
+          </a:lnRef>
+          <a:fillRef idx="1">
+            <a:schemeClr val="accent1"/>
+          </a:fillRef>
+          <a:effectRef idx="1">
+            <a:schemeClr val="accent1"/>
+          </a:effectRef>
+          <a:fontRef idx="minor">
+            <a:schemeClr val="lt1"/>
+          </a:fontRef>
+        </p:style>
+        <p:txBody>
+          <a:bodyPr/>
+          <a:lstStyle/>
+          <a:p>
+            <a:pPr algn="ctr"/>
+            <a:r>
+              <a:rPr lang="ru-RU" sz="3200" b="1" i="1" dirty="0" smtClean="0"/>
+              <a:t>Выводы</a:t>
+            </a:r>
+            <a:endParaRPr lang="ru-RU" sz="3200" b="1" i="1" dirty="0"/>
+          </a:p>
+        </p:txBody>
+      </p:sp>
+      <p:pic>
+        <p:nvPicPr>
+          <p:cNvPr id="2050" name="Picture 2" descr="Машинное обучение: что это, виды, классы задач, где применяют Machine  Learning | Calltouch.Блог"/>
+          <p:cNvPicPr>
+            <a:picLocks noChangeAspect="1" noChangeArrowheads="1"/>
+          </p:cNvPicPr>
+          <p:nvPr/>
+        </p:nvPicPr>
+        <p:blipFill>
+          <a:blip r:embed="rId2">
+            <a:extLst>
+              <a:ext uri="{28A0092B-C50C-407E-A947-70E740481C1C}">
+                <a14:useLocalDpi xmlns:a14="http://schemas.microsoft.com/office/drawing/2010/main" val="0"/>
+              </a:ext>
+            </a:extLst>
+          </a:blip>
+          <a:srcRect/>
+          <a:stretch>
+            <a:fillRect/>
+          </a:stretch>
+        </p:blipFill>
+        <p:spPr bwMode="auto">
+          <a:xfrm>
+            <a:off x="6297284" y="2243752"/>
+            <a:ext cx="5346633" cy="3560942"/>
+          </a:xfrm>
+          <a:prstGeom prst="rect">
+            <a:avLst/>
+          </a:prstGeom>
+          <a:noFill/>
+          <a:extLst>
+            <a:ext uri="{909E8E84-426E-40DD-AFC4-6F175D3DCCD1}">
+              <a14:hiddenFill xmlns:a14="http://schemas.microsoft.com/office/drawing/2010/main">
+                <a:solidFill>
+                  <a:srgbClr val="FFFFFF"/>
+                </a:solidFill>
+              </a14:hiddenFill>
+            </a:ext>
+          </a:extLst>
+        </p:spPr>
+      </p:pic>
+    </p:spTree>
+    <p:extLst>
+      <p:ext uri="{BB962C8B-B14F-4D97-AF65-F5344CB8AC3E}">
+        <p14:creationId xmlns:p14="http://schemas.microsoft.com/office/powerpoint/2010/main" val="898907718"/>
+      </p:ext>
+    </p:extLst>
+  </p:cSld>
+  <p:clrMapOvr>
+    <a:masterClrMapping/>
+  </p:clrMapOvr>
+</p:sld>
+</file>
+
+<file path=ppt/slides/slide16.xml><?xml version="1.0" encoding="utf-8"?>
+<p:sld xmlns:a="http://schemas.openxmlformats.org/drawingml/2006/main" xmlns:r="http://schemas.openxmlformats.org/officeDocument/2006/relationships" xmlns:p="http://schemas.openxmlformats.org/presentationml/2006/main">
+  <p:cSld>
+    <p:spTree>
+      <p:nvGrpSpPr>
+        <p:cNvPr id="1" name=""/>
+        <p:cNvGrpSpPr/>
+        <p:nvPr/>
+      </p:nvGrpSpPr>
+      <p:grpSpPr>
+        <a:xfrm>
+          <a:off x="0" y="0"/>
+          <a:ext cx="0" cy="0"/>
+          <a:chOff x="0" y="0"/>
+          <a:chExt cx="0" cy="0"/>
+        </a:xfrm>
+      </p:grpSpPr>
+      <p:sp>
+        <p:nvSpPr>
+          <p:cNvPr id="2" name="Заголовок 1"/>
+          <p:cNvSpPr>
+            <a:spLocks noGrp="1"/>
+          </p:cNvSpPr>
+          <p:nvPr>
+            <p:ph type="ctrTitle"/>
+          </p:nvPr>
+        </p:nvSpPr>
+        <p:spPr/>
+        <p:style>
+          <a:lnRef idx="3">
+            <a:schemeClr val="lt1"/>
+          </a:lnRef>
+          <a:fillRef idx="1">
+            <a:schemeClr val="accent1"/>
+          </a:fillRef>
+          <a:effectRef idx="1">
+            <a:schemeClr val="accent1"/>
+          </a:effectRef>
+          <a:fontRef idx="minor">
+            <a:schemeClr val="lt1"/>
+          </a:fontRef>
+        </p:style>
+        <p:txBody>
+          <a:bodyPr anchor="ctr"/>
+          <a:lstStyle/>
+          <a:p>
+            <a:pPr algn="ctr"/>
+            <a:r>
+              <a:rPr lang="ru-RU" b="1" i="1" dirty="0" smtClean="0"/>
+              <a:t>Спасибо за внимание!</a:t>
+            </a:r>
+            <a:endParaRPr lang="ru-RU" b="1" i="1" dirty="0"/>
+          </a:p>
+        </p:txBody>
+      </p:sp>
+    </p:spTree>
+    <p:extLst>
+      <p:ext uri="{BB962C8B-B14F-4D97-AF65-F5344CB8AC3E}">
+        <p14:creationId xmlns:p14="http://schemas.microsoft.com/office/powerpoint/2010/main" val="192054165"/>
+      </p:ext>
+    </p:extLst>
+  </p:cSld>
+  <p:clrMapOvr>
+    <a:masterClrMapping/>
+  </p:clrMapOvr>
+</p:sld>
+</file>
+
+<file path=ppt/slides/slide2.xml><?xml version="1.0" encoding="utf-8"?>
+<p:sld xmlns:a="http://schemas.openxmlformats.org/drawingml/2006/main" xmlns:r="http://schemas.openxmlformats.org/officeDocument/2006/relationships" xmlns:p="http://schemas.openxmlformats.org/presentationml/2006/main">
+  <p:cSld>
+    <p:spTree>
+      <p:nvGrpSpPr>
+        <p:cNvPr id="1" name=""/>
+        <p:cNvGrpSpPr/>
+        <p:nvPr/>
+      </p:nvGrpSpPr>
+      <p:grpSpPr>
+        <a:xfrm>
+          <a:off x="0" y="0"/>
+          <a:ext cx="0" cy="0"/>
+          <a:chOff x="0" y="0"/>
+          <a:chExt cx="0" cy="0"/>
+        </a:xfrm>
+      </p:grpSpPr>
+      <p:sp>
+        <p:nvSpPr>
+          <p:cNvPr id="2" name="Заголовок 1"/>
+          <p:cNvSpPr>
+            <a:spLocks noGrp="1"/>
+          </p:cNvSpPr>
+          <p:nvPr>
+            <p:ph type="title"/>
+          </p:nvPr>
+        </p:nvSpPr>
+        <p:spPr>
+          <a:xfrm>
+            <a:off x="1035170" y="452718"/>
+            <a:ext cx="9015664" cy="754980"/>
+          </a:xfrm>
+        </p:spPr>
+        <p:style>
+          <a:lnRef idx="3">
+            <a:schemeClr val="lt1"/>
+          </a:lnRef>
+          <a:fillRef idx="1">
+            <a:schemeClr val="accent1"/>
+          </a:fillRef>
+          <a:effectRef idx="1">
+            <a:schemeClr val="accent1"/>
+          </a:effectRef>
+          <a:fontRef idx="minor">
+            <a:schemeClr val="lt1"/>
+          </a:fontRef>
+        </p:style>
+        <p:txBody>
+          <a:bodyPr/>
+          <a:lstStyle/>
+          <a:p>
+            <a:pPr algn="ctr"/>
+            <a:r>
+              <a:rPr lang="ru-RU" b="1" i="1" dirty="0" smtClean="0"/>
+              <a:t>Введение</a:t>
+            </a:r>
+            <a:endParaRPr lang="ru-RU" b="1" i="1" dirty="0"/>
+          </a:p>
+        </p:txBody>
+      </p:sp>
+      <p:pic>
+        <p:nvPicPr>
+          <p:cNvPr id="1028" name="Picture 4" descr="Выброс — Викиконспекты"/>
+          <p:cNvPicPr>
+            <a:picLocks noChangeAspect="1" noChangeArrowheads="1"/>
+          </p:cNvPicPr>
+          <p:nvPr/>
+        </p:nvPicPr>
+        <p:blipFill rotWithShape="1">
+          <a:blip r:embed="rId2">
+            <a:extLst>
+              <a:ext uri="{28A0092B-C50C-407E-A947-70E740481C1C}">
+                <a14:useLocalDpi xmlns:a14="http://schemas.microsoft.com/office/drawing/2010/main" val="0"/>
+              </a:ext>
+            </a:extLst>
+          </a:blip>
+          <a:srcRect t="4401" b="8701"/>
+          <a:stretch/>
+        </p:blipFill>
+        <p:spPr bwMode="auto">
+          <a:xfrm>
+            <a:off x="6245525" y="1521641"/>
+            <a:ext cx="3062378" cy="2847435"/>
+          </a:xfrm>
+          <a:prstGeom prst="rect">
+            <a:avLst/>
+          </a:prstGeom>
+          <a:noFill/>
+          <a:extLst>
+            <a:ext uri="{909E8E84-426E-40DD-AFC4-6F175D3DCCD1}">
+              <a14:hiddenFill xmlns:a14="http://schemas.microsoft.com/office/drawing/2010/main">
+                <a:solidFill>
+                  <a:srgbClr val="FFFFFF"/>
+                </a:solidFill>
+              </a14:hiddenFill>
+            </a:ext>
+          </a:extLst>
+        </p:spPr>
+      </p:pic>
+      <p:pic>
+        <p:nvPicPr>
+          <p:cNvPr id="1030" name="Picture 6" descr="Понимание выбросов в анализе временных рядов—ArcGIS Pro | Документация"/>
+          <p:cNvPicPr>
+            <a:picLocks noChangeAspect="1" noChangeArrowheads="1"/>
+          </p:cNvPicPr>
+          <p:nvPr/>
+        </p:nvPicPr>
+        <p:blipFill>
+          <a:blip r:embed="rId3">
+            <a:extLst>
+              <a:ext uri="{28A0092B-C50C-407E-A947-70E740481C1C}">
+                <a14:useLocalDpi xmlns:a14="http://schemas.microsoft.com/office/drawing/2010/main" val="0"/>
+              </a:ext>
+            </a:extLst>
+          </a:blip>
+          <a:srcRect/>
+          <a:stretch>
+            <a:fillRect/>
+          </a:stretch>
+        </p:blipFill>
+        <p:spPr bwMode="auto">
+          <a:xfrm>
+            <a:off x="2010255" y="4509673"/>
+            <a:ext cx="7056108" cy="2128593"/>
+          </a:xfrm>
+          <a:prstGeom prst="rect">
+            <a:avLst/>
+          </a:prstGeom>
+          <a:noFill/>
+          <a:extLst>
+            <a:ext uri="{909E8E84-426E-40DD-AFC4-6F175D3DCCD1}">
+              <a14:hiddenFill xmlns:a14="http://schemas.microsoft.com/office/drawing/2010/main">
+                <a:solidFill>
+                  <a:srgbClr val="FFFFFF"/>
+                </a:solidFill>
+              </a14:hiddenFill>
+            </a:ext>
+          </a:extLst>
+        </p:spPr>
+      </p:pic>
+      <p:grpSp>
+        <p:nvGrpSpPr>
+          <p:cNvPr id="5" name="Группа 4"/>
+          <p:cNvGrpSpPr/>
+          <p:nvPr/>
+        </p:nvGrpSpPr>
+        <p:grpSpPr>
+          <a:xfrm>
+            <a:off x="1846045" y="1521641"/>
+            <a:ext cx="4071676" cy="2789435"/>
+            <a:chOff x="1846045" y="1521641"/>
+            <a:chExt cx="4071676" cy="2789435"/>
+          </a:xfrm>
+        </p:grpSpPr>
+        <p:pic>
+          <p:nvPicPr>
+            <p:cNvPr id="1026" name="Picture 2" descr="Поиск аномалий (Anomaly Detection) | Анализ малых данных"/>
+            <p:cNvPicPr>
+              <a:picLocks noChangeAspect="1" noChangeArrowheads="1"/>
+            </p:cNvPicPr>
+            <p:nvPr/>
+          </p:nvPicPr>
+          <p:blipFill>
+            <a:blip r:embed="rId4">
+              <a:extLst>
+                <a:ext uri="{28A0092B-C50C-407E-A947-70E740481C1C}">
+                  <a14:useLocalDpi xmlns:a14="http://schemas.microsoft.com/office/drawing/2010/main" val="0"/>
+                </a:ext>
+              </a:extLst>
+            </a:blip>
+            <a:srcRect/>
+            <a:stretch>
+              <a:fillRect/>
+            </a:stretch>
+          </p:blipFill>
+          <p:spPr bwMode="auto">
+            <a:xfrm>
+              <a:off x="1846045" y="1521641"/>
+              <a:ext cx="4071676" cy="2789435"/>
+            </a:xfrm>
+            <a:prstGeom prst="rect">
+              <a:avLst/>
+            </a:prstGeom>
+            <a:noFill/>
+            <a:extLst>
+              <a:ext uri="{909E8E84-426E-40DD-AFC4-6F175D3DCCD1}">
+                <a14:hiddenFill xmlns:a14="http://schemas.microsoft.com/office/drawing/2010/main">
+                  <a:solidFill>
+                    <a:srgbClr val="FFFFFF"/>
+                  </a:solidFill>
+                </a14:hiddenFill>
+              </a:ext>
+            </a:extLst>
+          </p:spPr>
+        </p:pic>
+        <p:sp>
+          <p:nvSpPr>
+            <p:cNvPr id="4" name="Прямоугольник 3"/>
+            <p:cNvSpPr/>
+            <p:nvPr/>
+          </p:nvSpPr>
+          <p:spPr>
+            <a:xfrm>
+              <a:off x="4114800" y="1708031"/>
+              <a:ext cx="1428202" cy="534838"/>
+            </a:xfrm>
+            <a:prstGeom prst="rect">
+              <a:avLst/>
+            </a:prstGeom>
+            <a:solidFill>
+              <a:schemeClr val="tx1"/>
+            </a:solidFill>
+            <a:ln>
+              <a:solidFill>
+                <a:schemeClr val="tx1"/>
+              </a:solidFill>
+            </a:ln>
+          </p:spPr>
+          <p:style>
+            <a:lnRef idx="2">
+              <a:schemeClr val="accent1">
+                <a:shade val="50000"/>
+              </a:schemeClr>
+            </a:lnRef>
+            <a:fillRef idx="1">
+              <a:schemeClr val="accent1"/>
+            </a:fillRef>
+            <a:effectRef idx="0">
+              <a:schemeClr val="accent1"/>
+            </a:effectRef>
+            <a:fontRef idx="minor">
+              <a:schemeClr val="lt1"/>
+            </a:fontRef>
+          </p:style>
+          <p:txBody>
+            <a:bodyPr rtlCol="0" anchor="ctr"/>
+            <a:lstStyle/>
+            <a:p>
+              <a:pPr algn="ctr"/>
+              <a:endParaRPr lang="ru-RU"/>
+            </a:p>
+          </p:txBody>
+        </p:sp>
+      </p:grpSp>
+    </p:spTree>
+    <p:extLst>
+      <p:ext uri="{BB962C8B-B14F-4D97-AF65-F5344CB8AC3E}">
+        <p14:creationId xmlns:p14="http://schemas.microsoft.com/office/powerpoint/2010/main" val="3030156224"/>
+      </p:ext>
+    </p:extLst>
+  </p:cSld>
+  <p:clrMapOvr>
+    <a:masterClrMapping/>
+  </p:clrMapOvr>
+</p:sld>
+</file>
+
+<file path=ppt/slides/slide3.xml><?xml version="1.0" encoding="utf-8"?>
+<p:sld xmlns:a="http://schemas.openxmlformats.org/drawingml/2006/main" xmlns:r="http://schemas.openxmlformats.org/officeDocument/2006/relationships" xmlns:p="http://schemas.openxmlformats.org/presentationml/2006/main">
+  <p:cSld>
+    <p:spTree>
+      <p:nvGrpSpPr>
+        <p:cNvPr id="1" name=""/>
+        <p:cNvGrpSpPr/>
+        <p:nvPr/>
+      </p:nvGrpSpPr>
+      <p:grpSpPr>
+        <a:xfrm>
+          <a:off x="0" y="0"/>
+          <a:ext cx="0" cy="0"/>
+          <a:chOff x="0" y="0"/>
+          <a:chExt cx="0" cy="0"/>
+        </a:xfrm>
+      </p:grpSpPr>
+      <p:sp>
+        <p:nvSpPr>
+          <p:cNvPr id="3" name="Объект 2"/>
+          <p:cNvSpPr>
+            <a:spLocks noGrp="1"/>
+          </p:cNvSpPr>
+          <p:nvPr>
+            <p:ph idx="1"/>
+          </p:nvPr>
+        </p:nvSpPr>
+        <p:spPr>
+          <a:xfrm>
+            <a:off x="155275" y="1544128"/>
+            <a:ext cx="6615095" cy="5149970"/>
+          </a:xfrm>
+        </p:spPr>
+        <p:txBody>
+          <a:bodyPr>
+            <a:normAutofit lnSpcReduction="10000"/>
+          </a:bodyPr>
+          <a:lstStyle/>
+          <a:p>
+            <a:r>
+              <a:rPr lang="ru-RU" dirty="0"/>
+              <a:t>Временной ряд – </a:t>
+            </a:r>
+            <a:r>
+              <a:rPr lang="ru-RU" dirty="0" smtClean="0"/>
+              <a:t>набор измерений</a:t>
+            </a:r>
+            <a:r>
+              <a:rPr lang="ru-RU" dirty="0"/>
+              <a:t>,</a:t>
+            </a:r>
+            <a:r>
+              <a:rPr lang="en-US" dirty="0" smtClean="0"/>
+              <a:t> </a:t>
+            </a:r>
+            <a:r>
+              <a:rPr lang="ru-RU" dirty="0" smtClean="0"/>
+              <a:t>сделанных </a:t>
+            </a:r>
+            <a:r>
+              <a:rPr lang="ru-RU" dirty="0"/>
+              <a:t>в течение некоторого периода и хронологически </a:t>
+            </a:r>
+            <a:r>
+              <a:rPr lang="ru-RU" dirty="0" smtClean="0"/>
+              <a:t>упорядоченных</a:t>
+            </a:r>
+            <a:endParaRPr lang="en-US" dirty="0"/>
+          </a:p>
+          <a:p>
+            <a:r>
+              <a:rPr lang="ru-RU" dirty="0" smtClean="0"/>
+              <a:t>Непрерывные и дискретные</a:t>
+            </a:r>
+          </a:p>
+          <a:p>
+            <a:r>
+              <a:rPr lang="ru-RU" dirty="0" smtClean="0"/>
+              <a:t>Трендовые (общее поведение в </a:t>
+            </a:r>
+            <a:r>
+              <a:rPr lang="en-US" dirty="0" smtClean="0"/>
+              <a:t>LR</a:t>
+            </a:r>
+            <a:r>
+              <a:rPr lang="ru-RU" dirty="0" smtClean="0"/>
+              <a:t>), сезонные</a:t>
+            </a:r>
+            <a:r>
+              <a:rPr lang="en-US" dirty="0" smtClean="0"/>
+              <a:t> (</a:t>
+            </a:r>
+            <a:r>
+              <a:rPr lang="ru-RU" dirty="0" smtClean="0"/>
+              <a:t>изменения по сезонам </a:t>
+            </a:r>
+            <a:r>
+              <a:rPr lang="en-US" dirty="0" smtClean="0"/>
+              <a:t>=&gt; </a:t>
+            </a:r>
+            <a:r>
+              <a:rPr lang="ru-RU" dirty="0" smtClean="0"/>
+              <a:t>климат, праздники</a:t>
+            </a:r>
+            <a:r>
+              <a:rPr lang="en-US" dirty="0" smtClean="0"/>
+              <a:t>)</a:t>
+            </a:r>
+            <a:r>
+              <a:rPr lang="ru-RU" dirty="0" smtClean="0"/>
+              <a:t>, циклические (деловой цикл, экономический цикл) и нерегулярные составляющие (война, дефолт, забастовка)</a:t>
+            </a:r>
+          </a:p>
+          <a:p>
+            <a:r>
+              <a:rPr lang="ru-RU" dirty="0" smtClean="0"/>
+              <a:t>Стационарные временные ряды (среднее и дисперсия неизменны); нестационарные можно свести к стационарным</a:t>
+            </a:r>
+          </a:p>
+          <a:p>
+            <a:r>
+              <a:rPr lang="ru-RU" dirty="0" smtClean="0"/>
+              <a:t>Всеобъемлющее объяснение временных рядов: от простых определений и понятий к построению и оценке сложных моделей</a:t>
+            </a:r>
+          </a:p>
+          <a:p>
+            <a:r>
+              <a:rPr lang="ru-RU" dirty="0" smtClean="0"/>
+              <a:t>Строгий </a:t>
+            </a:r>
+            <a:r>
+              <a:rPr lang="ru-RU" dirty="0" err="1" smtClean="0"/>
+              <a:t>матподход+графики+практика</a:t>
+            </a:r>
+            <a:endParaRPr lang="ru-RU" dirty="0"/>
+          </a:p>
+        </p:txBody>
+      </p:sp>
+      <p:sp>
+        <p:nvSpPr>
+          <p:cNvPr id="4" name="Заголовок 1"/>
+          <p:cNvSpPr>
+            <a:spLocks noGrp="1"/>
+          </p:cNvSpPr>
+          <p:nvPr>
+            <p:ph type="title"/>
+          </p:nvPr>
+        </p:nvSpPr>
+        <p:spPr>
+          <a:xfrm>
+            <a:off x="1035170" y="452718"/>
+            <a:ext cx="9015664" cy="754980"/>
+          </a:xfrm>
+        </p:spPr>
+        <p:style>
+          <a:lnRef idx="3">
+            <a:schemeClr val="lt1"/>
+          </a:lnRef>
+          <a:fillRef idx="1">
+            <a:schemeClr val="accent1"/>
+          </a:fillRef>
+          <a:effectRef idx="1">
+            <a:schemeClr val="accent1"/>
+          </a:effectRef>
+          <a:fontRef idx="minor">
+            <a:schemeClr val="lt1"/>
+          </a:fontRef>
+        </p:style>
+        <p:txBody>
+          <a:bodyPr/>
+          <a:lstStyle/>
+          <a:p>
+            <a:pPr algn="ctr"/>
+            <a:r>
+              <a:rPr lang="ru-RU" b="1" i="1" dirty="0" smtClean="0"/>
+              <a:t>Временные ряды</a:t>
+            </a:r>
+            <a:endParaRPr lang="ru-RU" b="1" i="1" dirty="0"/>
+          </a:p>
+        </p:txBody>
+      </p:sp>
+      <p:sp>
+        <p:nvSpPr>
+          <p:cNvPr id="5" name="TextBox 4"/>
+          <p:cNvSpPr txBox="1"/>
+          <p:nvPr/>
+        </p:nvSpPr>
+        <p:spPr>
+          <a:xfrm>
+            <a:off x="7712016" y="6170878"/>
+            <a:ext cx="4333336" cy="523220"/>
+          </a:xfrm>
+          <a:prstGeom prst="rect">
+            <a:avLst/>
+          </a:prstGeom>
+          <a:noFill/>
+        </p:spPr>
+        <p:txBody>
+          <a:bodyPr wrap="square" rtlCol="0">
+            <a:spAutoFit/>
+          </a:bodyPr>
+          <a:lstStyle/>
+          <a:p>
+            <a:r>
+              <a:rPr lang="en-US" sz="1400" dirty="0"/>
+              <a:t>“An Introductory Study on Time Series Modeling and Forecasting” </a:t>
+            </a:r>
+            <a:r>
+              <a:rPr lang="en-US" sz="1400" dirty="0" smtClean="0"/>
+              <a:t>by </a:t>
+            </a:r>
+            <a:r>
+              <a:rPr lang="en-US" sz="1400" dirty="0"/>
+              <a:t>R. </a:t>
+            </a:r>
+            <a:r>
+              <a:rPr lang="en-US" sz="1400" dirty="0" err="1"/>
+              <a:t>Adhikari</a:t>
+            </a:r>
+            <a:r>
+              <a:rPr lang="en-US" sz="1400" dirty="0"/>
+              <a:t>, R. K. Agrawal</a:t>
+            </a:r>
+            <a:endParaRPr lang="ru-RU" sz="1400" dirty="0"/>
+          </a:p>
+        </p:txBody>
+      </p:sp>
+      <p:grpSp>
+        <p:nvGrpSpPr>
+          <p:cNvPr id="9" name="Группа 8"/>
+          <p:cNvGrpSpPr/>
+          <p:nvPr/>
+        </p:nvGrpSpPr>
+        <p:grpSpPr>
+          <a:xfrm>
+            <a:off x="6857999" y="2173857"/>
+            <a:ext cx="5187353" cy="2976113"/>
+            <a:chOff x="6610711" y="2513627"/>
+            <a:chExt cx="5434641" cy="2967487"/>
+          </a:xfrm>
+        </p:grpSpPr>
+        <p:grpSp>
+          <p:nvGrpSpPr>
+            <p:cNvPr id="7" name="Группа 6"/>
+            <p:cNvGrpSpPr/>
+            <p:nvPr/>
+          </p:nvGrpSpPr>
+          <p:grpSpPr>
+            <a:xfrm>
+              <a:off x="6610711" y="2513627"/>
+              <a:ext cx="5434641" cy="2967487"/>
+              <a:chOff x="6619125" y="2850057"/>
+              <a:chExt cx="5434641" cy="2967487"/>
+            </a:xfrm>
+          </p:grpSpPr>
+          <p:sp>
+            <p:nvSpPr>
+              <p:cNvPr id="6" name="Прямоугольник 5"/>
+              <p:cNvSpPr/>
+              <p:nvPr/>
+            </p:nvSpPr>
+            <p:spPr>
+              <a:xfrm>
+                <a:off x="6619125" y="2850057"/>
+                <a:ext cx="5434641" cy="2967487"/>
+              </a:xfrm>
+              <a:prstGeom prst="rect">
+                <a:avLst/>
+              </a:prstGeom>
+              <a:solidFill>
+                <a:schemeClr val="tx1"/>
+              </a:solidFill>
+              <a:ln>
+                <a:solidFill>
+                  <a:schemeClr val="tx1"/>
+                </a:solidFill>
+              </a:ln>
+            </p:spPr>
+            <p:style>
+              <a:lnRef idx="2">
+                <a:schemeClr val="accent1">
+                  <a:shade val="50000"/>
+                </a:schemeClr>
+              </a:lnRef>
+              <a:fillRef idx="1">
+                <a:schemeClr val="accent1"/>
+              </a:fillRef>
+              <a:effectRef idx="0">
+                <a:schemeClr val="accent1"/>
+              </a:effectRef>
+              <a:fontRef idx="minor">
+                <a:schemeClr val="lt1"/>
+              </a:fontRef>
+            </p:style>
+            <p:txBody>
+              <a:bodyPr rtlCol="0" anchor="ctr"/>
+              <a:lstStyle/>
+              <a:p>
+                <a:pPr algn="ctr"/>
+                <a:endParaRPr lang="ru-RU"/>
+              </a:p>
+            </p:txBody>
+          </p:sp>
+          <p:pic>
+            <p:nvPicPr>
+              <p:cNvPr id="2050" name="Picture 2" descr="Анализ временных рядов"/>
+              <p:cNvPicPr>
+                <a:picLocks noChangeAspect="1" noChangeArrowheads="1"/>
+              </p:cNvPicPr>
+              <p:nvPr/>
+            </p:nvPicPr>
+            <p:blipFill>
+              <a:blip r:embed="rId2">
+                <a:extLst>
+                  <a:ext uri="{28A0092B-C50C-407E-A947-70E740481C1C}">
+                    <a14:useLocalDpi xmlns:a14="http://schemas.microsoft.com/office/drawing/2010/main" val="0"/>
+                  </a:ext>
+                </a:extLst>
+              </a:blip>
+              <a:srcRect/>
+              <a:stretch>
+                <a:fillRect/>
+              </a:stretch>
+            </p:blipFill>
+            <p:spPr bwMode="auto">
+              <a:xfrm>
+                <a:off x="6763108" y="2958140"/>
+                <a:ext cx="5146674" cy="2751320"/>
+              </a:xfrm>
+              <a:prstGeom prst="rect">
+                <a:avLst/>
+              </a:prstGeom>
+              <a:noFill/>
+              <a:extLst>
+                <a:ext uri="{909E8E84-426E-40DD-AFC4-6F175D3DCCD1}">
+                  <a14:hiddenFill xmlns:a14="http://schemas.microsoft.com/office/drawing/2010/main">
+                    <a:solidFill>
+                      <a:srgbClr val="FFFFFF"/>
+                    </a:solidFill>
+                  </a14:hiddenFill>
+                </a:ext>
+              </a:extLst>
+            </p:spPr>
+          </p:pic>
+        </p:grpSp>
+        <p:sp>
+          <p:nvSpPr>
+            <p:cNvPr id="8" name="Прямоугольник 7"/>
+            <p:cNvSpPr/>
+            <p:nvPr/>
+          </p:nvSpPr>
+          <p:spPr>
+            <a:xfrm>
+              <a:off x="9532189" y="2717321"/>
+              <a:ext cx="2277373" cy="1095554"/>
+            </a:xfrm>
+            <a:prstGeom prst="rect">
+              <a:avLst/>
+            </a:prstGeom>
+            <a:solidFill>
+              <a:schemeClr val="tx1"/>
+            </a:solidFill>
+            <a:ln>
+              <a:solidFill>
+                <a:schemeClr val="tx1"/>
+              </a:solidFill>
+            </a:ln>
+          </p:spPr>
+          <p:style>
+            <a:lnRef idx="2">
+              <a:schemeClr val="accent1">
+                <a:shade val="50000"/>
+              </a:schemeClr>
+            </a:lnRef>
+            <a:fillRef idx="1">
+              <a:schemeClr val="accent1"/>
+            </a:fillRef>
+            <a:effectRef idx="0">
+              <a:schemeClr val="accent1"/>
+            </a:effectRef>
+            <a:fontRef idx="minor">
+              <a:schemeClr val="lt1"/>
+            </a:fontRef>
+          </p:style>
+          <p:txBody>
+            <a:bodyPr rtlCol="0" anchor="ctr"/>
+            <a:lstStyle/>
+            <a:p>
+              <a:pPr algn="ctr"/>
+              <a:endParaRPr lang="ru-RU"/>
+            </a:p>
+          </p:txBody>
+        </p:sp>
+      </p:grpSp>
+    </p:spTree>
+    <p:extLst>
+      <p:ext uri="{BB962C8B-B14F-4D97-AF65-F5344CB8AC3E}">
+        <p14:creationId xmlns:p14="http://schemas.microsoft.com/office/powerpoint/2010/main" val="3555907934"/>
+      </p:ext>
+    </p:extLst>
+  </p:cSld>
+  <p:clrMapOvr>
+    <a:masterClrMapping/>
+  </p:clrMapOvr>
+</p:sld>
+</file>
+
+<file path=ppt/slides/slide4.xml><?xml version="1.0" encoding="utf-8"?>
+<p:sld xmlns:a="http://schemas.openxmlformats.org/drawingml/2006/main" xmlns:r="http://schemas.openxmlformats.org/officeDocument/2006/relationships" xmlns:p="http://schemas.openxmlformats.org/presentationml/2006/main">
+  <p:cSld>
+    <p:spTree>
+      <p:nvGrpSpPr>
+        <p:cNvPr id="1" name=""/>
+        <p:cNvGrpSpPr/>
+        <p:nvPr/>
+      </p:nvGrpSpPr>
+      <p:grpSpPr>
+        <a:xfrm>
+          <a:off x="0" y="0"/>
+          <a:ext cx="0" cy="0"/>
+          <a:chOff x="0" y="0"/>
+          <a:chExt cx="0" cy="0"/>
+        </a:xfrm>
+      </p:grpSpPr>
+      <p:sp>
+        <p:nvSpPr>
+          <p:cNvPr id="3" name="Объект 2"/>
+          <p:cNvSpPr>
+            <a:spLocks noGrp="1"/>
+          </p:cNvSpPr>
+          <p:nvPr>
+            <p:ph idx="1"/>
+          </p:nvPr>
+        </p:nvSpPr>
+        <p:spPr>
+          <a:xfrm>
+            <a:off x="5098211" y="1440612"/>
+            <a:ext cx="6840827" cy="5218864"/>
+          </a:xfrm>
+        </p:spPr>
+        <p:txBody>
+          <a:bodyPr>
+            <a:normAutofit/>
+          </a:bodyPr>
+          <a:lstStyle/>
+          <a:p>
+            <a:r>
+              <a:rPr lang="ru-RU" dirty="0" smtClean="0"/>
+              <a:t>Аномалии </a:t>
+            </a:r>
+            <a:r>
+              <a:rPr lang="ru-RU" dirty="0"/>
+              <a:t>в данных – </a:t>
+            </a:r>
+            <a:r>
+              <a:rPr lang="ru-RU" dirty="0" smtClean="0"/>
+              <a:t>некоторая </a:t>
+            </a:r>
+            <a:r>
+              <a:rPr lang="ru-RU" dirty="0"/>
+              <a:t>группа измерений, которые отличаются от характерного поведения рассматриваемого показателя. </a:t>
+            </a:r>
+            <a:endParaRPr lang="ru-RU" dirty="0" smtClean="0"/>
+          </a:p>
+          <a:p>
+            <a:r>
+              <a:rPr lang="ru-RU" dirty="0" smtClean="0"/>
+              <a:t>Точечные, групповые, контекстные аномалии</a:t>
+            </a:r>
+          </a:p>
+          <a:p>
+            <a:r>
+              <a:rPr lang="ru-RU" dirty="0" smtClean="0"/>
+              <a:t>Признак неисправности </a:t>
+            </a:r>
+            <a:r>
+              <a:rPr lang="ru-RU" dirty="0"/>
+              <a:t>в </a:t>
+            </a:r>
+            <a:r>
+              <a:rPr lang="ru-RU" dirty="0" smtClean="0"/>
+              <a:t>блоке системы </a:t>
+            </a:r>
+            <a:r>
+              <a:rPr lang="ru-RU" dirty="0"/>
+              <a:t>или </a:t>
+            </a:r>
+            <a:r>
+              <a:rPr lang="ru-RU" dirty="0" smtClean="0"/>
+              <a:t>внешний инцидент, требующий вмешательства </a:t>
+            </a:r>
+            <a:r>
+              <a:rPr lang="en-US" dirty="0" smtClean="0"/>
+              <a:t>=&gt;</a:t>
+            </a:r>
+            <a:r>
+              <a:rPr lang="ru-RU" dirty="0"/>
+              <a:t> </a:t>
+            </a:r>
+            <a:r>
+              <a:rPr lang="ru-RU" dirty="0" smtClean="0"/>
+              <a:t>игнорирование=потери</a:t>
+            </a:r>
+          </a:p>
+          <a:p>
+            <a:r>
+              <a:rPr lang="ru-RU" dirty="0" smtClean="0"/>
+              <a:t>Глубокое теоретическое объяснение термина «аномалия», свойства, полная классификация (природа, важность, тип данных)+примеры</a:t>
+            </a:r>
+          </a:p>
+          <a:p>
+            <a:r>
+              <a:rPr lang="ru-RU" dirty="0" smtClean="0"/>
+              <a:t>Не хватает способов выявления и нивелирования для каждого класса</a:t>
+            </a:r>
+          </a:p>
+          <a:p>
+            <a:endParaRPr lang="ru-RU" dirty="0"/>
+          </a:p>
+        </p:txBody>
+      </p:sp>
+      <p:sp>
+        <p:nvSpPr>
+          <p:cNvPr id="4" name="Заголовок 1"/>
+          <p:cNvSpPr>
+            <a:spLocks noGrp="1"/>
+          </p:cNvSpPr>
+          <p:nvPr>
+            <p:ph type="title"/>
+          </p:nvPr>
+        </p:nvSpPr>
+        <p:spPr>
+          <a:xfrm>
+            <a:off x="1035170" y="452718"/>
+            <a:ext cx="9015664" cy="754980"/>
+          </a:xfrm>
+        </p:spPr>
+        <p:style>
+          <a:lnRef idx="3">
+            <a:schemeClr val="lt1"/>
+          </a:lnRef>
+          <a:fillRef idx="1">
+            <a:schemeClr val="accent1"/>
+          </a:fillRef>
+          <a:effectRef idx="1">
+            <a:schemeClr val="accent1"/>
+          </a:effectRef>
+          <a:fontRef idx="minor">
+            <a:schemeClr val="lt1"/>
+          </a:fontRef>
+        </p:style>
+        <p:txBody>
+          <a:bodyPr/>
+          <a:lstStyle/>
+          <a:p>
+            <a:pPr algn="ctr"/>
+            <a:r>
+              <a:rPr lang="ru-RU" b="1" i="1" dirty="0" smtClean="0"/>
+              <a:t>Временные ряды</a:t>
+            </a:r>
+            <a:endParaRPr lang="ru-RU" b="1" i="1" dirty="0"/>
+          </a:p>
+        </p:txBody>
+      </p:sp>
+      <p:sp>
+        <p:nvSpPr>
+          <p:cNvPr id="5" name="TextBox 4"/>
+          <p:cNvSpPr txBox="1"/>
+          <p:nvPr/>
+        </p:nvSpPr>
+        <p:spPr>
+          <a:xfrm>
+            <a:off x="148087" y="6136256"/>
+            <a:ext cx="4787660" cy="523220"/>
+          </a:xfrm>
+          <a:prstGeom prst="rect">
+            <a:avLst/>
+          </a:prstGeom>
+          <a:noFill/>
+        </p:spPr>
+        <p:txBody>
+          <a:bodyPr wrap="square" rtlCol="0">
+            <a:spAutoFit/>
+          </a:bodyPr>
+          <a:lstStyle/>
+          <a:p>
+            <a:r>
+              <a:rPr lang="en-US" sz="1400" dirty="0"/>
+              <a:t>“On the nature and types of anomalies: a review of deviations in </a:t>
+            </a:r>
+            <a:r>
+              <a:rPr lang="en-US" sz="1400" dirty="0" smtClean="0"/>
+              <a:t>data”</a:t>
+            </a:r>
+            <a:r>
+              <a:rPr lang="ru-RU" sz="1400" dirty="0" smtClean="0"/>
+              <a:t> </a:t>
+            </a:r>
+            <a:r>
+              <a:rPr lang="en-US" sz="1400" dirty="0" smtClean="0"/>
+              <a:t>by R</a:t>
+            </a:r>
+            <a:r>
+              <a:rPr lang="en-US" sz="1400" dirty="0"/>
+              <a:t>. </a:t>
+            </a:r>
+            <a:r>
+              <a:rPr lang="en-US" sz="1400" dirty="0" err="1"/>
+              <a:t>Foorthuis</a:t>
+            </a:r>
+            <a:r>
+              <a:rPr lang="en-US" sz="1400" dirty="0"/>
+              <a:t>,</a:t>
+            </a:r>
+            <a:endParaRPr lang="ru-RU" sz="1400" dirty="0"/>
+          </a:p>
+        </p:txBody>
+      </p:sp>
+      <p:pic>
+        <p:nvPicPr>
+          <p:cNvPr id="3074" name="Picture 2" descr="Рис.3. Несколько точечных аномалий."/>
+          <p:cNvPicPr>
+            <a:picLocks noChangeAspect="1" noChangeArrowheads="1"/>
+          </p:cNvPicPr>
+          <p:nvPr/>
+        </p:nvPicPr>
+        <p:blipFill>
+          <a:blip r:embed="rId2">
+            <a:extLst>
+              <a:ext uri="{28A0092B-C50C-407E-A947-70E740481C1C}">
+                <a14:useLocalDpi xmlns:a14="http://schemas.microsoft.com/office/drawing/2010/main" val="0"/>
+              </a:ext>
+            </a:extLst>
+          </a:blip>
+          <a:srcRect/>
+          <a:stretch>
+            <a:fillRect/>
+          </a:stretch>
+        </p:blipFill>
+        <p:spPr bwMode="auto">
+          <a:xfrm>
+            <a:off x="201283" y="1859176"/>
+            <a:ext cx="4681267" cy="1914525"/>
+          </a:xfrm>
+          <a:prstGeom prst="rect">
+            <a:avLst/>
+          </a:prstGeom>
+          <a:noFill/>
+          <a:extLst>
+            <a:ext uri="{909E8E84-426E-40DD-AFC4-6F175D3DCCD1}">
+              <a14:hiddenFill xmlns:a14="http://schemas.microsoft.com/office/drawing/2010/main">
+                <a:solidFill>
+                  <a:srgbClr val="FFFFFF"/>
+                </a:solidFill>
+              </a14:hiddenFill>
+            </a:ext>
+          </a:extLst>
+        </p:spPr>
+      </p:pic>
+      <p:pic>
+        <p:nvPicPr>
+          <p:cNvPr id="3076" name="Picture 4" descr="Рис.4. Групповая аномалия, изменение частоты."/>
+          <p:cNvPicPr>
+            <a:picLocks noChangeAspect="1" noChangeArrowheads="1"/>
+          </p:cNvPicPr>
+          <p:nvPr/>
+        </p:nvPicPr>
+        <p:blipFill>
+          <a:blip r:embed="rId3">
+            <a:extLst>
+              <a:ext uri="{28A0092B-C50C-407E-A947-70E740481C1C}">
+                <a14:useLocalDpi xmlns:a14="http://schemas.microsoft.com/office/drawing/2010/main" val="0"/>
+              </a:ext>
+            </a:extLst>
+          </a:blip>
+          <a:srcRect/>
+          <a:stretch>
+            <a:fillRect/>
+          </a:stretch>
+        </p:blipFill>
+        <p:spPr bwMode="auto">
+          <a:xfrm>
+            <a:off x="201283" y="3972406"/>
+            <a:ext cx="4681267" cy="1533526"/>
+          </a:xfrm>
+          <a:prstGeom prst="rect">
+            <a:avLst/>
+          </a:prstGeom>
+          <a:noFill/>
+          <a:extLst>
+            <a:ext uri="{909E8E84-426E-40DD-AFC4-6F175D3DCCD1}">
+              <a14:hiddenFill xmlns:a14="http://schemas.microsoft.com/office/drawing/2010/main">
+                <a:solidFill>
+                  <a:srgbClr val="FFFFFF"/>
+                </a:solidFill>
+              </a14:hiddenFill>
+            </a:ext>
+          </a:extLst>
+        </p:spPr>
+      </p:pic>
+    </p:spTree>
+    <p:extLst>
+      <p:ext uri="{BB962C8B-B14F-4D97-AF65-F5344CB8AC3E}">
+        <p14:creationId xmlns:p14="http://schemas.microsoft.com/office/powerpoint/2010/main" val="3134740119"/>
+      </p:ext>
+    </p:extLst>
+  </p:cSld>
+  <p:clrMapOvr>
+    <a:masterClrMapping/>
+  </p:clrMapOvr>
+</p:sld>
+</file>
+
+<file path=ppt/slides/slide5.xml><?xml version="1.0" encoding="utf-8"?>
+<p:sld xmlns:a="http://schemas.openxmlformats.org/drawingml/2006/main" xmlns:r="http://schemas.openxmlformats.org/officeDocument/2006/relationships" xmlns:p="http://schemas.openxmlformats.org/presentationml/2006/main">
+  <p:cSld>
+    <p:spTree>
+      <p:nvGrpSpPr>
+        <p:cNvPr id="1" name=""/>
+        <p:cNvGrpSpPr/>
+        <p:nvPr/>
+      </p:nvGrpSpPr>
+      <p:grpSpPr>
+        <a:xfrm>
+          <a:off x="0" y="0"/>
+          <a:ext cx="0" cy="0"/>
+          <a:chOff x="0" y="0"/>
+          <a:chExt cx="0" cy="0"/>
+        </a:xfrm>
+      </p:grpSpPr>
+      <p:sp>
+        <p:nvSpPr>
+          <p:cNvPr id="3" name="Объект 2"/>
+          <p:cNvSpPr>
+            <a:spLocks noGrp="1"/>
+          </p:cNvSpPr>
+          <p:nvPr>
+            <p:ph idx="1"/>
+          </p:nvPr>
+        </p:nvSpPr>
+        <p:spPr>
+          <a:xfrm>
+            <a:off x="465827" y="4765938"/>
+            <a:ext cx="10843404" cy="1690776"/>
+          </a:xfrm>
+        </p:spPr>
+        <p:txBody>
+          <a:bodyPr>
+            <a:normAutofit fontScale="92500" lnSpcReduction="10000"/>
+          </a:bodyPr>
+          <a:lstStyle/>
+          <a:p>
+            <a:r>
+              <a:rPr lang="ru-RU" dirty="0" smtClean="0"/>
+              <a:t>𝐹 </a:t>
+            </a:r>
+            <a:r>
+              <a:rPr lang="ru-RU" dirty="0"/>
+              <a:t>𝑃 𝑅 = 𝐹 𝑃 𝑅(𝑥</a:t>
+            </a:r>
+            <a:r>
+              <a:rPr lang="ru-RU" dirty="0" smtClean="0"/>
+              <a:t>)</a:t>
+            </a:r>
+            <a:r>
+              <a:rPr lang="en-US" dirty="0" smtClean="0"/>
+              <a:t>,</a:t>
+            </a:r>
+            <a:r>
+              <a:rPr lang="ru-RU" dirty="0" smtClean="0"/>
+              <a:t> </a:t>
+            </a:r>
+            <a:r>
+              <a:rPr lang="ru-RU" dirty="0"/>
+              <a:t>𝑇 𝑃 𝑅 = 𝑇 𝑃 𝑅(𝑥</a:t>
+            </a:r>
+            <a:r>
+              <a:rPr lang="ru-RU" dirty="0" smtClean="0"/>
+              <a:t>)</a:t>
+            </a:r>
+            <a:r>
+              <a:rPr lang="en-US" dirty="0" smtClean="0"/>
+              <a:t> </a:t>
+            </a:r>
+            <a:r>
+              <a:rPr lang="ru-RU" dirty="0" smtClean="0"/>
+              <a:t>=</a:t>
+            </a:r>
+            <a:r>
+              <a:rPr lang="en-US" dirty="0" smtClean="0"/>
+              <a:t>&gt; </a:t>
+            </a:r>
+            <a:r>
+              <a:rPr lang="ru-RU" dirty="0" smtClean="0"/>
+              <a:t>𝑅𝑂𝐶</a:t>
+            </a:r>
+            <a:r>
+              <a:rPr lang="ru-RU" dirty="0"/>
+              <a:t>-кривая – это 𝑇 𝑃 𝑅(𝐹 𝑃 </a:t>
+            </a:r>
+            <a:r>
+              <a:rPr lang="ru-RU" dirty="0" smtClean="0"/>
+              <a:t>𝑅</a:t>
+            </a:r>
+            <a:r>
+              <a:rPr lang="en-US" dirty="0" smtClean="0"/>
+              <a:t>^(</a:t>
+            </a:r>
+            <a:r>
+              <a:rPr lang="ru-RU" dirty="0" smtClean="0"/>
+              <a:t>−1</a:t>
+            </a:r>
+            <a:r>
+              <a:rPr lang="en-US" dirty="0" smtClean="0"/>
+              <a:t>)</a:t>
+            </a:r>
+            <a:r>
+              <a:rPr lang="ru-RU" dirty="0" smtClean="0"/>
+              <a:t> </a:t>
+            </a:r>
+            <a:r>
+              <a:rPr lang="ru-RU" dirty="0"/>
+              <a:t>), а 𝐴𝑈𝐶 – площадь под 𝑅𝑂𝐶-кривой </a:t>
+            </a:r>
+            <a:endParaRPr lang="en-US" dirty="0" smtClean="0"/>
+          </a:p>
+          <a:p>
+            <a:r>
+              <a:rPr lang="ru-RU" dirty="0" smtClean="0"/>
+              <a:t>Полное описание метрик МО, базовые и продвинутые, графики и смысл</a:t>
+            </a:r>
+          </a:p>
+          <a:p>
+            <a:r>
+              <a:rPr lang="ru-RU" dirty="0" smtClean="0"/>
+              <a:t>Нет практических примеров подсчета и применения метрик для оценки и сравнения моделей</a:t>
+            </a:r>
+            <a:endParaRPr lang="ru-RU" dirty="0"/>
+          </a:p>
+        </p:txBody>
+      </p:sp>
+      <p:sp>
+        <p:nvSpPr>
+          <p:cNvPr id="4" name="Заголовок 1"/>
+          <p:cNvSpPr>
+            <a:spLocks noGrp="1"/>
+          </p:cNvSpPr>
+          <p:nvPr>
+            <p:ph type="title"/>
+          </p:nvPr>
+        </p:nvSpPr>
+        <p:spPr>
+          <a:xfrm>
+            <a:off x="534838" y="400959"/>
+            <a:ext cx="9628140" cy="754980"/>
+          </a:xfrm>
+        </p:spPr>
+        <p:style>
+          <a:lnRef idx="3">
+            <a:schemeClr val="lt1"/>
+          </a:lnRef>
+          <a:fillRef idx="1">
+            <a:schemeClr val="accent1"/>
+          </a:fillRef>
+          <a:effectRef idx="1">
+            <a:schemeClr val="accent1"/>
+          </a:effectRef>
+          <a:fontRef idx="minor">
+            <a:schemeClr val="lt1"/>
+          </a:fontRef>
+        </p:style>
+        <p:txBody>
+          <a:bodyPr/>
+          <a:lstStyle/>
+          <a:p>
+            <a:pPr algn="ctr"/>
+            <a:r>
+              <a:rPr lang="ru-RU" b="1" i="1" dirty="0" smtClean="0"/>
+              <a:t>Метрики для оценки моделей МО</a:t>
+            </a:r>
+            <a:endParaRPr lang="ru-RU" b="1" i="1" dirty="0"/>
+          </a:p>
+        </p:txBody>
+      </p:sp>
+      <p:sp>
+        <p:nvSpPr>
+          <p:cNvPr id="5" name="TextBox 4"/>
+          <p:cNvSpPr txBox="1"/>
+          <p:nvPr/>
+        </p:nvSpPr>
+        <p:spPr>
+          <a:xfrm>
+            <a:off x="4873924" y="6435306"/>
+            <a:ext cx="7617125" cy="307777"/>
+          </a:xfrm>
+          <a:prstGeom prst="rect">
+            <a:avLst/>
+          </a:prstGeom>
+          <a:noFill/>
+        </p:spPr>
+        <p:txBody>
+          <a:bodyPr wrap="square" rtlCol="0">
+            <a:spAutoFit/>
+          </a:bodyPr>
+          <a:lstStyle/>
+          <a:p>
+            <a:r>
+              <a:rPr lang="en-US" sz="1400" dirty="0"/>
+              <a:t>“Performance Metrics for Machine Learning </a:t>
+            </a:r>
+            <a:r>
+              <a:rPr lang="en-US" sz="1400" dirty="0" smtClean="0"/>
+              <a:t>Models” by B</a:t>
+            </a:r>
+            <a:r>
+              <a:rPr lang="en-US" sz="1400" dirty="0"/>
+              <a:t>. J. Erickson, F. Kitamura</a:t>
+            </a:r>
+            <a:endParaRPr lang="ru-RU" sz="1400" dirty="0"/>
+          </a:p>
+        </p:txBody>
+      </p:sp>
+      <p:pic>
+        <p:nvPicPr>
+          <p:cNvPr id="6" name="Рисунок 5"/>
+          <p:cNvPicPr>
+            <a:picLocks noChangeAspect="1"/>
+          </p:cNvPicPr>
+          <p:nvPr/>
+        </p:nvPicPr>
+        <p:blipFill rotWithShape="1">
+          <a:blip r:embed="rId2"/>
+          <a:srcRect l="25450" t="34795" r="50403" b="29650"/>
+          <a:stretch/>
+        </p:blipFill>
+        <p:spPr>
+          <a:xfrm>
+            <a:off x="6951886" y="1552755"/>
+            <a:ext cx="3639846" cy="3014774"/>
+          </a:xfrm>
+          <a:prstGeom prst="rect">
+            <a:avLst/>
+          </a:prstGeom>
+        </p:spPr>
+      </p:pic>
+      <p:pic>
+        <p:nvPicPr>
+          <p:cNvPr id="11" name="Рисунок 10"/>
+          <p:cNvPicPr>
+            <a:picLocks noChangeAspect="1"/>
+          </p:cNvPicPr>
+          <p:nvPr/>
+        </p:nvPicPr>
+        <p:blipFill rotWithShape="1">
+          <a:blip r:embed="rId3"/>
+          <a:srcRect l="7672" t="29278" r="37962" b="24207"/>
+          <a:stretch/>
+        </p:blipFill>
+        <p:spPr>
+          <a:xfrm>
+            <a:off x="345057" y="1552755"/>
+            <a:ext cx="6219645" cy="2993366"/>
+          </a:xfrm>
+          <a:prstGeom prst="rect">
+            <a:avLst/>
+          </a:prstGeom>
+        </p:spPr>
+      </p:pic>
+    </p:spTree>
+    <p:extLst>
+      <p:ext uri="{BB962C8B-B14F-4D97-AF65-F5344CB8AC3E}">
+        <p14:creationId xmlns:p14="http://schemas.microsoft.com/office/powerpoint/2010/main" val="3031507085"/>
+      </p:ext>
+    </p:extLst>
+  </p:cSld>
+  <p:clrMapOvr>
+    <a:masterClrMapping/>
+  </p:clrMapOvr>
+</p:sld>
+</file>
+
+<file path=ppt/slides/slide6.xml><?xml version="1.0" encoding="utf-8"?>
+<p:sld xmlns:a="http://schemas.openxmlformats.org/drawingml/2006/main" xmlns:r="http://schemas.openxmlformats.org/officeDocument/2006/relationships" xmlns:p="http://schemas.openxmlformats.org/presentationml/2006/main">
+  <p:cSld>
+    <p:spTree>
+      <p:nvGrpSpPr>
+        <p:cNvPr id="1" name=""/>
+        <p:cNvGrpSpPr/>
+        <p:nvPr/>
+      </p:nvGrpSpPr>
+      <p:grpSpPr>
+        <a:xfrm>
+          <a:off x="0" y="0"/>
+          <a:ext cx="0" cy="0"/>
+          <a:chOff x="0" y="0"/>
+          <a:chExt cx="0" cy="0"/>
+        </a:xfrm>
+      </p:grpSpPr>
+      <p:sp>
+        <p:nvSpPr>
+          <p:cNvPr id="3" name="Объект 2"/>
+          <p:cNvSpPr>
+            <a:spLocks noGrp="1"/>
+          </p:cNvSpPr>
+          <p:nvPr>
+            <p:ph idx="1"/>
+          </p:nvPr>
+        </p:nvSpPr>
+        <p:spPr>
+          <a:xfrm>
+            <a:off x="284671" y="1460739"/>
+            <a:ext cx="6323163" cy="5190227"/>
+          </a:xfrm>
+        </p:spPr>
+        <p:txBody>
+          <a:bodyPr>
+            <a:normAutofit/>
+          </a:bodyPr>
+          <a:lstStyle/>
+          <a:p>
+            <a:r>
+              <a:rPr lang="en-US" dirty="0" smtClean="0"/>
+              <a:t>Z-score: </a:t>
+            </a:r>
+            <a:r>
+              <a:rPr lang="ru-RU" dirty="0" smtClean="0"/>
+              <a:t>(x-E(x))/</a:t>
+            </a:r>
+            <a:r>
+              <a:rPr lang="ru-RU" dirty="0" err="1"/>
+              <a:t>sqrt</a:t>
+            </a:r>
+            <a:r>
+              <a:rPr lang="ru-RU" dirty="0"/>
+              <a:t>(</a:t>
+            </a:r>
+            <a:r>
+              <a:rPr lang="ru-RU" dirty="0" err="1"/>
+              <a:t>Var</a:t>
+            </a:r>
+            <a:r>
+              <a:rPr lang="ru-RU" dirty="0"/>
+              <a:t>(x</a:t>
+            </a:r>
+            <a:r>
+              <a:rPr lang="ru-RU" dirty="0" smtClean="0"/>
+              <a:t>))</a:t>
+            </a:r>
+            <a:endParaRPr lang="ru-RU" dirty="0"/>
+          </a:p>
+          <a:p>
+            <a:r>
+              <a:rPr lang="ru-RU" dirty="0"/>
+              <a:t>z-</a:t>
+            </a:r>
+            <a:r>
+              <a:rPr lang="ru-RU" dirty="0" err="1"/>
+              <a:t>score</a:t>
+            </a:r>
+            <a:r>
+              <a:rPr lang="ru-RU" dirty="0"/>
+              <a:t> показывает, на сколько стандартных отклонений данное измерение отстоит от </a:t>
+            </a:r>
+            <a:r>
+              <a:rPr lang="ru-RU" dirty="0" smtClean="0"/>
+              <a:t>среднего</a:t>
+            </a:r>
+            <a:endParaRPr lang="ru-RU" dirty="0"/>
+          </a:p>
+          <a:p>
+            <a:r>
+              <a:rPr lang="ru-RU" dirty="0" err="1" smtClean="0"/>
+              <a:t>Безразмерность</a:t>
+            </a:r>
+            <a:r>
+              <a:rPr lang="ru-RU" dirty="0"/>
+              <a:t>, устойчивость к изменению порядков данных, стандартизированная мера - позволяет сравнивать данные с разными средними и дисперсиями </a:t>
+            </a:r>
+          </a:p>
+          <a:p>
+            <a:r>
+              <a:rPr lang="ru-RU" dirty="0"/>
+              <a:t>«Ручной» поиск порогового значения, сложности, если аномалии близки к нормальным данным </a:t>
+            </a:r>
+          </a:p>
+          <a:p>
+            <a:r>
+              <a:rPr lang="ru-RU" dirty="0"/>
+              <a:t>Скорее обзорная статья, без глубокого понимания, на практике сравниваются различные инструменты, но на маленьких и немногочисленных </a:t>
+            </a:r>
+            <a:r>
+              <a:rPr lang="ru-RU" dirty="0" err="1"/>
+              <a:t>датасетах</a:t>
+            </a:r>
+            <a:endParaRPr lang="ru-RU" dirty="0"/>
+          </a:p>
+          <a:p>
+            <a:endParaRPr lang="ru-RU" dirty="0"/>
+          </a:p>
+        </p:txBody>
+      </p:sp>
+      <p:sp>
+        <p:nvSpPr>
+          <p:cNvPr id="4" name="Заголовок 1"/>
+          <p:cNvSpPr>
+            <a:spLocks noGrp="1"/>
+          </p:cNvSpPr>
+          <p:nvPr>
+            <p:ph type="title"/>
+          </p:nvPr>
+        </p:nvSpPr>
+        <p:spPr>
+          <a:xfrm>
+            <a:off x="534838" y="400959"/>
+            <a:ext cx="9628140" cy="754980"/>
+          </a:xfrm>
+        </p:spPr>
+        <p:style>
+          <a:lnRef idx="3">
+            <a:schemeClr val="lt1"/>
+          </a:lnRef>
+          <a:fillRef idx="1">
+            <a:schemeClr val="accent1"/>
+          </a:fillRef>
+          <a:effectRef idx="1">
+            <a:schemeClr val="accent1"/>
+          </a:effectRef>
+          <a:fontRef idx="minor">
+            <a:schemeClr val="lt1"/>
+          </a:fontRef>
+        </p:style>
+        <p:txBody>
+          <a:bodyPr/>
+          <a:lstStyle/>
+          <a:p>
+            <a:pPr algn="ctr"/>
+            <a:r>
+              <a:rPr lang="en-US" b="1" i="1" dirty="0" smtClean="0"/>
+              <a:t>Z-score</a:t>
+            </a:r>
+            <a:endParaRPr lang="ru-RU" b="1" i="1" dirty="0"/>
+          </a:p>
+        </p:txBody>
+      </p:sp>
+      <p:sp>
+        <p:nvSpPr>
+          <p:cNvPr id="2" name="TextBox 1"/>
+          <p:cNvSpPr txBox="1"/>
+          <p:nvPr/>
+        </p:nvSpPr>
+        <p:spPr>
+          <a:xfrm>
+            <a:off x="8147272" y="6248399"/>
+            <a:ext cx="4031411" cy="738664"/>
+          </a:xfrm>
+          <a:prstGeom prst="rect">
+            <a:avLst/>
+          </a:prstGeom>
+          <a:noFill/>
+        </p:spPr>
+        <p:txBody>
+          <a:bodyPr wrap="square" rtlCol="0">
+            <a:spAutoFit/>
+          </a:bodyPr>
+          <a:lstStyle/>
+          <a:p>
+            <a:r>
+              <a:rPr lang="ru-RU" sz="1400" dirty="0"/>
+              <a:t>“</a:t>
+            </a:r>
+            <a:r>
+              <a:rPr lang="ru-RU" sz="1400" dirty="0" err="1"/>
+              <a:t>Anomaly</a:t>
+            </a:r>
+            <a:r>
+              <a:rPr lang="ru-RU" sz="1400" dirty="0"/>
+              <a:t> </a:t>
+            </a:r>
+            <a:r>
+              <a:rPr lang="ru-RU" sz="1400" dirty="0" err="1"/>
+              <a:t>detection</a:t>
+            </a:r>
+            <a:r>
+              <a:rPr lang="ru-RU" sz="1400" dirty="0"/>
+              <a:t> </a:t>
+            </a:r>
+            <a:r>
+              <a:rPr lang="ru-RU" sz="1400" dirty="0" err="1"/>
+              <a:t>by</a:t>
+            </a:r>
+            <a:r>
+              <a:rPr lang="ru-RU" sz="1400" dirty="0"/>
+              <a:t> </a:t>
+            </a:r>
+            <a:r>
+              <a:rPr lang="ru-RU" sz="1400" dirty="0" err="1"/>
+              <a:t>robust</a:t>
+            </a:r>
+            <a:r>
+              <a:rPr lang="ru-RU" sz="1400" dirty="0"/>
+              <a:t> </a:t>
+            </a:r>
+            <a:r>
+              <a:rPr lang="ru-RU" sz="1400" dirty="0" err="1"/>
+              <a:t>statistics</a:t>
+            </a:r>
+            <a:r>
+              <a:rPr lang="ru-RU" sz="1400" dirty="0"/>
+              <a:t>” </a:t>
+            </a:r>
+            <a:r>
+              <a:rPr lang="ru-RU" sz="1400" dirty="0" err="1"/>
+              <a:t>by</a:t>
+            </a:r>
+            <a:r>
+              <a:rPr lang="ru-RU" sz="1400" dirty="0"/>
+              <a:t> P. J. </a:t>
+            </a:r>
+            <a:r>
+              <a:rPr lang="ru-RU" sz="1400" dirty="0" err="1"/>
+              <a:t>Rousseeuw</a:t>
+            </a:r>
+            <a:r>
+              <a:rPr lang="ru-RU" sz="1400" dirty="0"/>
+              <a:t>, M. </a:t>
+            </a:r>
+            <a:r>
+              <a:rPr lang="ru-RU" sz="1400" dirty="0" err="1"/>
+              <a:t>Hubert</a:t>
+            </a:r>
+            <a:endParaRPr lang="ru-RU" sz="1400" dirty="0"/>
+          </a:p>
+          <a:p>
+            <a:endParaRPr lang="ru-RU" sz="1400" dirty="0"/>
+          </a:p>
+        </p:txBody>
+      </p:sp>
+      <p:pic>
+        <p:nvPicPr>
+          <p:cNvPr id="1026" name="Picture 2" descr="App Store: Calculator to Find Z-Score"/>
+          <p:cNvPicPr>
+            <a:picLocks noChangeAspect="1" noChangeArrowheads="1"/>
+          </p:cNvPicPr>
+          <p:nvPr/>
+        </p:nvPicPr>
+        <p:blipFill rotWithShape="1">
+          <a:blip r:embed="rId2">
+            <a:extLst>
+              <a:ext uri="{28A0092B-C50C-407E-A947-70E740481C1C}">
+                <a14:useLocalDpi xmlns:a14="http://schemas.microsoft.com/office/drawing/2010/main" val="0"/>
+              </a:ext>
+            </a:extLst>
+          </a:blip>
+          <a:srcRect l="24244" r="24119"/>
+          <a:stretch/>
+        </p:blipFill>
+        <p:spPr bwMode="auto">
+          <a:xfrm>
+            <a:off x="7194430" y="1460739"/>
+            <a:ext cx="3942271" cy="4125156"/>
+          </a:xfrm>
+          <a:prstGeom prst="rect">
+            <a:avLst/>
+          </a:prstGeom>
+          <a:noFill/>
+          <a:extLst>
+            <a:ext uri="{909E8E84-426E-40DD-AFC4-6F175D3DCCD1}">
+              <a14:hiddenFill xmlns:a14="http://schemas.microsoft.com/office/drawing/2010/main">
+                <a:solidFill>
+                  <a:srgbClr val="FFFFFF"/>
+                </a:solidFill>
+              </a14:hiddenFill>
+            </a:ext>
+          </a:extLst>
+        </p:spPr>
+      </p:pic>
+    </p:spTree>
+    <p:extLst>
+      <p:ext uri="{BB962C8B-B14F-4D97-AF65-F5344CB8AC3E}">
+        <p14:creationId xmlns:p14="http://schemas.microsoft.com/office/powerpoint/2010/main" val="2730820640"/>
+      </p:ext>
+    </p:extLst>
+  </p:cSld>
+  <p:clrMapOvr>
+    <a:masterClrMapping/>
+  </p:clrMapOvr>
+</p:sld>
+</file>
+
+<file path=ppt/slides/slide7.xml><?xml version="1.0" encoding="utf-8"?>
+<p:sld xmlns:a="http://schemas.openxmlformats.org/drawingml/2006/main" xmlns:r="http://schemas.openxmlformats.org/officeDocument/2006/relationships" xmlns:p="http://schemas.openxmlformats.org/presentationml/2006/main">
+  <p:cSld>
+    <p:spTree>
+      <p:nvGrpSpPr>
+        <p:cNvPr id="1" name=""/>
+        <p:cNvGrpSpPr/>
+        <p:nvPr/>
+      </p:nvGrpSpPr>
+      <p:grpSpPr>
+        <a:xfrm>
+          <a:off x="0" y="0"/>
+          <a:ext cx="0" cy="0"/>
+          <a:chOff x="0" y="0"/>
+          <a:chExt cx="0" cy="0"/>
+        </a:xfrm>
+      </p:grpSpPr>
+      <p:sp>
+        <p:nvSpPr>
+          <p:cNvPr id="3" name="Объект 2"/>
+          <p:cNvSpPr>
+            <a:spLocks noGrp="1"/>
+          </p:cNvSpPr>
+          <p:nvPr>
+            <p:ph idx="1"/>
+          </p:nvPr>
+        </p:nvSpPr>
+        <p:spPr>
+          <a:xfrm>
+            <a:off x="6323163" y="2907102"/>
+            <a:ext cx="5486398" cy="3341297"/>
+          </a:xfrm>
+        </p:spPr>
+        <p:txBody>
+          <a:bodyPr>
+            <a:normAutofit/>
+          </a:bodyPr>
+          <a:lstStyle/>
+          <a:p>
+            <a:r>
+              <a:rPr lang="ru-RU" dirty="0" smtClean="0"/>
+              <a:t>[</a:t>
+            </a:r>
+            <a:r>
+              <a:rPr lang="ru-RU" dirty="0"/>
+              <a:t>q_0.25-1.5IQR; q_0.75+1.5IQR]</a:t>
+            </a:r>
+          </a:p>
+          <a:p>
+            <a:r>
+              <a:rPr lang="ru-RU" dirty="0"/>
+              <a:t>Данные одномерных и существенно отличаются от нормальных значений </a:t>
+            </a:r>
+          </a:p>
+          <a:p>
+            <a:r>
+              <a:rPr lang="ru-RU" dirty="0"/>
+              <a:t>Простота подсчёта, понятность интерпретации</a:t>
+            </a:r>
+          </a:p>
+          <a:p>
+            <a:r>
+              <a:rPr lang="ru-RU" dirty="0" smtClean="0"/>
+              <a:t>Основан </a:t>
+            </a:r>
+            <a:r>
+              <a:rPr lang="ru-RU" dirty="0"/>
+              <a:t>всего на 2 значениях, довольно грубая метрика (а если все вокруг медианы?), не самый лучший инструмент для многомерных данных </a:t>
+            </a:r>
+          </a:p>
+        </p:txBody>
+      </p:sp>
+      <p:sp>
+        <p:nvSpPr>
+          <p:cNvPr id="4" name="Заголовок 1"/>
+          <p:cNvSpPr>
+            <a:spLocks noGrp="1"/>
+          </p:cNvSpPr>
+          <p:nvPr>
+            <p:ph type="title"/>
+          </p:nvPr>
+        </p:nvSpPr>
+        <p:spPr>
+          <a:xfrm>
+            <a:off x="534838" y="400959"/>
+            <a:ext cx="9628140" cy="754980"/>
+          </a:xfrm>
+        </p:spPr>
+        <p:style>
+          <a:lnRef idx="3">
+            <a:schemeClr val="lt1"/>
+          </a:lnRef>
+          <a:fillRef idx="1">
+            <a:schemeClr val="accent1"/>
+          </a:fillRef>
+          <a:effectRef idx="1">
+            <a:schemeClr val="accent1"/>
+          </a:effectRef>
+          <a:fontRef idx="minor">
+            <a:schemeClr val="lt1"/>
+          </a:fontRef>
+        </p:style>
+        <p:txBody>
+          <a:bodyPr/>
+          <a:lstStyle/>
+          <a:p>
+            <a:pPr algn="ctr"/>
+            <a:r>
+              <a:rPr lang="en-US" b="1" i="1" dirty="0"/>
+              <a:t>IQR &amp; </a:t>
+            </a:r>
+            <a:r>
+              <a:rPr lang="en-US" b="1" i="1" dirty="0" err="1"/>
+              <a:t>winsorization</a:t>
+            </a:r>
+            <a:endParaRPr lang="ru-RU" b="1" i="1" dirty="0"/>
+          </a:p>
+        </p:txBody>
+      </p:sp>
+      <p:sp>
+        <p:nvSpPr>
+          <p:cNvPr id="5" name="TextBox 4"/>
+          <p:cNvSpPr txBox="1"/>
+          <p:nvPr/>
+        </p:nvSpPr>
+        <p:spPr>
+          <a:xfrm>
+            <a:off x="172528" y="6228272"/>
+            <a:ext cx="6694098" cy="738664"/>
+          </a:xfrm>
+          <a:prstGeom prst="rect">
+            <a:avLst/>
+          </a:prstGeom>
+          <a:noFill/>
+        </p:spPr>
+        <p:txBody>
+          <a:bodyPr wrap="square" rtlCol="0">
+            <a:spAutoFit/>
+          </a:bodyPr>
+          <a:lstStyle/>
+          <a:p>
+            <a:r>
+              <a:rPr lang="ru-RU" sz="1400" dirty="0"/>
+              <a:t>“</a:t>
+            </a:r>
+            <a:r>
+              <a:rPr lang="ru-RU" sz="1400" dirty="0" err="1"/>
+              <a:t>An</a:t>
+            </a:r>
+            <a:r>
+              <a:rPr lang="ru-RU" sz="1400" dirty="0"/>
+              <a:t> </a:t>
+            </a:r>
+            <a:r>
+              <a:rPr lang="ru-RU" sz="1400" dirty="0" err="1"/>
+              <a:t>outliers</a:t>
+            </a:r>
+            <a:r>
+              <a:rPr lang="ru-RU" sz="1400" dirty="0"/>
+              <a:t> </a:t>
+            </a:r>
+            <a:r>
+              <a:rPr lang="ru-RU" sz="1400" dirty="0" err="1"/>
+              <a:t>detection</a:t>
+            </a:r>
+            <a:r>
+              <a:rPr lang="ru-RU" sz="1400" dirty="0"/>
+              <a:t> </a:t>
+            </a:r>
+            <a:r>
+              <a:rPr lang="ru-RU" sz="1400" dirty="0" err="1"/>
+              <a:t>and</a:t>
+            </a:r>
+            <a:r>
+              <a:rPr lang="ru-RU" sz="1400" dirty="0"/>
+              <a:t> </a:t>
+            </a:r>
+            <a:r>
+              <a:rPr lang="ru-RU" sz="1400" dirty="0" err="1"/>
+              <a:t>elimination</a:t>
+            </a:r>
+            <a:r>
+              <a:rPr lang="ru-RU" sz="1400" dirty="0"/>
+              <a:t> </a:t>
+            </a:r>
+            <a:r>
+              <a:rPr lang="ru-RU" sz="1400" dirty="0" err="1"/>
+              <a:t>framework</a:t>
+            </a:r>
+            <a:r>
+              <a:rPr lang="ru-RU" sz="1400" dirty="0"/>
+              <a:t> </a:t>
+            </a:r>
+            <a:r>
+              <a:rPr lang="ru-RU" sz="1400" dirty="0" err="1"/>
+              <a:t>in</a:t>
+            </a:r>
+            <a:r>
+              <a:rPr lang="ru-RU" sz="1400" dirty="0"/>
+              <a:t> </a:t>
+            </a:r>
+            <a:r>
+              <a:rPr lang="ru-RU" sz="1400" dirty="0" err="1"/>
+              <a:t>classification</a:t>
+            </a:r>
+            <a:r>
+              <a:rPr lang="ru-RU" sz="1400" dirty="0"/>
+              <a:t> </a:t>
+            </a:r>
+            <a:r>
+              <a:rPr lang="ru-RU" sz="1400" dirty="0" err="1" smtClean="0"/>
+              <a:t>task</a:t>
+            </a:r>
+            <a:r>
+              <a:rPr lang="en-US" sz="1400" dirty="0" smtClean="0"/>
+              <a:t> </a:t>
+            </a:r>
+            <a:r>
+              <a:rPr lang="ru-RU" sz="1400" dirty="0" err="1" smtClean="0"/>
+              <a:t>of</a:t>
+            </a:r>
+            <a:r>
+              <a:rPr lang="ru-RU" sz="1400" dirty="0" smtClean="0"/>
+              <a:t> </a:t>
+            </a:r>
+            <a:r>
+              <a:rPr lang="ru-RU" sz="1400" dirty="0" err="1"/>
+              <a:t>data</a:t>
+            </a:r>
+            <a:r>
+              <a:rPr lang="ru-RU" sz="1400" dirty="0"/>
+              <a:t> </a:t>
+            </a:r>
+            <a:r>
+              <a:rPr lang="ru-RU" sz="1400" dirty="0" err="1"/>
+              <a:t>mining</a:t>
+            </a:r>
+            <a:r>
+              <a:rPr lang="ru-RU" sz="1400" dirty="0"/>
+              <a:t>” </a:t>
+            </a:r>
+            <a:r>
+              <a:rPr lang="ru-RU" sz="1400" dirty="0" err="1"/>
+              <a:t>by</a:t>
+            </a:r>
+            <a:r>
+              <a:rPr lang="ru-RU" sz="1400" dirty="0"/>
+              <a:t> K. D. </a:t>
+            </a:r>
+            <a:r>
+              <a:rPr lang="ru-RU" sz="1400" dirty="0" err="1"/>
+              <a:t>Sanjeev</a:t>
+            </a:r>
+            <a:r>
+              <a:rPr lang="ru-RU" sz="1400" dirty="0"/>
+              <a:t>, A. K. </a:t>
+            </a:r>
+            <a:r>
+              <a:rPr lang="ru-RU" sz="1400" dirty="0" err="1"/>
+              <a:t>Behera</a:t>
+            </a:r>
+            <a:r>
+              <a:rPr lang="ru-RU" sz="1400" dirty="0"/>
+              <a:t>, S. </a:t>
+            </a:r>
+            <a:r>
+              <a:rPr lang="ru-RU" sz="1400" dirty="0" err="1"/>
+              <a:t>Dehuri</a:t>
+            </a:r>
+            <a:r>
+              <a:rPr lang="ru-RU" sz="1400" dirty="0"/>
+              <a:t>, A. </a:t>
+            </a:r>
+            <a:r>
+              <a:rPr lang="ru-RU" sz="1400" dirty="0" err="1"/>
+              <a:t>Ghosh</a:t>
+            </a:r>
+            <a:endParaRPr lang="ru-RU" sz="1400" dirty="0"/>
+          </a:p>
+          <a:p>
+            <a:endParaRPr lang="ru-RU" sz="1400" dirty="0"/>
+          </a:p>
+        </p:txBody>
+      </p:sp>
+      <p:pic>
+        <p:nvPicPr>
+          <p:cNvPr id="6" name="Рисунок 5"/>
+          <p:cNvPicPr>
+            <a:picLocks noChangeAspect="1"/>
+          </p:cNvPicPr>
+          <p:nvPr/>
+        </p:nvPicPr>
+        <p:blipFill rotWithShape="1">
+          <a:blip r:embed="rId2"/>
+          <a:srcRect l="13135" t="35856" r="29343" b="14662"/>
+          <a:stretch/>
+        </p:blipFill>
+        <p:spPr>
+          <a:xfrm>
+            <a:off x="441309" y="3095732"/>
+            <a:ext cx="5769709" cy="2791795"/>
+          </a:xfrm>
+          <a:prstGeom prst="rect">
+            <a:avLst/>
+          </a:prstGeom>
+        </p:spPr>
+      </p:pic>
+      <p:sp>
+        <p:nvSpPr>
+          <p:cNvPr id="7" name="TextBox 6"/>
+          <p:cNvSpPr txBox="1"/>
+          <p:nvPr/>
+        </p:nvSpPr>
+        <p:spPr>
+          <a:xfrm>
+            <a:off x="703583" y="1419045"/>
+            <a:ext cx="9290649" cy="1754326"/>
+          </a:xfrm>
+          <a:prstGeom prst="rect">
+            <a:avLst/>
+          </a:prstGeom>
+          <a:noFill/>
+        </p:spPr>
+        <p:txBody>
+          <a:bodyPr wrap="square" rtlCol="0">
+            <a:spAutoFit/>
+          </a:bodyPr>
+          <a:lstStyle/>
+          <a:p>
+            <a:pPr marL="285750" indent="-285750">
+              <a:buFont typeface="Courier New" panose="02070309020205020404" pitchFamily="49" charset="0"/>
+              <a:buChar char="o"/>
+            </a:pPr>
+            <a:r>
+              <a:rPr lang="ru-RU" dirty="0"/>
+              <a:t>Квартиль порядка q - некоторое значение из набора данных, меньше которого  ровно q*100% данных</a:t>
+            </a:r>
+          </a:p>
+          <a:p>
+            <a:pPr marL="285750" indent="-285750">
+              <a:buFont typeface="Courier New" panose="02070309020205020404" pitchFamily="49" charset="0"/>
+              <a:buChar char="o"/>
+            </a:pPr>
+            <a:r>
+              <a:rPr lang="ru-RU" dirty="0"/>
+              <a:t>IQR=q_0.75-q_0.25</a:t>
+            </a:r>
+          </a:p>
+          <a:p>
+            <a:pPr marL="285750" indent="-285750">
+              <a:buFont typeface="Courier New" panose="02070309020205020404" pitchFamily="49" charset="0"/>
+              <a:buChar char="o"/>
+            </a:pPr>
+            <a:r>
+              <a:rPr lang="ru-RU" dirty="0" err="1"/>
+              <a:t>Винзоризация</a:t>
+            </a:r>
+            <a:r>
+              <a:rPr lang="ru-RU" dirty="0"/>
+              <a:t> - процесс замены всех данных, не выписывающихся в границы, на эти границы</a:t>
+            </a:r>
+          </a:p>
+          <a:p>
+            <a:pPr marL="285750" indent="-285750">
+              <a:buFont typeface="Courier New" panose="02070309020205020404" pitchFamily="49" charset="0"/>
+              <a:buChar char="o"/>
+            </a:pPr>
+            <a:endParaRPr lang="ru-RU" dirty="0"/>
+          </a:p>
+        </p:txBody>
+      </p:sp>
+    </p:spTree>
+    <p:extLst>
+      <p:ext uri="{BB962C8B-B14F-4D97-AF65-F5344CB8AC3E}">
+        <p14:creationId xmlns:p14="http://schemas.microsoft.com/office/powerpoint/2010/main" val="4265620491"/>
+      </p:ext>
+    </p:extLst>
+  </p:cSld>
+  <p:clrMapOvr>
+    <a:masterClrMapping/>
+  </p:clrMapOvr>
+</p:sld>
+</file>
+
+<file path=ppt/slides/slide8.xml><?xml version="1.0" encoding="utf-8"?>
+<p:sld xmlns:a="http://schemas.openxmlformats.org/drawingml/2006/main" xmlns:r="http://schemas.openxmlformats.org/officeDocument/2006/relationships" xmlns:p="http://schemas.openxmlformats.org/presentationml/2006/main">
+  <p:cSld>
+    <p:spTree>
+      <p:nvGrpSpPr>
+        <p:cNvPr id="1" name=""/>
+        <p:cNvGrpSpPr/>
+        <p:nvPr/>
+      </p:nvGrpSpPr>
+      <p:grpSpPr>
+        <a:xfrm>
+          <a:off x="0" y="0"/>
+          <a:ext cx="0" cy="0"/>
+          <a:chOff x="0" y="0"/>
+          <a:chExt cx="0" cy="0"/>
+        </a:xfrm>
+      </p:grpSpPr>
+      <p:sp>
+        <p:nvSpPr>
+          <p:cNvPr id="3" name="Объект 2"/>
+          <p:cNvSpPr>
+            <a:spLocks noGrp="1"/>
+          </p:cNvSpPr>
+          <p:nvPr>
+            <p:ph idx="1"/>
+          </p:nvPr>
+        </p:nvSpPr>
+        <p:spPr>
+          <a:xfrm>
+            <a:off x="318306" y="1371600"/>
+            <a:ext cx="8023438" cy="5400135"/>
+          </a:xfrm>
+        </p:spPr>
+        <p:txBody>
+          <a:bodyPr>
+            <a:normAutofit fontScale="77500" lnSpcReduction="20000"/>
+          </a:bodyPr>
+          <a:lstStyle/>
+          <a:p>
+            <a:r>
+              <a:rPr lang="ru-RU" dirty="0" smtClean="0"/>
+              <a:t>Алгоритм:</a:t>
+            </a:r>
+          </a:p>
+          <a:p>
+            <a:pPr marL="0" indent="0">
+              <a:buNone/>
+            </a:pPr>
+            <a:r>
+              <a:rPr lang="ru-RU" dirty="0"/>
+              <a:t> 1) выбираем линейно независимые признаки: </a:t>
+            </a:r>
+            <a:r>
+              <a:rPr lang="ru-RU" dirty="0" err="1"/>
+              <a:t>filter</a:t>
+            </a:r>
+            <a:r>
+              <a:rPr lang="ru-RU" dirty="0"/>
+              <a:t> </a:t>
+            </a:r>
+            <a:r>
+              <a:rPr lang="ru-RU" dirty="0" err="1"/>
+              <a:t>techniques</a:t>
+            </a:r>
+            <a:r>
+              <a:rPr lang="ru-RU" dirty="0"/>
+              <a:t>, </a:t>
+            </a:r>
+            <a:r>
+              <a:rPr lang="ru-RU" dirty="0" err="1"/>
+              <a:t>wrapper</a:t>
+            </a:r>
+            <a:r>
+              <a:rPr lang="ru-RU" dirty="0"/>
+              <a:t> </a:t>
+            </a:r>
+            <a:r>
+              <a:rPr lang="ru-RU" dirty="0" err="1"/>
+              <a:t>techniques</a:t>
+            </a:r>
+            <a:r>
+              <a:rPr lang="ru-RU" dirty="0"/>
+              <a:t> </a:t>
+            </a:r>
+          </a:p>
+          <a:p>
+            <a:pPr marL="0" indent="0">
+              <a:buNone/>
+            </a:pPr>
+            <a:r>
+              <a:rPr lang="ru-RU" dirty="0"/>
+              <a:t> 2) нормируем все измерения: </a:t>
+            </a:r>
+            <a:r>
+              <a:rPr lang="ru-RU" dirty="0" err="1"/>
+              <a:t>min-max</a:t>
+            </a:r>
+            <a:r>
+              <a:rPr lang="ru-RU" dirty="0"/>
+              <a:t> нормализации / z-</a:t>
+            </a:r>
+            <a:r>
+              <a:rPr lang="ru-RU" dirty="0" err="1"/>
+              <a:t>score</a:t>
+            </a:r>
+            <a:endParaRPr lang="ru-RU" dirty="0"/>
+          </a:p>
+          <a:p>
+            <a:pPr marL="0" indent="0">
+              <a:buNone/>
+            </a:pPr>
+            <a:r>
+              <a:rPr lang="ru-RU" dirty="0"/>
+              <a:t> </a:t>
+            </a:r>
+            <a:r>
+              <a:rPr lang="ru-RU" dirty="0" smtClean="0"/>
+              <a:t>3) </a:t>
+            </a:r>
+            <a:r>
+              <a:rPr lang="ru-RU" dirty="0"/>
+              <a:t>выбираем метрику для вычисления близости</a:t>
+            </a:r>
+          </a:p>
+          <a:p>
+            <a:pPr marL="0" indent="0">
+              <a:buNone/>
+            </a:pPr>
+            <a:r>
+              <a:rPr lang="ru-RU" dirty="0"/>
+              <a:t> </a:t>
+            </a:r>
+            <a:r>
+              <a:rPr lang="ru-RU" dirty="0" smtClean="0"/>
+              <a:t>4) </a:t>
+            </a:r>
+            <a:r>
+              <a:rPr lang="ru-RU" dirty="0"/>
+              <a:t>выбираем k и пороговое значение расстояния</a:t>
+            </a:r>
+          </a:p>
+          <a:p>
+            <a:pPr marL="0" indent="0">
+              <a:buNone/>
+            </a:pPr>
+            <a:r>
+              <a:rPr lang="ru-RU" dirty="0"/>
+              <a:t> </a:t>
+            </a:r>
+            <a:r>
+              <a:rPr lang="ru-RU" dirty="0" smtClean="0"/>
+              <a:t>5) вычисляем </a:t>
+            </a:r>
+            <a:r>
+              <a:rPr lang="ru-RU" dirty="0"/>
+              <a:t>оценку аномалии (количество соседей, среднее расстояние до соседа и т.д.) </a:t>
+            </a:r>
+          </a:p>
+          <a:p>
+            <a:r>
+              <a:rPr lang="ru-RU" dirty="0" smtClean="0"/>
+              <a:t>Низкая </a:t>
+            </a:r>
+            <a:r>
+              <a:rPr lang="ru-RU" dirty="0"/>
+              <a:t>плотность аномалий, они сильно отличаются от нормальных значений </a:t>
+            </a:r>
+          </a:p>
+          <a:p>
+            <a:r>
+              <a:rPr lang="ru-RU" dirty="0" smtClean="0"/>
+              <a:t>Способность работать </a:t>
+            </a:r>
+            <a:r>
+              <a:rPr lang="ru-RU" dirty="0"/>
+              <a:t>с разными типами </a:t>
+            </a:r>
+            <a:r>
+              <a:rPr lang="ru-RU" dirty="0" smtClean="0"/>
+              <a:t>данных, работать </a:t>
+            </a:r>
+            <a:r>
+              <a:rPr lang="ru-RU" dirty="0"/>
+              <a:t>с данными вне зависимости </a:t>
+            </a:r>
+            <a:r>
+              <a:rPr lang="ru-RU" dirty="0" smtClean="0"/>
+              <a:t>от распределения</a:t>
+            </a:r>
+            <a:r>
+              <a:rPr lang="ru-RU" dirty="0"/>
+              <a:t>, простота интерпретации. </a:t>
+            </a:r>
+            <a:endParaRPr lang="ru-RU" dirty="0" smtClean="0"/>
+          </a:p>
+          <a:p>
+            <a:r>
+              <a:rPr lang="ru-RU" dirty="0" smtClean="0"/>
+              <a:t>Немалые </a:t>
+            </a:r>
+            <a:r>
+              <a:rPr lang="ru-RU" dirty="0"/>
+              <a:t>траты вычислительных мощностей, низкая способность выявлять аномалии, близкие по значению к </a:t>
+            </a:r>
+            <a:r>
+              <a:rPr lang="ru-RU" dirty="0" smtClean="0"/>
+              <a:t>нормальным </a:t>
+            </a:r>
+            <a:r>
+              <a:rPr lang="ru-RU" dirty="0"/>
+              <a:t>измерениям, сложности задания метрики на сложных структурах данных.</a:t>
+            </a:r>
+          </a:p>
+          <a:p>
+            <a:r>
+              <a:rPr lang="ru-RU" dirty="0"/>
+              <a:t>Ч</a:t>
+            </a:r>
+            <a:r>
+              <a:rPr lang="ru-RU" dirty="0" smtClean="0"/>
+              <a:t>исто </a:t>
+            </a:r>
+            <a:r>
+              <a:rPr lang="ru-RU" dirty="0"/>
+              <a:t>теоретический обзор 𝐾𝑁𝑁 и сопряженных </a:t>
+            </a:r>
+            <a:r>
+              <a:rPr lang="ru-RU" dirty="0" smtClean="0"/>
+              <a:t>методов, качественное </a:t>
+            </a:r>
+            <a:r>
+              <a:rPr lang="ru-RU" dirty="0"/>
+              <a:t>описание метода, его свойств, модификаций, сильных и слабых </a:t>
+            </a:r>
+            <a:r>
+              <a:rPr lang="ru-RU" dirty="0" smtClean="0"/>
+              <a:t>сторон</a:t>
+            </a:r>
+            <a:endParaRPr lang="ru-RU" dirty="0"/>
+          </a:p>
+          <a:p>
+            <a:r>
+              <a:rPr lang="ru-RU" dirty="0" smtClean="0"/>
+              <a:t>Не предлагают нововведений, не сравнивают </a:t>
+            </a:r>
+            <a:r>
+              <a:rPr lang="en-US" dirty="0" smtClean="0"/>
+              <a:t>KNN </a:t>
+            </a:r>
+            <a:r>
+              <a:rPr lang="ru-RU" dirty="0" smtClean="0"/>
+              <a:t>с другими методами</a:t>
+            </a:r>
+            <a:endParaRPr lang="ru-RU" dirty="0"/>
+          </a:p>
+        </p:txBody>
+      </p:sp>
+      <p:sp>
+        <p:nvSpPr>
+          <p:cNvPr id="4" name="Заголовок 1"/>
+          <p:cNvSpPr>
+            <a:spLocks noGrp="1"/>
+          </p:cNvSpPr>
+          <p:nvPr>
+            <p:ph type="title"/>
+          </p:nvPr>
+        </p:nvSpPr>
+        <p:spPr>
+          <a:xfrm>
+            <a:off x="534838" y="400959"/>
+            <a:ext cx="9628140" cy="754980"/>
+          </a:xfrm>
+        </p:spPr>
+        <p:style>
+          <a:lnRef idx="3">
+            <a:schemeClr val="lt1"/>
+          </a:lnRef>
+          <a:fillRef idx="1">
+            <a:schemeClr val="accent1"/>
+          </a:fillRef>
+          <a:effectRef idx="1">
+            <a:schemeClr val="accent1"/>
+          </a:effectRef>
+          <a:fontRef idx="minor">
+            <a:schemeClr val="lt1"/>
+          </a:fontRef>
+        </p:style>
+        <p:txBody>
+          <a:bodyPr/>
+          <a:lstStyle/>
+          <a:p>
+            <a:pPr algn="ctr"/>
+            <a:r>
+              <a:rPr lang="en-US" b="1" i="1" dirty="0" smtClean="0"/>
+              <a:t>K Nearest Neighbors</a:t>
+            </a:r>
+            <a:endParaRPr lang="ru-RU" b="1" i="1" dirty="0"/>
+          </a:p>
+        </p:txBody>
+      </p:sp>
+      <p:sp>
+        <p:nvSpPr>
+          <p:cNvPr id="5" name="TextBox 4"/>
+          <p:cNvSpPr txBox="1"/>
+          <p:nvPr/>
+        </p:nvSpPr>
+        <p:spPr>
+          <a:xfrm>
+            <a:off x="8341744" y="5879068"/>
+            <a:ext cx="4038223" cy="738664"/>
+          </a:xfrm>
+          <a:prstGeom prst="rect">
+            <a:avLst/>
+          </a:prstGeom>
+          <a:noFill/>
+        </p:spPr>
+        <p:txBody>
+          <a:bodyPr wrap="square" rtlCol="0">
+            <a:spAutoFit/>
+          </a:bodyPr>
+          <a:lstStyle/>
+          <a:p>
+            <a:r>
+              <a:rPr lang="ru-RU" sz="1400" dirty="0"/>
+              <a:t>“A </a:t>
+            </a:r>
+            <a:r>
+              <a:rPr lang="ru-RU" sz="1400" dirty="0" err="1"/>
+              <a:t>Review</a:t>
+            </a:r>
+            <a:r>
+              <a:rPr lang="ru-RU" sz="1400" dirty="0"/>
+              <a:t> </a:t>
+            </a:r>
+            <a:r>
+              <a:rPr lang="ru-RU" sz="1400" dirty="0" err="1"/>
+              <a:t>of</a:t>
+            </a:r>
+            <a:r>
+              <a:rPr lang="ru-RU" sz="1400" dirty="0"/>
+              <a:t> </a:t>
+            </a:r>
+            <a:r>
+              <a:rPr lang="ru-RU" sz="1400" dirty="0" err="1"/>
+              <a:t>Anomaly</a:t>
+            </a:r>
+            <a:r>
+              <a:rPr lang="ru-RU" sz="1400" dirty="0"/>
+              <a:t> </a:t>
+            </a:r>
+            <a:r>
+              <a:rPr lang="ru-RU" sz="1400" dirty="0" err="1"/>
+              <a:t>Detection</a:t>
+            </a:r>
+            <a:r>
+              <a:rPr lang="ru-RU" sz="1400" dirty="0"/>
+              <a:t> </a:t>
+            </a:r>
+            <a:r>
+              <a:rPr lang="ru-RU" sz="1400" dirty="0" err="1"/>
+              <a:t>Techniques</a:t>
+            </a:r>
+            <a:r>
+              <a:rPr lang="ru-RU" sz="1400" dirty="0"/>
+              <a:t> </a:t>
+            </a:r>
+            <a:r>
+              <a:rPr lang="ru-RU" sz="1400" dirty="0" err="1"/>
+              <a:t>Based</a:t>
+            </a:r>
+            <a:r>
+              <a:rPr lang="ru-RU" sz="1400" dirty="0"/>
+              <a:t> </a:t>
+            </a:r>
+            <a:r>
+              <a:rPr lang="ru-RU" sz="1400" dirty="0" err="1"/>
+              <a:t>on</a:t>
+            </a:r>
+            <a:r>
+              <a:rPr lang="ru-RU" sz="1400" dirty="0"/>
+              <a:t> </a:t>
+            </a:r>
+            <a:r>
+              <a:rPr lang="ru-RU" sz="1400" dirty="0" err="1"/>
+              <a:t>Nearest</a:t>
+            </a:r>
+            <a:r>
+              <a:rPr lang="ru-RU" sz="1400" dirty="0"/>
+              <a:t> </a:t>
+            </a:r>
+            <a:r>
+              <a:rPr lang="ru-RU" sz="1400" dirty="0" err="1"/>
+              <a:t>Neighbor</a:t>
+            </a:r>
+            <a:r>
+              <a:rPr lang="ru-RU" sz="1400" dirty="0"/>
+              <a:t>” исследователи M. </a:t>
+            </a:r>
+            <a:r>
+              <a:rPr lang="ru-RU" sz="1400" dirty="0" err="1"/>
+              <a:t>Zhao</a:t>
+            </a:r>
+            <a:r>
+              <a:rPr lang="ru-RU" sz="1400" dirty="0"/>
+              <a:t>, J. </a:t>
+            </a:r>
+            <a:r>
+              <a:rPr lang="ru-RU" sz="1400" dirty="0" err="1"/>
+              <a:t>Chen</a:t>
+            </a:r>
+            <a:r>
+              <a:rPr lang="ru-RU" sz="1400" dirty="0"/>
+              <a:t>, Y. </a:t>
+            </a:r>
+            <a:r>
+              <a:rPr lang="ru-RU" sz="1400" dirty="0" err="1"/>
+              <a:t>Li</a:t>
+            </a:r>
+            <a:r>
+              <a:rPr lang="ru-RU" sz="1400" dirty="0"/>
+              <a:t> </a:t>
+            </a:r>
+          </a:p>
+        </p:txBody>
+      </p:sp>
+      <p:pic>
+        <p:nvPicPr>
+          <p:cNvPr id="2052" name="Picture 4" descr="K-Nearest Neighbors: A Simple Machine Learning Algorithm | RapidMiner"/>
+          <p:cNvPicPr>
+            <a:picLocks noChangeAspect="1" noChangeArrowheads="1"/>
+          </p:cNvPicPr>
+          <p:nvPr/>
+        </p:nvPicPr>
+        <p:blipFill>
+          <a:blip r:embed="rId2">
+            <a:extLst>
+              <a:ext uri="{28A0092B-C50C-407E-A947-70E740481C1C}">
+                <a14:useLocalDpi xmlns:a14="http://schemas.microsoft.com/office/drawing/2010/main" val="0"/>
+              </a:ext>
+            </a:extLst>
+          </a:blip>
+          <a:srcRect/>
+          <a:stretch>
+            <a:fillRect/>
+          </a:stretch>
+        </p:blipFill>
+        <p:spPr bwMode="auto">
+          <a:xfrm>
+            <a:off x="8368534" y="1974820"/>
+            <a:ext cx="3588888" cy="2950864"/>
+          </a:xfrm>
+          <a:prstGeom prst="rect">
+            <a:avLst/>
+          </a:prstGeom>
+          <a:noFill/>
+          <a:extLst>
+            <a:ext uri="{909E8E84-426E-40DD-AFC4-6F175D3DCCD1}">
+              <a14:hiddenFill xmlns:a14="http://schemas.microsoft.com/office/drawing/2010/main">
+                <a:solidFill>
+                  <a:srgbClr val="FFFFFF"/>
+                </a:solidFill>
+              </a14:hiddenFill>
+            </a:ext>
+          </a:extLst>
+        </p:spPr>
+      </p:pic>
+    </p:spTree>
+    <p:extLst>
+      <p:ext uri="{BB962C8B-B14F-4D97-AF65-F5344CB8AC3E}">
+        <p14:creationId xmlns:p14="http://schemas.microsoft.com/office/powerpoint/2010/main" val="2435848141"/>
+      </p:ext>
+    </p:extLst>
+  </p:cSld>
+  <p:clrMapOvr>
+    <a:masterClrMapping/>
+  </p:clrMapOvr>
+</p:sld>
+</file>
+
+<file path=ppt/slides/slide9.xml><?xml version="1.0" encoding="utf-8"?>
+<p:sld xmlns:a="http://schemas.openxmlformats.org/drawingml/2006/main" xmlns:r="http://schemas.openxmlformats.org/officeDocument/2006/relationships" xmlns:p="http://schemas.openxmlformats.org/presentationml/2006/main">
+  <p:cSld>
+    <p:spTree>
+      <p:nvGrpSpPr>
+        <p:cNvPr id="1" name=""/>
+        <p:cNvGrpSpPr/>
+        <p:nvPr/>
+      </p:nvGrpSpPr>
+      <p:grpSpPr>
+        <a:xfrm>
+          <a:off x="0" y="0"/>
+          <a:ext cx="0" cy="0"/>
+          <a:chOff x="0" y="0"/>
+          <a:chExt cx="0" cy="0"/>
+        </a:xfrm>
+      </p:grpSpPr>
+      <p:sp>
+        <p:nvSpPr>
+          <p:cNvPr id="3" name="Объект 2"/>
+          <p:cNvSpPr>
+            <a:spLocks noGrp="1"/>
+          </p:cNvSpPr>
+          <p:nvPr>
+            <p:ph idx="1"/>
+          </p:nvPr>
+        </p:nvSpPr>
+        <p:spPr>
+          <a:xfrm>
+            <a:off x="4554746" y="1009290"/>
+            <a:ext cx="7461849" cy="5779147"/>
+          </a:xfrm>
+        </p:spPr>
+        <p:txBody>
+          <a:bodyPr>
+            <a:noAutofit/>
+          </a:bodyPr>
+          <a:lstStyle/>
+          <a:p>
+            <a:pPr marL="0" indent="0">
+              <a:buNone/>
+            </a:pPr>
+            <a:r>
+              <a:rPr lang="ru-RU" sz="1800" dirty="0" smtClean="0"/>
+              <a:t>1.</a:t>
+            </a:r>
+            <a:r>
+              <a:rPr lang="en-US" sz="1800" dirty="0" smtClean="0"/>
+              <a:t> C</a:t>
+            </a:r>
+            <a:r>
+              <a:rPr lang="ru-RU" sz="1800" dirty="0" smtClean="0"/>
+              <a:t> помощью 𝐾𝑁𝑁 присваиваем оценки аномалий каждому из измерений</a:t>
+            </a:r>
+            <a:r>
+              <a:rPr lang="en-US" sz="1800" dirty="0" smtClean="0"/>
+              <a:t>, </a:t>
+            </a:r>
+            <a:r>
+              <a:rPr lang="ru-RU" sz="1800" dirty="0" smtClean="0"/>
+              <a:t>отсекаем его k ближайших соседей </a:t>
+            </a:r>
+            <a:endParaRPr lang="en-US" sz="1800" dirty="0" smtClean="0"/>
+          </a:p>
+          <a:p>
+            <a:pPr marL="0" indent="0">
+              <a:buNone/>
+            </a:pPr>
+            <a:r>
+              <a:rPr lang="ru-RU" sz="1800" dirty="0" smtClean="0"/>
+              <a:t>2</a:t>
+            </a:r>
+            <a:r>
+              <a:rPr lang="ru-RU" sz="1800" dirty="0"/>
+              <a:t>. Д</a:t>
+            </a:r>
+            <a:r>
+              <a:rPr lang="ru-RU" sz="1800" dirty="0" smtClean="0"/>
+              <a:t>ля </a:t>
+            </a:r>
+            <a:r>
+              <a:rPr lang="ru-RU" sz="1800" dirty="0"/>
+              <a:t>каждого измерения 𝑖 и его соседей выбираем 2 числа: </a:t>
+            </a:r>
+            <a:r>
+              <a:rPr lang="ru-RU" sz="1800" dirty="0" smtClean="0"/>
+              <a:t>𝑢</a:t>
+            </a:r>
+            <a:r>
+              <a:rPr lang="en-US" sz="1800" dirty="0" smtClean="0"/>
+              <a:t>_</a:t>
+            </a:r>
+            <a:r>
+              <a:rPr lang="ru-RU" sz="1800" dirty="0" smtClean="0"/>
+              <a:t>𝑖 </a:t>
+            </a:r>
+            <a:r>
+              <a:rPr lang="ru-RU" sz="1800" dirty="0"/>
+              <a:t>(оценка аномалии самого измерения) и </a:t>
+            </a:r>
+            <a:r>
+              <a:rPr lang="ru-RU" sz="1800" dirty="0" smtClean="0"/>
+              <a:t>𝑣</a:t>
+            </a:r>
+            <a:r>
+              <a:rPr lang="en-US" sz="1800" dirty="0" smtClean="0"/>
+              <a:t>_</a:t>
+            </a:r>
+            <a:r>
+              <a:rPr lang="ru-RU" sz="1800" dirty="0" smtClean="0"/>
+              <a:t>𝑖 </a:t>
+            </a:r>
+            <a:r>
+              <a:rPr lang="ru-RU" sz="1800" dirty="0"/>
+              <a:t>(</a:t>
+            </a:r>
+            <a:r>
+              <a:rPr lang="ru-RU" sz="1800" dirty="0" err="1"/>
+              <a:t>средня</a:t>
+            </a:r>
+            <a:r>
+              <a:rPr lang="ru-RU" sz="1800" dirty="0"/>
+              <a:t> оценка аномалии среди измерения и его k соседей) и записываем их в векторы 𝑈, </a:t>
+            </a:r>
+            <a:r>
+              <a:rPr lang="ru-RU" sz="1800" dirty="0" smtClean="0"/>
+              <a:t>𝑉</a:t>
+            </a:r>
+            <a:endParaRPr lang="en-US" sz="1800" dirty="0" smtClean="0"/>
+          </a:p>
+          <a:p>
+            <a:pPr marL="0" indent="0">
+              <a:buNone/>
+            </a:pPr>
+            <a:r>
+              <a:rPr lang="ru-RU" sz="1800" dirty="0" smtClean="0"/>
+              <a:t>3</a:t>
+            </a:r>
+            <a:r>
+              <a:rPr lang="ru-RU" sz="1800" dirty="0"/>
+              <a:t>. рассчитываем значение согласованности </a:t>
+            </a:r>
+            <a:r>
+              <a:rPr lang="ru-RU" sz="1800" dirty="0" smtClean="0"/>
+              <a:t>окрестностей</a:t>
+            </a:r>
+            <a:r>
+              <a:rPr lang="en-US" sz="1800" dirty="0"/>
+              <a:t>:</a:t>
+            </a:r>
+            <a:r>
+              <a:rPr lang="ru-RU" sz="1800" dirty="0" smtClean="0"/>
+              <a:t>1 </a:t>
+            </a:r>
+            <a:r>
+              <a:rPr lang="ru-RU" sz="1800" dirty="0"/>
+              <a:t>− 𝑐𝑜𝑠(𝑈, 𝑉 ) </a:t>
+            </a:r>
+            <a:endParaRPr lang="en-US" sz="1800" dirty="0" smtClean="0"/>
+          </a:p>
+          <a:p>
+            <a:pPr marL="0" indent="0">
+              <a:buNone/>
+            </a:pPr>
+            <a:r>
+              <a:rPr lang="ru-RU" sz="1800" dirty="0" smtClean="0"/>
+              <a:t>4</a:t>
+            </a:r>
+            <a:r>
+              <a:rPr lang="ru-RU" sz="1800" dirty="0"/>
+              <a:t>. из различных сгенерированных 𝐾𝑁𝑁 присвоений оценок аномалий выбираем то, у которого значение согласованности окрестностей </a:t>
+            </a:r>
+            <a:r>
+              <a:rPr lang="ru-RU" sz="1800" dirty="0" smtClean="0"/>
+              <a:t>наибольшее</a:t>
+            </a:r>
+          </a:p>
+          <a:p>
+            <a:r>
+              <a:rPr lang="ru-RU" sz="1800" dirty="0" smtClean="0"/>
+              <a:t>Аномалии далеки от нормальных значений</a:t>
+            </a:r>
+          </a:p>
+          <a:p>
+            <a:r>
+              <a:rPr lang="ru-RU" sz="1800" dirty="0" smtClean="0"/>
+              <a:t>С</a:t>
+            </a:r>
+            <a:r>
+              <a:rPr lang="en-US" sz="1800" dirty="0" smtClean="0"/>
+              <a:t> </a:t>
+            </a:r>
+            <a:r>
+              <a:rPr lang="ru-RU" sz="1800" dirty="0" smtClean="0"/>
+              <a:t>многомерными данными, вне </a:t>
+            </a:r>
+            <a:r>
+              <a:rPr lang="ru-RU" sz="1800" dirty="0"/>
+              <a:t>зависимости от </a:t>
+            </a:r>
+            <a:r>
+              <a:rPr lang="ru-RU" sz="1800" dirty="0" smtClean="0"/>
+              <a:t>распределения, высокая точность, низкие временные затраты </a:t>
+            </a:r>
+            <a:endParaRPr lang="ru-RU" sz="1800" dirty="0"/>
+          </a:p>
+          <a:p>
+            <a:r>
+              <a:rPr lang="ru-RU" sz="1800" dirty="0" smtClean="0"/>
+              <a:t>Затраты </a:t>
+            </a:r>
+            <a:r>
+              <a:rPr lang="ru-RU" sz="1800" dirty="0"/>
+              <a:t>вычислительных мощностей, пониженную эффективность определения аномалий при «похожести» аномалий и нормальных значений. </a:t>
+            </a:r>
+            <a:endParaRPr lang="ru-RU" sz="1800" dirty="0" smtClean="0"/>
+          </a:p>
+          <a:p>
+            <a:r>
+              <a:rPr lang="ru-RU" sz="1800" dirty="0" smtClean="0"/>
+              <a:t>Что </a:t>
+            </a:r>
+            <a:r>
+              <a:rPr lang="ru-RU" sz="1800" dirty="0"/>
+              <a:t>такое 𝐾𝑁𝑁, как </a:t>
+            </a:r>
+            <a:r>
+              <a:rPr lang="ru-RU" sz="1800" dirty="0" smtClean="0"/>
+              <a:t>применяется </a:t>
+            </a:r>
+            <a:r>
+              <a:rPr lang="ru-RU" sz="1800" dirty="0"/>
+              <a:t>в поиске аномалий</a:t>
+            </a:r>
+            <a:r>
+              <a:rPr lang="ru-RU" sz="1800" dirty="0" smtClean="0"/>
+              <a:t>, существующие </a:t>
+            </a:r>
+            <a:r>
+              <a:rPr lang="ru-RU" sz="1800" dirty="0" err="1" smtClean="0"/>
+              <a:t>модификации,собственная</a:t>
+            </a:r>
+            <a:r>
+              <a:rPr lang="ru-RU" sz="1800" dirty="0" smtClean="0"/>
+              <a:t> разработка и доказательство эффективности на данных</a:t>
+            </a:r>
+          </a:p>
+          <a:p>
+            <a:r>
+              <a:rPr lang="ru-RU" sz="1800" dirty="0" smtClean="0"/>
+              <a:t>Сравнивают только по </a:t>
+            </a:r>
+            <a:r>
+              <a:rPr lang="en-US" sz="1800" dirty="0" smtClean="0"/>
+              <a:t>AUC</a:t>
+            </a:r>
+            <a:endParaRPr lang="ru-RU" sz="1800" dirty="0"/>
+          </a:p>
+        </p:txBody>
+      </p:sp>
+      <p:sp>
+        <p:nvSpPr>
+          <p:cNvPr id="4" name="Заголовок 1"/>
+          <p:cNvSpPr>
+            <a:spLocks noGrp="1"/>
+          </p:cNvSpPr>
+          <p:nvPr>
+            <p:ph type="title"/>
+          </p:nvPr>
+        </p:nvSpPr>
+        <p:spPr>
+          <a:xfrm>
+            <a:off x="534838" y="171726"/>
+            <a:ext cx="9628140" cy="660090"/>
+          </a:xfrm>
+        </p:spPr>
+        <p:style>
+          <a:lnRef idx="3">
+            <a:schemeClr val="lt1"/>
+          </a:lnRef>
+          <a:fillRef idx="1">
+            <a:schemeClr val="accent1"/>
+          </a:fillRef>
+          <a:effectRef idx="1">
+            <a:schemeClr val="accent1"/>
+          </a:effectRef>
+          <a:fontRef idx="minor">
+            <a:schemeClr val="lt1"/>
+          </a:fontRef>
+        </p:style>
+        <p:txBody>
+          <a:bodyPr/>
+          <a:lstStyle/>
+          <a:p>
+            <a:pPr algn="ctr"/>
+            <a:r>
+              <a:rPr lang="ru-RU" b="1" i="1" dirty="0" err="1"/>
+              <a:t>Neighbourhood</a:t>
+            </a:r>
+            <a:r>
+              <a:rPr lang="ru-RU" b="1" i="1" dirty="0"/>
+              <a:t> </a:t>
+            </a:r>
+            <a:r>
+              <a:rPr lang="ru-RU" b="1" i="1" dirty="0" err="1"/>
+              <a:t>consistency</a:t>
+            </a:r>
+            <a:endParaRPr lang="ru-RU" b="1" i="1" dirty="0"/>
+          </a:p>
+        </p:txBody>
+      </p:sp>
+      <p:sp>
+        <p:nvSpPr>
+          <p:cNvPr id="5" name="TextBox 4"/>
+          <p:cNvSpPr txBox="1"/>
+          <p:nvPr/>
+        </p:nvSpPr>
+        <p:spPr>
+          <a:xfrm>
+            <a:off x="112144" y="5834331"/>
+            <a:ext cx="3873260" cy="954107"/>
+          </a:xfrm>
+          <a:prstGeom prst="rect">
+            <a:avLst/>
+          </a:prstGeom>
+          <a:noFill/>
+        </p:spPr>
+        <p:txBody>
+          <a:bodyPr wrap="square" rtlCol="0">
+            <a:spAutoFit/>
+          </a:bodyPr>
+          <a:lstStyle/>
+          <a:p>
+            <a:r>
+              <a:rPr lang="ru-RU" sz="1400" dirty="0"/>
+              <a:t>“</a:t>
+            </a:r>
+            <a:r>
+              <a:rPr lang="ru-RU" sz="1400" dirty="0" err="1"/>
+              <a:t>Outlier</a:t>
+            </a:r>
+            <a:r>
+              <a:rPr lang="ru-RU" sz="1400" dirty="0"/>
+              <a:t> </a:t>
+            </a:r>
+            <a:r>
+              <a:rPr lang="ru-RU" sz="1400" dirty="0" err="1"/>
+              <a:t>detection</a:t>
+            </a:r>
+            <a:r>
+              <a:rPr lang="ru-RU" sz="1400" dirty="0"/>
+              <a:t>: </a:t>
+            </a:r>
+            <a:r>
+              <a:rPr lang="ru-RU" sz="1400" dirty="0" err="1"/>
+              <a:t>How</a:t>
+            </a:r>
+            <a:r>
+              <a:rPr lang="ru-RU" sz="1400" dirty="0"/>
+              <a:t> </a:t>
+            </a:r>
+            <a:r>
+              <a:rPr lang="ru-RU" sz="1400" dirty="0" err="1"/>
+              <a:t>to</a:t>
+            </a:r>
+            <a:r>
+              <a:rPr lang="ru-RU" sz="1400" dirty="0"/>
+              <a:t> </a:t>
+            </a:r>
+            <a:r>
+              <a:rPr lang="ru-RU" sz="1400" dirty="0" err="1"/>
+              <a:t>Select</a:t>
+            </a:r>
+            <a:r>
+              <a:rPr lang="ru-RU" sz="1400" dirty="0"/>
+              <a:t> k </a:t>
+            </a:r>
+            <a:r>
+              <a:rPr lang="ru-RU" sz="1400" dirty="0" err="1"/>
+              <a:t>for</a:t>
+            </a:r>
+            <a:r>
+              <a:rPr lang="ru-RU" sz="1400" dirty="0"/>
+              <a:t> k-</a:t>
+            </a:r>
+            <a:r>
+              <a:rPr lang="ru-RU" sz="1400" dirty="0" err="1"/>
+              <a:t>nearest</a:t>
+            </a:r>
+            <a:r>
+              <a:rPr lang="ru-RU" sz="1400" dirty="0"/>
+              <a:t>-</a:t>
+            </a:r>
+            <a:r>
+              <a:rPr lang="ru-RU" sz="1400" dirty="0" err="1"/>
+              <a:t>neighbors-based</a:t>
+            </a:r>
+            <a:r>
+              <a:rPr lang="ru-RU" sz="1400" dirty="0"/>
+              <a:t> </a:t>
+            </a:r>
+            <a:r>
+              <a:rPr lang="ru-RU" sz="1400" dirty="0" err="1"/>
+              <a:t>outlier</a:t>
+            </a:r>
+            <a:r>
+              <a:rPr lang="ru-RU" sz="1400" dirty="0"/>
+              <a:t> </a:t>
+            </a:r>
+            <a:r>
+              <a:rPr lang="ru-RU" sz="1400" dirty="0" err="1"/>
+              <a:t>detectors</a:t>
+            </a:r>
+            <a:r>
+              <a:rPr lang="ru-RU" sz="1400" dirty="0"/>
+              <a:t>” </a:t>
+            </a:r>
+            <a:r>
+              <a:rPr lang="en-US" sz="1400" dirty="0" smtClean="0"/>
+              <a:t>by</a:t>
+            </a:r>
+            <a:r>
+              <a:rPr lang="ru-RU" sz="1400" dirty="0" smtClean="0"/>
+              <a:t>J</a:t>
+            </a:r>
+            <a:r>
+              <a:rPr lang="ru-RU" sz="1400" dirty="0"/>
+              <a:t>. </a:t>
+            </a:r>
+            <a:r>
+              <a:rPr lang="ru-RU" sz="1400" dirty="0" err="1"/>
+              <a:t>Yang</a:t>
+            </a:r>
+            <a:r>
+              <a:rPr lang="ru-RU" sz="1400" dirty="0"/>
+              <a:t>, X. </a:t>
+            </a:r>
+            <a:r>
+              <a:rPr lang="ru-RU" sz="1400" dirty="0" err="1"/>
+              <a:t>Tan</a:t>
+            </a:r>
+            <a:r>
+              <a:rPr lang="ru-RU" sz="1400" dirty="0"/>
+              <a:t>, S. </a:t>
+            </a:r>
+            <a:r>
+              <a:rPr lang="ru-RU" sz="1400" dirty="0" err="1" smtClean="0"/>
+              <a:t>Rahardja</a:t>
+            </a:r>
+            <a:endParaRPr lang="en-US" sz="1400" dirty="0"/>
+          </a:p>
+          <a:p>
+            <a:endParaRPr lang="en-US" sz="1400" dirty="0"/>
+          </a:p>
+        </p:txBody>
+      </p:sp>
+      <p:pic>
+        <p:nvPicPr>
+          <p:cNvPr id="8" name="Рисунок 7"/>
+          <p:cNvPicPr>
+            <a:picLocks noChangeAspect="1"/>
+          </p:cNvPicPr>
+          <p:nvPr/>
+        </p:nvPicPr>
+        <p:blipFill rotWithShape="1">
+          <a:blip r:embed="rId2"/>
+          <a:srcRect l="7760" t="27120" r="40485" b="9711"/>
+          <a:stretch/>
+        </p:blipFill>
+        <p:spPr>
+          <a:xfrm>
+            <a:off x="241541" y="1975449"/>
+            <a:ext cx="4114799" cy="3325483"/>
+          </a:xfrm>
+          <a:prstGeom prst="rect">
+            <a:avLst/>
+          </a:prstGeom>
+        </p:spPr>
+      </p:pic>
+    </p:spTree>
+    <p:extLst>
+      <p:ext uri="{BB962C8B-B14F-4D97-AF65-F5344CB8AC3E}">
+        <p14:creationId xmlns:p14="http://schemas.microsoft.com/office/powerpoint/2010/main" val="2724911217"/>
       </p:ext>
     </p:extLst>
   </p:cSld>
